--- a/Energy Consumption Analysis for Buildings in San Francisco.pptx
+++ b/Energy Consumption Analysis for Buildings in San Francisco.pptx
@@ -12,7 +12,17 @@
     <p:sldId id="260" r:id="rId6"/>
     <p:sldId id="261" r:id="rId7"/>
     <p:sldId id="262" r:id="rId8"/>
-    <p:sldId id="263" r:id="rId9"/>
+    <p:sldId id="264" r:id="rId9"/>
+    <p:sldId id="265" r:id="rId10"/>
+    <p:sldId id="266" r:id="rId11"/>
+    <p:sldId id="267" r:id="rId12"/>
+    <p:sldId id="268" r:id="rId13"/>
+    <p:sldId id="269" r:id="rId14"/>
+    <p:sldId id="270" r:id="rId15"/>
+    <p:sldId id="271" r:id="rId16"/>
+    <p:sldId id="273" r:id="rId17"/>
+    <p:sldId id="272" r:id="rId18"/>
+    <p:sldId id="274" r:id="rId19"/>
   </p:sldIdLst>
   <p:sldSz cx="12192000" cy="6858000"/>
   <p:notesSz cx="6858000" cy="9144000"/>
@@ -111,6 +121,11 @@
       </a:defRPr>
     </a:lvl9pPr>
   </p:defaultTextStyle>
+  <p:extLst>
+    <p:ext uri="{EFAFB233-063F-42B5-8137-9DF3F51BA10A}">
+      <p15:sldGuideLst xmlns:p15="http://schemas.microsoft.com/office/powerpoint/2012/main"/>
+    </p:ext>
+  </p:extLst>
 </p:presentation>
 </file>
 
@@ -1063,7 +1078,7 @@
         <a:lstStyle/>
         <a:p>
           <a:r>
-            <a:rPr lang="en-US"/>
+            <a:rPr lang="en-US" dirty="0"/>
             <a:t>RESOURCE: Open Source Data from the City of San Francisco through the Existing Buildings Energy Performance Ordinance Report</a:t>
           </a:r>
         </a:p>
@@ -1348,7 +1363,7 @@
             <a:buNone/>
           </a:pPr>
           <a:r>
-            <a:rPr lang="en-US" sz="1400" kern="1200"/>
+            <a:rPr lang="en-US" sz="1400" kern="1200" dirty="0"/>
             <a:t>RESOURCE: Open Source Data from the City of San Francisco through the Existing Buildings Energy Performance Ordinance Report</a:t>
           </a:r>
         </a:p>
@@ -8768,6 +8783,3472 @@
 </p:sld>
 </file>
 
+<file path=ppt/slides/slide10.xml><?xml version="1.0" encoding="utf-8"?>
+<p:sld xmlns:a="http://schemas.openxmlformats.org/drawingml/2006/main" xmlns:r="http://schemas.openxmlformats.org/officeDocument/2006/relationships" xmlns:p="http://schemas.openxmlformats.org/presentationml/2006/main">
+  <p:cSld>
+    <p:bg>
+      <p:bgPr>
+        <a:solidFill>
+          <a:schemeClr val="bg1"/>
+        </a:solidFill>
+        <a:effectLst/>
+      </p:bgPr>
+    </p:bg>
+    <p:spTree>
+      <p:nvGrpSpPr>
+        <p:cNvPr id="1" name=""/>
+        <p:cNvGrpSpPr/>
+        <p:nvPr/>
+      </p:nvGrpSpPr>
+      <p:grpSpPr>
+        <a:xfrm>
+          <a:off x="0" y="0"/>
+          <a:ext cx="0" cy="0"/>
+          <a:chOff x="0" y="0"/>
+          <a:chExt cx="0" cy="0"/>
+        </a:xfrm>
+      </p:grpSpPr>
+      <p:sp useBgFill="1">
+        <p:nvSpPr>
+          <p:cNvPr id="8" name="Rectangle 7">
+            <a:extLst>
+              <a:ext uri="{FF2B5EF4-FFF2-40B4-BE49-F238E27FC236}">
+                <a16:creationId xmlns:a16="http://schemas.microsoft.com/office/drawing/2014/main" id="{603AE127-802C-459A-A612-DB85B67F0DC0}"/>
+              </a:ext>
+              <a:ext uri="{C183D7F6-B498-43B3-948B-1728B52AA6E4}">
+                <adec:decorative xmlns:adec="http://schemas.microsoft.com/office/drawing/2017/decorative" val="1"/>
+              </a:ext>
+            </a:extLst>
+          </p:cNvPr>
+          <p:cNvSpPr>
+            <a:spLocks noGrp="1" noRot="1" noChangeAspect="1" noMove="1" noResize="1" noEditPoints="1" noAdjustHandles="1" noChangeArrowheads="1" noChangeShapeType="1" noTextEdit="1"/>
+          </p:cNvSpPr>
+          <p:nvPr>
+            <p:extLst>
+              <p:ext uri="{386F3935-93C4-4BCD-93E2-E3B085C9AB24}">
+                <p16:designElem xmlns:p16="http://schemas.microsoft.com/office/powerpoint/2015/main" val="1"/>
+              </p:ext>
+            </p:extLst>
+          </p:nvPr>
+        </p:nvSpPr>
+        <p:spPr>
+          <a:xfrm>
+            <a:off x="0" y="0"/>
+            <a:ext cx="12192000" cy="6858000"/>
+          </a:xfrm>
+          <a:prstGeom prst="rect">
+            <a:avLst/>
+          </a:prstGeom>
+          <a:ln>
+            <a:noFill/>
+          </a:ln>
+        </p:spPr>
+        <p:style>
+          <a:lnRef idx="2">
+            <a:schemeClr val="accent1">
+              <a:shade val="50000"/>
+            </a:schemeClr>
+          </a:lnRef>
+          <a:fillRef idx="1">
+            <a:schemeClr val="accent1"/>
+          </a:fillRef>
+          <a:effectRef idx="0">
+            <a:schemeClr val="accent1"/>
+          </a:effectRef>
+          <a:fontRef idx="minor">
+            <a:schemeClr val="lt1"/>
+          </a:fontRef>
+        </p:style>
+        <p:txBody>
+          <a:bodyPr rtlCol="0" anchor="ctr"/>
+          <a:lstStyle/>
+          <a:p>
+            <a:pPr algn="ctr"/>
+            <a:endParaRPr lang="en-US"/>
+          </a:p>
+        </p:txBody>
+      </p:sp>
+      <p:sp>
+        <p:nvSpPr>
+          <p:cNvPr id="2" name="Title 1">
+            <a:extLst>
+              <a:ext uri="{FF2B5EF4-FFF2-40B4-BE49-F238E27FC236}">
+                <a16:creationId xmlns:a16="http://schemas.microsoft.com/office/drawing/2014/main" id="{F866DD9F-41DE-DF01-1867-AB1A9E520195}"/>
+              </a:ext>
+            </a:extLst>
+          </p:cNvPr>
+          <p:cNvSpPr>
+            <a:spLocks noGrp="1"/>
+          </p:cNvSpPr>
+          <p:nvPr>
+            <p:ph type="title"/>
+          </p:nvPr>
+        </p:nvSpPr>
+        <p:spPr>
+          <a:xfrm>
+            <a:off x="1043950" y="1179151"/>
+            <a:ext cx="3300646" cy="4463889"/>
+          </a:xfrm>
+        </p:spPr>
+        <p:txBody>
+          <a:bodyPr anchor="ctr">
+            <a:normAutofit/>
+          </a:bodyPr>
+          <a:lstStyle/>
+          <a:p>
+            <a:r>
+              <a:rPr lang="en-US" dirty="0"/>
+              <a:t>Question #3</a:t>
+            </a:r>
+          </a:p>
+        </p:txBody>
+      </p:sp>
+      <p:sp>
+        <p:nvSpPr>
+          <p:cNvPr id="10" name="Isosceles Triangle 9">
+            <a:extLst>
+              <a:ext uri="{FF2B5EF4-FFF2-40B4-BE49-F238E27FC236}">
+                <a16:creationId xmlns:a16="http://schemas.microsoft.com/office/drawing/2014/main" id="{9323D83D-50D6-4040-A58B-FCEA340F886A}"/>
+              </a:ext>
+              <a:ext uri="{C183D7F6-B498-43B3-948B-1728B52AA6E4}">
+                <adec:decorative xmlns:adec="http://schemas.microsoft.com/office/drawing/2017/decorative" val="1"/>
+              </a:ext>
+            </a:extLst>
+          </p:cNvPr>
+          <p:cNvSpPr>
+            <a:spLocks noGrp="1" noRot="1" noChangeAspect="1" noMove="1" noResize="1" noEditPoints="1" noAdjustHandles="1" noChangeArrowheads="1" noChangeShapeType="1" noTextEdit="1"/>
+          </p:cNvSpPr>
+          <p:nvPr>
+            <p:extLst>
+              <p:ext uri="{386F3935-93C4-4BCD-93E2-E3B085C9AB24}">
+                <p16:designElem xmlns:p16="http://schemas.microsoft.com/office/powerpoint/2015/main" val="1"/>
+              </p:ext>
+            </p:extLst>
+          </p:nvPr>
+        </p:nvSpPr>
+        <p:spPr>
+          <a:xfrm>
+            <a:off x="0" y="4013200"/>
+            <a:ext cx="448733" cy="2844800"/>
+          </a:xfrm>
+          <a:prstGeom prst="triangle">
+            <a:avLst>
+              <a:gd name="adj" fmla="val 0"/>
+            </a:avLst>
+          </a:prstGeom>
+          <a:solidFill>
+            <a:schemeClr val="accent1"/>
+          </a:solidFill>
+          <a:ln>
+            <a:noFill/>
+          </a:ln>
+          <a:effectLst/>
+        </p:spPr>
+        <p:style>
+          <a:lnRef idx="1">
+            <a:schemeClr val="accent1"/>
+          </a:lnRef>
+          <a:fillRef idx="3">
+            <a:schemeClr val="accent1"/>
+          </a:fillRef>
+          <a:effectRef idx="2">
+            <a:schemeClr val="accent1"/>
+          </a:effectRef>
+          <a:fontRef idx="minor">
+            <a:schemeClr val="lt1"/>
+          </a:fontRef>
+        </p:style>
+      </p:sp>
+      <p:cxnSp>
+        <p:nvCxnSpPr>
+          <p:cNvPr id="12" name="Straight Connector 11">
+            <a:extLst>
+              <a:ext uri="{FF2B5EF4-FFF2-40B4-BE49-F238E27FC236}">
+                <a16:creationId xmlns:a16="http://schemas.microsoft.com/office/drawing/2014/main" id="{1A1FE6BB-DFB2-4080-9B5E-076EF5DDE67B}"/>
+              </a:ext>
+              <a:ext uri="{C183D7F6-B498-43B3-948B-1728B52AA6E4}">
+                <adec:decorative xmlns:adec="http://schemas.microsoft.com/office/drawing/2017/decorative" val="1"/>
+              </a:ext>
+            </a:extLst>
+          </p:cNvPr>
+          <p:cNvCxnSpPr>
+            <a:cxnSpLocks noGrp="1" noRot="1" noChangeAspect="1" noMove="1" noResize="1" noEditPoints="1" noAdjustHandles="1" noChangeArrowheads="1" noChangeShapeType="1"/>
+          </p:cNvCxnSpPr>
+          <p:nvPr>
+            <p:extLst>
+              <p:ext uri="{386F3935-93C4-4BCD-93E2-E3B085C9AB24}">
+                <p16:designElem xmlns:p16="http://schemas.microsoft.com/office/powerpoint/2015/main" val="1"/>
+              </p:ext>
+            </p:extLst>
+          </p:nvPr>
+        </p:nvCxnSpPr>
+        <p:spPr>
+          <a:xfrm>
+            <a:off x="4656670" y="1442595"/>
+            <a:ext cx="0" cy="3937000"/>
+          </a:xfrm>
+          <a:prstGeom prst="line">
+            <a:avLst/>
+          </a:prstGeom>
+        </p:spPr>
+        <p:style>
+          <a:lnRef idx="1">
+            <a:schemeClr val="accent1"/>
+          </a:lnRef>
+          <a:fillRef idx="0">
+            <a:schemeClr val="accent1"/>
+          </a:fillRef>
+          <a:effectRef idx="0">
+            <a:schemeClr val="accent1"/>
+          </a:effectRef>
+          <a:fontRef idx="minor">
+            <a:schemeClr val="tx1"/>
+          </a:fontRef>
+        </p:style>
+      </p:cxnSp>
+      <p:sp>
+        <p:nvSpPr>
+          <p:cNvPr id="3" name="Content Placeholder 2">
+            <a:extLst>
+              <a:ext uri="{FF2B5EF4-FFF2-40B4-BE49-F238E27FC236}">
+                <a16:creationId xmlns:a16="http://schemas.microsoft.com/office/drawing/2014/main" id="{9ED831D7-6E20-C434-3029-997FB8C62BD8}"/>
+              </a:ext>
+            </a:extLst>
+          </p:cNvPr>
+          <p:cNvSpPr>
+            <a:spLocks noGrp="1"/>
+          </p:cNvSpPr>
+          <p:nvPr>
+            <p:ph idx="1"/>
+          </p:nvPr>
+        </p:nvSpPr>
+        <p:spPr>
+          <a:xfrm>
+            <a:off x="4978918" y="1109145"/>
+            <a:ext cx="6341016" cy="4603900"/>
+          </a:xfrm>
+        </p:spPr>
+        <p:txBody>
+          <a:bodyPr anchor="ctr">
+            <a:normAutofit/>
+          </a:bodyPr>
+          <a:lstStyle/>
+          <a:p>
+            <a:pPr marL="0" indent="0">
+              <a:buNone/>
+            </a:pPr>
+            <a:r>
+              <a:rPr lang="en-US" dirty="0"/>
+              <a:t>Has the greenhouse gas emission intensity for commercial and residential buildings decreased since 2018? Create boxplots for the 2022 GHG Emissions to calculate the quartiles and IQR and list the potential outlying properties for commercial and residential buildings.</a:t>
+            </a:r>
+          </a:p>
+        </p:txBody>
+      </p:sp>
+      <p:sp>
+        <p:nvSpPr>
+          <p:cNvPr id="14" name="Isosceles Triangle 13">
+            <a:extLst>
+              <a:ext uri="{FF2B5EF4-FFF2-40B4-BE49-F238E27FC236}">
+                <a16:creationId xmlns:a16="http://schemas.microsoft.com/office/drawing/2014/main" id="{F10FD715-4DCE-4779-B634-EC78315EA213}"/>
+              </a:ext>
+              <a:ext uri="{C183D7F6-B498-43B3-948B-1728B52AA6E4}">
+                <adec:decorative xmlns:adec="http://schemas.microsoft.com/office/drawing/2017/decorative" val="1"/>
+              </a:ext>
+            </a:extLst>
+          </p:cNvPr>
+          <p:cNvSpPr>
+            <a:spLocks noGrp="1" noRot="1" noChangeAspect="1" noMove="1" noResize="1" noEditPoints="1" noAdjustHandles="1" noChangeArrowheads="1" noChangeShapeType="1" noTextEdit="1"/>
+          </p:cNvSpPr>
+          <p:nvPr>
+            <p:extLst>
+              <p:ext uri="{386F3935-93C4-4BCD-93E2-E3B085C9AB24}">
+                <p16:designElem xmlns:p16="http://schemas.microsoft.com/office/powerpoint/2015/main" val="1"/>
+              </p:ext>
+            </p:extLst>
+          </p:nvPr>
+        </p:nvSpPr>
+        <p:spPr>
+          <a:xfrm rot="10800000" flipH="1">
+            <a:off x="11364139" y="0"/>
+            <a:ext cx="842596" cy="4616289"/>
+          </a:xfrm>
+          <a:prstGeom prst="triangle">
+            <a:avLst>
+              <a:gd name="adj" fmla="val 100000"/>
+            </a:avLst>
+          </a:prstGeom>
+          <a:solidFill>
+            <a:schemeClr val="accent2"/>
+          </a:solidFill>
+          <a:ln>
+            <a:noFill/>
+          </a:ln>
+          <a:effectLst/>
+        </p:spPr>
+        <p:style>
+          <a:lnRef idx="1">
+            <a:schemeClr val="accent1"/>
+          </a:lnRef>
+          <a:fillRef idx="3">
+            <a:schemeClr val="accent1"/>
+          </a:fillRef>
+          <a:effectRef idx="2">
+            <a:schemeClr val="accent1"/>
+          </a:effectRef>
+          <a:fontRef idx="minor">
+            <a:schemeClr val="lt1"/>
+          </a:fontRef>
+        </p:style>
+      </p:sp>
+    </p:spTree>
+    <p:extLst>
+      <p:ext uri="{BB962C8B-B14F-4D97-AF65-F5344CB8AC3E}">
+        <p14:creationId xmlns:p14="http://schemas.microsoft.com/office/powerpoint/2010/main" val="2731187572"/>
+      </p:ext>
+    </p:extLst>
+  </p:cSld>
+  <p:clrMapOvr>
+    <a:masterClrMapping/>
+  </p:clrMapOvr>
+</p:sld>
+</file>
+
+<file path=ppt/slides/slide11.xml><?xml version="1.0" encoding="utf-8"?>
+<p:sld xmlns:a="http://schemas.openxmlformats.org/drawingml/2006/main" xmlns:r="http://schemas.openxmlformats.org/officeDocument/2006/relationships" xmlns:p="http://schemas.openxmlformats.org/presentationml/2006/main">
+  <p:cSld>
+    <p:spTree>
+      <p:nvGrpSpPr>
+        <p:cNvPr id="1" name=""/>
+        <p:cNvGrpSpPr/>
+        <p:nvPr/>
+      </p:nvGrpSpPr>
+      <p:grpSpPr>
+        <a:xfrm>
+          <a:off x="0" y="0"/>
+          <a:ext cx="0" cy="0"/>
+          <a:chOff x="0" y="0"/>
+          <a:chExt cx="0" cy="0"/>
+        </a:xfrm>
+      </p:grpSpPr>
+      <p:pic>
+        <p:nvPicPr>
+          <p:cNvPr id="8" name="Content Placeholder 7" descr="A picture containing text, screenshot, diagram, line&#10;&#10;Description automatically generated">
+            <a:extLst>
+              <a:ext uri="{FF2B5EF4-FFF2-40B4-BE49-F238E27FC236}">
+                <a16:creationId xmlns:a16="http://schemas.microsoft.com/office/drawing/2014/main" id="{4301F515-E5BE-9271-A57D-407D805C6323}"/>
+              </a:ext>
+            </a:extLst>
+          </p:cNvPr>
+          <p:cNvPicPr>
+            <a:picLocks noGrp="1" noChangeAspect="1"/>
+          </p:cNvPicPr>
+          <p:nvPr>
+            <p:ph sz="half" idx="2"/>
+          </p:nvPr>
+        </p:nvPicPr>
+        <p:blipFill>
+          <a:blip r:embed="rId2">
+            <a:extLst>
+              <a:ext uri="{28A0092B-C50C-407E-A947-70E740481C1C}">
+                <a14:useLocalDpi xmlns:a14="http://schemas.microsoft.com/office/drawing/2010/main" val="0"/>
+              </a:ext>
+            </a:extLst>
+          </a:blip>
+          <a:stretch>
+            <a:fillRect/>
+          </a:stretch>
+        </p:blipFill>
+        <p:spPr>
+          <a:xfrm>
+            <a:off x="676275" y="858934"/>
+            <a:ext cx="4184650" cy="3087371"/>
+          </a:xfrm>
+        </p:spPr>
+      </p:pic>
+      <p:pic>
+        <p:nvPicPr>
+          <p:cNvPr id="10" name="Content Placeholder 9" descr="A picture containing text, screenshot, line, diagram&#10;&#10;Description automatically generated">
+            <a:extLst>
+              <a:ext uri="{FF2B5EF4-FFF2-40B4-BE49-F238E27FC236}">
+                <a16:creationId xmlns:a16="http://schemas.microsoft.com/office/drawing/2014/main" id="{22074039-A718-8088-2036-57D89AA34F4B}"/>
+              </a:ext>
+            </a:extLst>
+          </p:cNvPr>
+          <p:cNvPicPr>
+            <a:picLocks noGrp="1" noChangeAspect="1"/>
+          </p:cNvPicPr>
+          <p:nvPr>
+            <p:ph sz="quarter" idx="4"/>
+          </p:nvPr>
+        </p:nvPicPr>
+        <p:blipFill>
+          <a:blip r:embed="rId3">
+            <a:extLst>
+              <a:ext uri="{28A0092B-C50C-407E-A947-70E740481C1C}">
+                <a14:useLocalDpi xmlns:a14="http://schemas.microsoft.com/office/drawing/2010/main" val="0"/>
+              </a:ext>
+            </a:extLst>
+          </a:blip>
+          <a:stretch>
+            <a:fillRect/>
+          </a:stretch>
+        </p:blipFill>
+        <p:spPr>
+          <a:xfrm>
+            <a:off x="5087938" y="902380"/>
+            <a:ext cx="4186237" cy="3043925"/>
+          </a:xfrm>
+        </p:spPr>
+      </p:pic>
+      <p:sp>
+        <p:nvSpPr>
+          <p:cNvPr id="11" name="Text Placeholder 2">
+            <a:extLst>
+              <a:ext uri="{FF2B5EF4-FFF2-40B4-BE49-F238E27FC236}">
+                <a16:creationId xmlns:a16="http://schemas.microsoft.com/office/drawing/2014/main" id="{A8A2767E-0E39-4E2B-7836-B8164FA06430}"/>
+              </a:ext>
+            </a:extLst>
+          </p:cNvPr>
+          <p:cNvSpPr txBox="1">
+            <a:spLocks/>
+          </p:cNvSpPr>
+          <p:nvPr/>
+        </p:nvSpPr>
+        <p:spPr>
+          <a:xfrm>
+            <a:off x="675745" y="282672"/>
+            <a:ext cx="4185623" cy="576262"/>
+          </a:xfrm>
+          <a:prstGeom prst="rect">
+            <a:avLst/>
+          </a:prstGeom>
+        </p:spPr>
+        <p:txBody>
+          <a:bodyPr vert="horz" lIns="91440" tIns="45720" rIns="91440" bIns="45720" rtlCol="0">
+            <a:normAutofit/>
+          </a:bodyPr>
+          <a:lstStyle>
+            <a:lvl1pPr marL="342900" indent="-342900" algn="l" defTabSz="457200" rtl="0" eaLnBrk="1" latinLnBrk="0" hangingPunct="1">
+              <a:spcBef>
+                <a:spcPts val="1000"/>
+              </a:spcBef>
+              <a:spcAft>
+                <a:spcPts val="0"/>
+              </a:spcAft>
+              <a:buClr>
+                <a:schemeClr val="accent1"/>
+              </a:buClr>
+              <a:buSzPct val="80000"/>
+              <a:buFont typeface="Wingdings 3" charset="2"/>
+              <a:buChar char=""/>
+              <a:defRPr sz="1800" kern="1200">
+                <a:solidFill>
+                  <a:schemeClr val="tx1">
+                    <a:lumMod val="75000"/>
+                    <a:lumOff val="25000"/>
+                  </a:schemeClr>
+                </a:solidFill>
+                <a:latin typeface="+mn-lt"/>
+                <a:ea typeface="+mn-ea"/>
+                <a:cs typeface="+mn-cs"/>
+              </a:defRPr>
+            </a:lvl1pPr>
+            <a:lvl2pPr marL="742950" indent="-285750" algn="l" defTabSz="457200" rtl="0" eaLnBrk="1" latinLnBrk="0" hangingPunct="1">
+              <a:spcBef>
+                <a:spcPts val="1000"/>
+              </a:spcBef>
+              <a:spcAft>
+                <a:spcPts val="0"/>
+              </a:spcAft>
+              <a:buClr>
+                <a:schemeClr val="accent1"/>
+              </a:buClr>
+              <a:buSzPct val="80000"/>
+              <a:buFont typeface="Wingdings 3" charset="2"/>
+              <a:buChar char=""/>
+              <a:defRPr sz="1600" kern="1200">
+                <a:solidFill>
+                  <a:schemeClr val="tx1">
+                    <a:lumMod val="75000"/>
+                    <a:lumOff val="25000"/>
+                  </a:schemeClr>
+                </a:solidFill>
+                <a:latin typeface="+mn-lt"/>
+                <a:ea typeface="+mn-ea"/>
+                <a:cs typeface="+mn-cs"/>
+              </a:defRPr>
+            </a:lvl2pPr>
+            <a:lvl3pPr marL="1143000" indent="-228600" algn="l" defTabSz="457200" rtl="0" eaLnBrk="1" latinLnBrk="0" hangingPunct="1">
+              <a:spcBef>
+                <a:spcPts val="1000"/>
+              </a:spcBef>
+              <a:spcAft>
+                <a:spcPts val="0"/>
+              </a:spcAft>
+              <a:buClr>
+                <a:schemeClr val="accent1"/>
+              </a:buClr>
+              <a:buSzPct val="80000"/>
+              <a:buFont typeface="Wingdings 3" charset="2"/>
+              <a:buChar char=""/>
+              <a:defRPr sz="1400" kern="1200">
+                <a:solidFill>
+                  <a:schemeClr val="tx1">
+                    <a:lumMod val="75000"/>
+                    <a:lumOff val="25000"/>
+                  </a:schemeClr>
+                </a:solidFill>
+                <a:latin typeface="+mn-lt"/>
+                <a:ea typeface="+mn-ea"/>
+                <a:cs typeface="+mn-cs"/>
+              </a:defRPr>
+            </a:lvl3pPr>
+            <a:lvl4pPr marL="1600200" indent="-228600" algn="l" defTabSz="457200" rtl="0" eaLnBrk="1" latinLnBrk="0" hangingPunct="1">
+              <a:spcBef>
+                <a:spcPts val="1000"/>
+              </a:spcBef>
+              <a:spcAft>
+                <a:spcPts val="0"/>
+              </a:spcAft>
+              <a:buClr>
+                <a:schemeClr val="accent1"/>
+              </a:buClr>
+              <a:buSzPct val="80000"/>
+              <a:buFont typeface="Wingdings 3" charset="2"/>
+              <a:buChar char=""/>
+              <a:defRPr sz="1200" kern="1200">
+                <a:solidFill>
+                  <a:schemeClr val="tx1">
+                    <a:lumMod val="75000"/>
+                    <a:lumOff val="25000"/>
+                  </a:schemeClr>
+                </a:solidFill>
+                <a:latin typeface="+mn-lt"/>
+                <a:ea typeface="+mn-ea"/>
+                <a:cs typeface="+mn-cs"/>
+              </a:defRPr>
+            </a:lvl4pPr>
+            <a:lvl5pPr marL="2057400" indent="-228600" algn="l" defTabSz="457200" rtl="0" eaLnBrk="1" latinLnBrk="0" hangingPunct="1">
+              <a:spcBef>
+                <a:spcPts val="1000"/>
+              </a:spcBef>
+              <a:spcAft>
+                <a:spcPts val="0"/>
+              </a:spcAft>
+              <a:buClr>
+                <a:schemeClr val="accent1"/>
+              </a:buClr>
+              <a:buSzPct val="80000"/>
+              <a:buFont typeface="Wingdings 3" charset="2"/>
+              <a:buChar char=""/>
+              <a:defRPr sz="1200" kern="1200">
+                <a:solidFill>
+                  <a:schemeClr val="tx1">
+                    <a:lumMod val="75000"/>
+                    <a:lumOff val="25000"/>
+                  </a:schemeClr>
+                </a:solidFill>
+                <a:latin typeface="+mn-lt"/>
+                <a:ea typeface="+mn-ea"/>
+                <a:cs typeface="+mn-cs"/>
+              </a:defRPr>
+            </a:lvl5pPr>
+            <a:lvl6pPr marL="2514600" indent="-228600" algn="l" defTabSz="457200" rtl="0" eaLnBrk="1" latinLnBrk="0" hangingPunct="1">
+              <a:spcBef>
+                <a:spcPts val="1000"/>
+              </a:spcBef>
+              <a:spcAft>
+                <a:spcPts val="0"/>
+              </a:spcAft>
+              <a:buClr>
+                <a:schemeClr val="accent1"/>
+              </a:buClr>
+              <a:buSzPct val="80000"/>
+              <a:buFont typeface="Wingdings 3" charset="2"/>
+              <a:buChar char=""/>
+              <a:defRPr sz="1200" kern="1200">
+                <a:solidFill>
+                  <a:schemeClr val="tx1">
+                    <a:lumMod val="75000"/>
+                    <a:lumOff val="25000"/>
+                  </a:schemeClr>
+                </a:solidFill>
+                <a:latin typeface="+mn-lt"/>
+                <a:ea typeface="+mn-ea"/>
+                <a:cs typeface="+mn-cs"/>
+              </a:defRPr>
+            </a:lvl6pPr>
+            <a:lvl7pPr marL="2971800" indent="-228600" algn="l" defTabSz="457200" rtl="0" eaLnBrk="1" latinLnBrk="0" hangingPunct="1">
+              <a:spcBef>
+                <a:spcPts val="1000"/>
+              </a:spcBef>
+              <a:spcAft>
+                <a:spcPts val="0"/>
+              </a:spcAft>
+              <a:buClr>
+                <a:schemeClr val="accent1"/>
+              </a:buClr>
+              <a:buSzPct val="80000"/>
+              <a:buFont typeface="Wingdings 3" charset="2"/>
+              <a:buChar char=""/>
+              <a:defRPr sz="1200" kern="1200">
+                <a:solidFill>
+                  <a:schemeClr val="tx1">
+                    <a:lumMod val="75000"/>
+                    <a:lumOff val="25000"/>
+                  </a:schemeClr>
+                </a:solidFill>
+                <a:latin typeface="+mn-lt"/>
+                <a:ea typeface="+mn-ea"/>
+                <a:cs typeface="+mn-cs"/>
+              </a:defRPr>
+            </a:lvl7pPr>
+            <a:lvl8pPr marL="3429000" indent="-228600" algn="l" defTabSz="457200" rtl="0" eaLnBrk="1" latinLnBrk="0" hangingPunct="1">
+              <a:spcBef>
+                <a:spcPts val="1000"/>
+              </a:spcBef>
+              <a:spcAft>
+                <a:spcPts val="0"/>
+              </a:spcAft>
+              <a:buClr>
+                <a:schemeClr val="accent1"/>
+              </a:buClr>
+              <a:buSzPct val="80000"/>
+              <a:buFont typeface="Wingdings 3" charset="2"/>
+              <a:buChar char=""/>
+              <a:defRPr sz="1200" kern="1200">
+                <a:solidFill>
+                  <a:schemeClr val="tx1">
+                    <a:lumMod val="75000"/>
+                    <a:lumOff val="25000"/>
+                  </a:schemeClr>
+                </a:solidFill>
+                <a:latin typeface="+mn-lt"/>
+                <a:ea typeface="+mn-ea"/>
+                <a:cs typeface="+mn-cs"/>
+              </a:defRPr>
+            </a:lvl8pPr>
+            <a:lvl9pPr marL="3886200" indent="-228600" algn="l" defTabSz="457200" rtl="0" eaLnBrk="1" latinLnBrk="0" hangingPunct="1">
+              <a:spcBef>
+                <a:spcPts val="1000"/>
+              </a:spcBef>
+              <a:spcAft>
+                <a:spcPts val="0"/>
+              </a:spcAft>
+              <a:buClr>
+                <a:schemeClr val="accent1"/>
+              </a:buClr>
+              <a:buSzPct val="80000"/>
+              <a:buFont typeface="Wingdings 3" charset="2"/>
+              <a:buChar char=""/>
+              <a:defRPr sz="1200" kern="1200">
+                <a:solidFill>
+                  <a:schemeClr val="tx1">
+                    <a:lumMod val="75000"/>
+                    <a:lumOff val="25000"/>
+                  </a:schemeClr>
+                </a:solidFill>
+                <a:latin typeface="+mn-lt"/>
+                <a:ea typeface="+mn-ea"/>
+                <a:cs typeface="+mn-cs"/>
+              </a:defRPr>
+            </a:lvl9pPr>
+          </a:lstStyle>
+          <a:p>
+            <a:pPr marL="0" indent="0" algn="ctr">
+              <a:buNone/>
+            </a:pPr>
+            <a:r>
+              <a:rPr lang="en-US" dirty="0"/>
+              <a:t>Commercial Buildings</a:t>
+            </a:r>
+          </a:p>
+        </p:txBody>
+      </p:sp>
+      <p:sp>
+        <p:nvSpPr>
+          <p:cNvPr id="12" name="Text Placeholder 2">
+            <a:extLst>
+              <a:ext uri="{FF2B5EF4-FFF2-40B4-BE49-F238E27FC236}">
+                <a16:creationId xmlns:a16="http://schemas.microsoft.com/office/drawing/2014/main" id="{35418343-28F0-F050-9B1D-0E60954A0A0B}"/>
+              </a:ext>
+            </a:extLst>
+          </p:cNvPr>
+          <p:cNvSpPr txBox="1">
+            <a:spLocks/>
+          </p:cNvSpPr>
+          <p:nvPr/>
+        </p:nvSpPr>
+        <p:spPr>
+          <a:xfrm>
+            <a:off x="5237822" y="282672"/>
+            <a:ext cx="4185623" cy="576262"/>
+          </a:xfrm>
+          <a:prstGeom prst="rect">
+            <a:avLst/>
+          </a:prstGeom>
+        </p:spPr>
+        <p:txBody>
+          <a:bodyPr vert="horz" lIns="91440" tIns="45720" rIns="91440" bIns="45720" rtlCol="0">
+            <a:normAutofit/>
+          </a:bodyPr>
+          <a:lstStyle>
+            <a:lvl1pPr marL="342900" indent="-342900" algn="l" defTabSz="457200" rtl="0" eaLnBrk="1" latinLnBrk="0" hangingPunct="1">
+              <a:spcBef>
+                <a:spcPts val="1000"/>
+              </a:spcBef>
+              <a:spcAft>
+                <a:spcPts val="0"/>
+              </a:spcAft>
+              <a:buClr>
+                <a:schemeClr val="accent1"/>
+              </a:buClr>
+              <a:buSzPct val="80000"/>
+              <a:buFont typeface="Wingdings 3" charset="2"/>
+              <a:buChar char=""/>
+              <a:defRPr sz="1800" kern="1200">
+                <a:solidFill>
+                  <a:schemeClr val="tx1">
+                    <a:lumMod val="75000"/>
+                    <a:lumOff val="25000"/>
+                  </a:schemeClr>
+                </a:solidFill>
+                <a:latin typeface="+mn-lt"/>
+                <a:ea typeface="+mn-ea"/>
+                <a:cs typeface="+mn-cs"/>
+              </a:defRPr>
+            </a:lvl1pPr>
+            <a:lvl2pPr marL="742950" indent="-285750" algn="l" defTabSz="457200" rtl="0" eaLnBrk="1" latinLnBrk="0" hangingPunct="1">
+              <a:spcBef>
+                <a:spcPts val="1000"/>
+              </a:spcBef>
+              <a:spcAft>
+                <a:spcPts val="0"/>
+              </a:spcAft>
+              <a:buClr>
+                <a:schemeClr val="accent1"/>
+              </a:buClr>
+              <a:buSzPct val="80000"/>
+              <a:buFont typeface="Wingdings 3" charset="2"/>
+              <a:buChar char=""/>
+              <a:defRPr sz="1600" kern="1200">
+                <a:solidFill>
+                  <a:schemeClr val="tx1">
+                    <a:lumMod val="75000"/>
+                    <a:lumOff val="25000"/>
+                  </a:schemeClr>
+                </a:solidFill>
+                <a:latin typeface="+mn-lt"/>
+                <a:ea typeface="+mn-ea"/>
+                <a:cs typeface="+mn-cs"/>
+              </a:defRPr>
+            </a:lvl2pPr>
+            <a:lvl3pPr marL="1143000" indent="-228600" algn="l" defTabSz="457200" rtl="0" eaLnBrk="1" latinLnBrk="0" hangingPunct="1">
+              <a:spcBef>
+                <a:spcPts val="1000"/>
+              </a:spcBef>
+              <a:spcAft>
+                <a:spcPts val="0"/>
+              </a:spcAft>
+              <a:buClr>
+                <a:schemeClr val="accent1"/>
+              </a:buClr>
+              <a:buSzPct val="80000"/>
+              <a:buFont typeface="Wingdings 3" charset="2"/>
+              <a:buChar char=""/>
+              <a:defRPr sz="1400" kern="1200">
+                <a:solidFill>
+                  <a:schemeClr val="tx1">
+                    <a:lumMod val="75000"/>
+                    <a:lumOff val="25000"/>
+                  </a:schemeClr>
+                </a:solidFill>
+                <a:latin typeface="+mn-lt"/>
+                <a:ea typeface="+mn-ea"/>
+                <a:cs typeface="+mn-cs"/>
+              </a:defRPr>
+            </a:lvl3pPr>
+            <a:lvl4pPr marL="1600200" indent="-228600" algn="l" defTabSz="457200" rtl="0" eaLnBrk="1" latinLnBrk="0" hangingPunct="1">
+              <a:spcBef>
+                <a:spcPts val="1000"/>
+              </a:spcBef>
+              <a:spcAft>
+                <a:spcPts val="0"/>
+              </a:spcAft>
+              <a:buClr>
+                <a:schemeClr val="accent1"/>
+              </a:buClr>
+              <a:buSzPct val="80000"/>
+              <a:buFont typeface="Wingdings 3" charset="2"/>
+              <a:buChar char=""/>
+              <a:defRPr sz="1200" kern="1200">
+                <a:solidFill>
+                  <a:schemeClr val="tx1">
+                    <a:lumMod val="75000"/>
+                    <a:lumOff val="25000"/>
+                  </a:schemeClr>
+                </a:solidFill>
+                <a:latin typeface="+mn-lt"/>
+                <a:ea typeface="+mn-ea"/>
+                <a:cs typeface="+mn-cs"/>
+              </a:defRPr>
+            </a:lvl4pPr>
+            <a:lvl5pPr marL="2057400" indent="-228600" algn="l" defTabSz="457200" rtl="0" eaLnBrk="1" latinLnBrk="0" hangingPunct="1">
+              <a:spcBef>
+                <a:spcPts val="1000"/>
+              </a:spcBef>
+              <a:spcAft>
+                <a:spcPts val="0"/>
+              </a:spcAft>
+              <a:buClr>
+                <a:schemeClr val="accent1"/>
+              </a:buClr>
+              <a:buSzPct val="80000"/>
+              <a:buFont typeface="Wingdings 3" charset="2"/>
+              <a:buChar char=""/>
+              <a:defRPr sz="1200" kern="1200">
+                <a:solidFill>
+                  <a:schemeClr val="tx1">
+                    <a:lumMod val="75000"/>
+                    <a:lumOff val="25000"/>
+                  </a:schemeClr>
+                </a:solidFill>
+                <a:latin typeface="+mn-lt"/>
+                <a:ea typeface="+mn-ea"/>
+                <a:cs typeface="+mn-cs"/>
+              </a:defRPr>
+            </a:lvl5pPr>
+            <a:lvl6pPr marL="2514600" indent="-228600" algn="l" defTabSz="457200" rtl="0" eaLnBrk="1" latinLnBrk="0" hangingPunct="1">
+              <a:spcBef>
+                <a:spcPts val="1000"/>
+              </a:spcBef>
+              <a:spcAft>
+                <a:spcPts val="0"/>
+              </a:spcAft>
+              <a:buClr>
+                <a:schemeClr val="accent1"/>
+              </a:buClr>
+              <a:buSzPct val="80000"/>
+              <a:buFont typeface="Wingdings 3" charset="2"/>
+              <a:buChar char=""/>
+              <a:defRPr sz="1200" kern="1200">
+                <a:solidFill>
+                  <a:schemeClr val="tx1">
+                    <a:lumMod val="75000"/>
+                    <a:lumOff val="25000"/>
+                  </a:schemeClr>
+                </a:solidFill>
+                <a:latin typeface="+mn-lt"/>
+                <a:ea typeface="+mn-ea"/>
+                <a:cs typeface="+mn-cs"/>
+              </a:defRPr>
+            </a:lvl6pPr>
+            <a:lvl7pPr marL="2971800" indent="-228600" algn="l" defTabSz="457200" rtl="0" eaLnBrk="1" latinLnBrk="0" hangingPunct="1">
+              <a:spcBef>
+                <a:spcPts val="1000"/>
+              </a:spcBef>
+              <a:spcAft>
+                <a:spcPts val="0"/>
+              </a:spcAft>
+              <a:buClr>
+                <a:schemeClr val="accent1"/>
+              </a:buClr>
+              <a:buSzPct val="80000"/>
+              <a:buFont typeface="Wingdings 3" charset="2"/>
+              <a:buChar char=""/>
+              <a:defRPr sz="1200" kern="1200">
+                <a:solidFill>
+                  <a:schemeClr val="tx1">
+                    <a:lumMod val="75000"/>
+                    <a:lumOff val="25000"/>
+                  </a:schemeClr>
+                </a:solidFill>
+                <a:latin typeface="+mn-lt"/>
+                <a:ea typeface="+mn-ea"/>
+                <a:cs typeface="+mn-cs"/>
+              </a:defRPr>
+            </a:lvl7pPr>
+            <a:lvl8pPr marL="3429000" indent="-228600" algn="l" defTabSz="457200" rtl="0" eaLnBrk="1" latinLnBrk="0" hangingPunct="1">
+              <a:spcBef>
+                <a:spcPts val="1000"/>
+              </a:spcBef>
+              <a:spcAft>
+                <a:spcPts val="0"/>
+              </a:spcAft>
+              <a:buClr>
+                <a:schemeClr val="accent1"/>
+              </a:buClr>
+              <a:buSzPct val="80000"/>
+              <a:buFont typeface="Wingdings 3" charset="2"/>
+              <a:buChar char=""/>
+              <a:defRPr sz="1200" kern="1200">
+                <a:solidFill>
+                  <a:schemeClr val="tx1">
+                    <a:lumMod val="75000"/>
+                    <a:lumOff val="25000"/>
+                  </a:schemeClr>
+                </a:solidFill>
+                <a:latin typeface="+mn-lt"/>
+                <a:ea typeface="+mn-ea"/>
+                <a:cs typeface="+mn-cs"/>
+              </a:defRPr>
+            </a:lvl8pPr>
+            <a:lvl9pPr marL="3886200" indent="-228600" algn="l" defTabSz="457200" rtl="0" eaLnBrk="1" latinLnBrk="0" hangingPunct="1">
+              <a:spcBef>
+                <a:spcPts val="1000"/>
+              </a:spcBef>
+              <a:spcAft>
+                <a:spcPts val="0"/>
+              </a:spcAft>
+              <a:buClr>
+                <a:schemeClr val="accent1"/>
+              </a:buClr>
+              <a:buSzPct val="80000"/>
+              <a:buFont typeface="Wingdings 3" charset="2"/>
+              <a:buChar char=""/>
+              <a:defRPr sz="1200" kern="1200">
+                <a:solidFill>
+                  <a:schemeClr val="tx1">
+                    <a:lumMod val="75000"/>
+                    <a:lumOff val="25000"/>
+                  </a:schemeClr>
+                </a:solidFill>
+                <a:latin typeface="+mn-lt"/>
+                <a:ea typeface="+mn-ea"/>
+                <a:cs typeface="+mn-cs"/>
+              </a:defRPr>
+            </a:lvl9pPr>
+          </a:lstStyle>
+          <a:p>
+            <a:pPr marL="0" indent="0" algn="ctr">
+              <a:buNone/>
+            </a:pPr>
+            <a:r>
+              <a:rPr lang="en-US" dirty="0"/>
+              <a:t>Residential Buildings</a:t>
+            </a:r>
+          </a:p>
+        </p:txBody>
+      </p:sp>
+      <p:sp>
+        <p:nvSpPr>
+          <p:cNvPr id="13" name="TextBox 12">
+            <a:extLst>
+              <a:ext uri="{FF2B5EF4-FFF2-40B4-BE49-F238E27FC236}">
+                <a16:creationId xmlns:a16="http://schemas.microsoft.com/office/drawing/2014/main" id="{70746438-D75E-7DF8-CB07-C83CFF0A056F}"/>
+              </a:ext>
+            </a:extLst>
+          </p:cNvPr>
+          <p:cNvSpPr txBox="1"/>
+          <p:nvPr/>
+        </p:nvSpPr>
+        <p:spPr>
+          <a:xfrm>
+            <a:off x="1045180" y="4341585"/>
+            <a:ext cx="3446752" cy="1477328"/>
+          </a:xfrm>
+          <a:prstGeom prst="rect">
+            <a:avLst/>
+          </a:prstGeom>
+          <a:noFill/>
+        </p:spPr>
+        <p:txBody>
+          <a:bodyPr wrap="square" rtlCol="0">
+            <a:spAutoFit/>
+          </a:bodyPr>
+          <a:lstStyle/>
+          <a:p>
+            <a:r>
+              <a:rPr lang="en-US" dirty="0"/>
+              <a:t>PROCEDURE: Used </a:t>
+            </a:r>
+            <a:r>
+              <a:rPr lang="en-US" dirty="0">
+                <a:latin typeface="Courier New" panose="02070309020205020404" pitchFamily="49" charset="0"/>
+                <a:cs typeface="Courier New" panose="02070309020205020404" pitchFamily="49" charset="0"/>
+              </a:rPr>
+              <a:t>median</a:t>
+            </a:r>
+            <a:r>
+              <a:rPr lang="en-US" dirty="0"/>
+              <a:t> for statistical analysis of GHG emissions and EUI since there are potential outliers in the data.</a:t>
+            </a:r>
+          </a:p>
+        </p:txBody>
+      </p:sp>
+      <p:sp>
+        <p:nvSpPr>
+          <p:cNvPr id="14" name="TextBox 13">
+            <a:extLst>
+              <a:ext uri="{FF2B5EF4-FFF2-40B4-BE49-F238E27FC236}">
+                <a16:creationId xmlns:a16="http://schemas.microsoft.com/office/drawing/2014/main" id="{14EA6EA9-A6D6-6836-2D85-94026FF64C72}"/>
+              </a:ext>
+            </a:extLst>
+          </p:cNvPr>
+          <p:cNvSpPr txBox="1"/>
+          <p:nvPr/>
+        </p:nvSpPr>
+        <p:spPr>
+          <a:xfrm>
+            <a:off x="5782039" y="4341585"/>
+            <a:ext cx="3492136" cy="1477328"/>
+          </a:xfrm>
+          <a:prstGeom prst="rect">
+            <a:avLst/>
+          </a:prstGeom>
+          <a:noFill/>
+        </p:spPr>
+        <p:txBody>
+          <a:bodyPr wrap="square" rtlCol="0">
+            <a:spAutoFit/>
+          </a:bodyPr>
+          <a:lstStyle/>
+          <a:p>
+            <a:r>
+              <a:rPr lang="en-US" dirty="0"/>
+              <a:t>FINDINGS: The GHG emissions and EUI consumption has reduced after 2018 as expected since the ordinance went in place.</a:t>
+            </a:r>
+          </a:p>
+        </p:txBody>
+      </p:sp>
+    </p:spTree>
+    <p:extLst>
+      <p:ext uri="{BB962C8B-B14F-4D97-AF65-F5344CB8AC3E}">
+        <p14:creationId xmlns:p14="http://schemas.microsoft.com/office/powerpoint/2010/main" val="102106052"/>
+      </p:ext>
+    </p:extLst>
+  </p:cSld>
+  <p:clrMapOvr>
+    <a:masterClrMapping/>
+  </p:clrMapOvr>
+</p:sld>
+</file>
+
+<file path=ppt/slides/slide12.xml><?xml version="1.0" encoding="utf-8"?>
+<p:sld xmlns:a="http://schemas.openxmlformats.org/drawingml/2006/main" xmlns:r="http://schemas.openxmlformats.org/officeDocument/2006/relationships" xmlns:p="http://schemas.openxmlformats.org/presentationml/2006/main">
+  <p:cSld>
+    <p:spTree>
+      <p:nvGrpSpPr>
+        <p:cNvPr id="1" name=""/>
+        <p:cNvGrpSpPr/>
+        <p:nvPr/>
+      </p:nvGrpSpPr>
+      <p:grpSpPr>
+        <a:xfrm>
+          <a:off x="0" y="0"/>
+          <a:ext cx="0" cy="0"/>
+          <a:chOff x="0" y="0"/>
+          <a:chExt cx="0" cy="0"/>
+        </a:xfrm>
+      </p:grpSpPr>
+      <p:pic>
+        <p:nvPicPr>
+          <p:cNvPr id="8" name="Content Placeholder 7">
+            <a:extLst>
+              <a:ext uri="{FF2B5EF4-FFF2-40B4-BE49-F238E27FC236}">
+                <a16:creationId xmlns:a16="http://schemas.microsoft.com/office/drawing/2014/main" id="{4301F515-E5BE-9271-A57D-407D805C6323}"/>
+              </a:ext>
+            </a:extLst>
+          </p:cNvPr>
+          <p:cNvPicPr>
+            <a:picLocks noGrp="1" noChangeAspect="1"/>
+          </p:cNvPicPr>
+          <p:nvPr>
+            <p:ph sz="half" idx="2"/>
+          </p:nvPr>
+        </p:nvPicPr>
+        <p:blipFill>
+          <a:blip r:embed="rId2">
+            <a:extLst>
+              <a:ext uri="{28A0092B-C50C-407E-A947-70E740481C1C}">
+                <a14:useLocalDpi xmlns:a14="http://schemas.microsoft.com/office/drawing/2010/main" val="0"/>
+              </a:ext>
+            </a:extLst>
+          </a:blip>
+          <a:srcRect/>
+          <a:stretch/>
+        </p:blipFill>
+        <p:spPr>
+          <a:xfrm>
+            <a:off x="676275" y="858934"/>
+            <a:ext cx="4184650" cy="3087371"/>
+          </a:xfrm>
+        </p:spPr>
+      </p:pic>
+      <p:pic>
+        <p:nvPicPr>
+          <p:cNvPr id="10" name="Content Placeholder 9">
+            <a:extLst>
+              <a:ext uri="{FF2B5EF4-FFF2-40B4-BE49-F238E27FC236}">
+                <a16:creationId xmlns:a16="http://schemas.microsoft.com/office/drawing/2014/main" id="{22074039-A718-8088-2036-57D89AA34F4B}"/>
+              </a:ext>
+            </a:extLst>
+          </p:cNvPr>
+          <p:cNvPicPr>
+            <a:picLocks noGrp="1" noChangeAspect="1"/>
+          </p:cNvPicPr>
+          <p:nvPr>
+            <p:ph sz="quarter" idx="4"/>
+          </p:nvPr>
+        </p:nvPicPr>
+        <p:blipFill>
+          <a:blip r:embed="rId3">
+            <a:extLst>
+              <a:ext uri="{28A0092B-C50C-407E-A947-70E740481C1C}">
+                <a14:useLocalDpi xmlns:a14="http://schemas.microsoft.com/office/drawing/2010/main" val="0"/>
+              </a:ext>
+            </a:extLst>
+          </a:blip>
+          <a:srcRect/>
+          <a:stretch/>
+        </p:blipFill>
+        <p:spPr>
+          <a:xfrm>
+            <a:off x="5087938" y="902380"/>
+            <a:ext cx="4186237" cy="3043925"/>
+          </a:xfrm>
+        </p:spPr>
+      </p:pic>
+      <p:sp>
+        <p:nvSpPr>
+          <p:cNvPr id="11" name="Text Placeholder 2">
+            <a:extLst>
+              <a:ext uri="{FF2B5EF4-FFF2-40B4-BE49-F238E27FC236}">
+                <a16:creationId xmlns:a16="http://schemas.microsoft.com/office/drawing/2014/main" id="{A8A2767E-0E39-4E2B-7836-B8164FA06430}"/>
+              </a:ext>
+            </a:extLst>
+          </p:cNvPr>
+          <p:cNvSpPr txBox="1">
+            <a:spLocks/>
+          </p:cNvSpPr>
+          <p:nvPr/>
+        </p:nvSpPr>
+        <p:spPr>
+          <a:xfrm>
+            <a:off x="675745" y="282672"/>
+            <a:ext cx="4185623" cy="576262"/>
+          </a:xfrm>
+          <a:prstGeom prst="rect">
+            <a:avLst/>
+          </a:prstGeom>
+        </p:spPr>
+        <p:txBody>
+          <a:bodyPr vert="horz" lIns="91440" tIns="45720" rIns="91440" bIns="45720" rtlCol="0">
+            <a:normAutofit/>
+          </a:bodyPr>
+          <a:lstStyle>
+            <a:lvl1pPr marL="342900" indent="-342900" algn="l" defTabSz="457200" rtl="0" eaLnBrk="1" latinLnBrk="0" hangingPunct="1">
+              <a:spcBef>
+                <a:spcPts val="1000"/>
+              </a:spcBef>
+              <a:spcAft>
+                <a:spcPts val="0"/>
+              </a:spcAft>
+              <a:buClr>
+                <a:schemeClr val="accent1"/>
+              </a:buClr>
+              <a:buSzPct val="80000"/>
+              <a:buFont typeface="Wingdings 3" charset="2"/>
+              <a:buChar char=""/>
+              <a:defRPr sz="1800" kern="1200">
+                <a:solidFill>
+                  <a:schemeClr val="tx1">
+                    <a:lumMod val="75000"/>
+                    <a:lumOff val="25000"/>
+                  </a:schemeClr>
+                </a:solidFill>
+                <a:latin typeface="+mn-lt"/>
+                <a:ea typeface="+mn-ea"/>
+                <a:cs typeface="+mn-cs"/>
+              </a:defRPr>
+            </a:lvl1pPr>
+            <a:lvl2pPr marL="742950" indent="-285750" algn="l" defTabSz="457200" rtl="0" eaLnBrk="1" latinLnBrk="0" hangingPunct="1">
+              <a:spcBef>
+                <a:spcPts val="1000"/>
+              </a:spcBef>
+              <a:spcAft>
+                <a:spcPts val="0"/>
+              </a:spcAft>
+              <a:buClr>
+                <a:schemeClr val="accent1"/>
+              </a:buClr>
+              <a:buSzPct val="80000"/>
+              <a:buFont typeface="Wingdings 3" charset="2"/>
+              <a:buChar char=""/>
+              <a:defRPr sz="1600" kern="1200">
+                <a:solidFill>
+                  <a:schemeClr val="tx1">
+                    <a:lumMod val="75000"/>
+                    <a:lumOff val="25000"/>
+                  </a:schemeClr>
+                </a:solidFill>
+                <a:latin typeface="+mn-lt"/>
+                <a:ea typeface="+mn-ea"/>
+                <a:cs typeface="+mn-cs"/>
+              </a:defRPr>
+            </a:lvl2pPr>
+            <a:lvl3pPr marL="1143000" indent="-228600" algn="l" defTabSz="457200" rtl="0" eaLnBrk="1" latinLnBrk="0" hangingPunct="1">
+              <a:spcBef>
+                <a:spcPts val="1000"/>
+              </a:spcBef>
+              <a:spcAft>
+                <a:spcPts val="0"/>
+              </a:spcAft>
+              <a:buClr>
+                <a:schemeClr val="accent1"/>
+              </a:buClr>
+              <a:buSzPct val="80000"/>
+              <a:buFont typeface="Wingdings 3" charset="2"/>
+              <a:buChar char=""/>
+              <a:defRPr sz="1400" kern="1200">
+                <a:solidFill>
+                  <a:schemeClr val="tx1">
+                    <a:lumMod val="75000"/>
+                    <a:lumOff val="25000"/>
+                  </a:schemeClr>
+                </a:solidFill>
+                <a:latin typeface="+mn-lt"/>
+                <a:ea typeface="+mn-ea"/>
+                <a:cs typeface="+mn-cs"/>
+              </a:defRPr>
+            </a:lvl3pPr>
+            <a:lvl4pPr marL="1600200" indent="-228600" algn="l" defTabSz="457200" rtl="0" eaLnBrk="1" latinLnBrk="0" hangingPunct="1">
+              <a:spcBef>
+                <a:spcPts val="1000"/>
+              </a:spcBef>
+              <a:spcAft>
+                <a:spcPts val="0"/>
+              </a:spcAft>
+              <a:buClr>
+                <a:schemeClr val="accent1"/>
+              </a:buClr>
+              <a:buSzPct val="80000"/>
+              <a:buFont typeface="Wingdings 3" charset="2"/>
+              <a:buChar char=""/>
+              <a:defRPr sz="1200" kern="1200">
+                <a:solidFill>
+                  <a:schemeClr val="tx1">
+                    <a:lumMod val="75000"/>
+                    <a:lumOff val="25000"/>
+                  </a:schemeClr>
+                </a:solidFill>
+                <a:latin typeface="+mn-lt"/>
+                <a:ea typeface="+mn-ea"/>
+                <a:cs typeface="+mn-cs"/>
+              </a:defRPr>
+            </a:lvl4pPr>
+            <a:lvl5pPr marL="2057400" indent="-228600" algn="l" defTabSz="457200" rtl="0" eaLnBrk="1" latinLnBrk="0" hangingPunct="1">
+              <a:spcBef>
+                <a:spcPts val="1000"/>
+              </a:spcBef>
+              <a:spcAft>
+                <a:spcPts val="0"/>
+              </a:spcAft>
+              <a:buClr>
+                <a:schemeClr val="accent1"/>
+              </a:buClr>
+              <a:buSzPct val="80000"/>
+              <a:buFont typeface="Wingdings 3" charset="2"/>
+              <a:buChar char=""/>
+              <a:defRPr sz="1200" kern="1200">
+                <a:solidFill>
+                  <a:schemeClr val="tx1">
+                    <a:lumMod val="75000"/>
+                    <a:lumOff val="25000"/>
+                  </a:schemeClr>
+                </a:solidFill>
+                <a:latin typeface="+mn-lt"/>
+                <a:ea typeface="+mn-ea"/>
+                <a:cs typeface="+mn-cs"/>
+              </a:defRPr>
+            </a:lvl5pPr>
+            <a:lvl6pPr marL="2514600" indent="-228600" algn="l" defTabSz="457200" rtl="0" eaLnBrk="1" latinLnBrk="0" hangingPunct="1">
+              <a:spcBef>
+                <a:spcPts val="1000"/>
+              </a:spcBef>
+              <a:spcAft>
+                <a:spcPts val="0"/>
+              </a:spcAft>
+              <a:buClr>
+                <a:schemeClr val="accent1"/>
+              </a:buClr>
+              <a:buSzPct val="80000"/>
+              <a:buFont typeface="Wingdings 3" charset="2"/>
+              <a:buChar char=""/>
+              <a:defRPr sz="1200" kern="1200">
+                <a:solidFill>
+                  <a:schemeClr val="tx1">
+                    <a:lumMod val="75000"/>
+                    <a:lumOff val="25000"/>
+                  </a:schemeClr>
+                </a:solidFill>
+                <a:latin typeface="+mn-lt"/>
+                <a:ea typeface="+mn-ea"/>
+                <a:cs typeface="+mn-cs"/>
+              </a:defRPr>
+            </a:lvl6pPr>
+            <a:lvl7pPr marL="2971800" indent="-228600" algn="l" defTabSz="457200" rtl="0" eaLnBrk="1" latinLnBrk="0" hangingPunct="1">
+              <a:spcBef>
+                <a:spcPts val="1000"/>
+              </a:spcBef>
+              <a:spcAft>
+                <a:spcPts val="0"/>
+              </a:spcAft>
+              <a:buClr>
+                <a:schemeClr val="accent1"/>
+              </a:buClr>
+              <a:buSzPct val="80000"/>
+              <a:buFont typeface="Wingdings 3" charset="2"/>
+              <a:buChar char=""/>
+              <a:defRPr sz="1200" kern="1200">
+                <a:solidFill>
+                  <a:schemeClr val="tx1">
+                    <a:lumMod val="75000"/>
+                    <a:lumOff val="25000"/>
+                  </a:schemeClr>
+                </a:solidFill>
+                <a:latin typeface="+mn-lt"/>
+                <a:ea typeface="+mn-ea"/>
+                <a:cs typeface="+mn-cs"/>
+              </a:defRPr>
+            </a:lvl7pPr>
+            <a:lvl8pPr marL="3429000" indent="-228600" algn="l" defTabSz="457200" rtl="0" eaLnBrk="1" latinLnBrk="0" hangingPunct="1">
+              <a:spcBef>
+                <a:spcPts val="1000"/>
+              </a:spcBef>
+              <a:spcAft>
+                <a:spcPts val="0"/>
+              </a:spcAft>
+              <a:buClr>
+                <a:schemeClr val="accent1"/>
+              </a:buClr>
+              <a:buSzPct val="80000"/>
+              <a:buFont typeface="Wingdings 3" charset="2"/>
+              <a:buChar char=""/>
+              <a:defRPr sz="1200" kern="1200">
+                <a:solidFill>
+                  <a:schemeClr val="tx1">
+                    <a:lumMod val="75000"/>
+                    <a:lumOff val="25000"/>
+                  </a:schemeClr>
+                </a:solidFill>
+                <a:latin typeface="+mn-lt"/>
+                <a:ea typeface="+mn-ea"/>
+                <a:cs typeface="+mn-cs"/>
+              </a:defRPr>
+            </a:lvl8pPr>
+            <a:lvl9pPr marL="3886200" indent="-228600" algn="l" defTabSz="457200" rtl="0" eaLnBrk="1" latinLnBrk="0" hangingPunct="1">
+              <a:spcBef>
+                <a:spcPts val="1000"/>
+              </a:spcBef>
+              <a:spcAft>
+                <a:spcPts val="0"/>
+              </a:spcAft>
+              <a:buClr>
+                <a:schemeClr val="accent1"/>
+              </a:buClr>
+              <a:buSzPct val="80000"/>
+              <a:buFont typeface="Wingdings 3" charset="2"/>
+              <a:buChar char=""/>
+              <a:defRPr sz="1200" kern="1200">
+                <a:solidFill>
+                  <a:schemeClr val="tx1">
+                    <a:lumMod val="75000"/>
+                    <a:lumOff val="25000"/>
+                  </a:schemeClr>
+                </a:solidFill>
+                <a:latin typeface="+mn-lt"/>
+                <a:ea typeface="+mn-ea"/>
+                <a:cs typeface="+mn-cs"/>
+              </a:defRPr>
+            </a:lvl9pPr>
+          </a:lstStyle>
+          <a:p>
+            <a:pPr marL="0" indent="0" algn="ctr">
+              <a:buNone/>
+            </a:pPr>
+            <a:r>
+              <a:rPr lang="en-US" dirty="0"/>
+              <a:t>GHG Emissions boxplots</a:t>
+            </a:r>
+          </a:p>
+        </p:txBody>
+      </p:sp>
+      <p:sp>
+        <p:nvSpPr>
+          <p:cNvPr id="12" name="Text Placeholder 2">
+            <a:extLst>
+              <a:ext uri="{FF2B5EF4-FFF2-40B4-BE49-F238E27FC236}">
+                <a16:creationId xmlns:a16="http://schemas.microsoft.com/office/drawing/2014/main" id="{35418343-28F0-F050-9B1D-0E60954A0A0B}"/>
+              </a:ext>
+            </a:extLst>
+          </p:cNvPr>
+          <p:cNvSpPr txBox="1">
+            <a:spLocks/>
+          </p:cNvSpPr>
+          <p:nvPr/>
+        </p:nvSpPr>
+        <p:spPr>
+          <a:xfrm>
+            <a:off x="5237822" y="282672"/>
+            <a:ext cx="4185623" cy="576262"/>
+          </a:xfrm>
+          <a:prstGeom prst="rect">
+            <a:avLst/>
+          </a:prstGeom>
+        </p:spPr>
+        <p:txBody>
+          <a:bodyPr vert="horz" lIns="91440" tIns="45720" rIns="91440" bIns="45720" rtlCol="0">
+            <a:normAutofit/>
+          </a:bodyPr>
+          <a:lstStyle>
+            <a:lvl1pPr marL="342900" indent="-342900" algn="l" defTabSz="457200" rtl="0" eaLnBrk="1" latinLnBrk="0" hangingPunct="1">
+              <a:spcBef>
+                <a:spcPts val="1000"/>
+              </a:spcBef>
+              <a:spcAft>
+                <a:spcPts val="0"/>
+              </a:spcAft>
+              <a:buClr>
+                <a:schemeClr val="accent1"/>
+              </a:buClr>
+              <a:buSzPct val="80000"/>
+              <a:buFont typeface="Wingdings 3" charset="2"/>
+              <a:buChar char=""/>
+              <a:defRPr sz="1800" kern="1200">
+                <a:solidFill>
+                  <a:schemeClr val="tx1">
+                    <a:lumMod val="75000"/>
+                    <a:lumOff val="25000"/>
+                  </a:schemeClr>
+                </a:solidFill>
+                <a:latin typeface="+mn-lt"/>
+                <a:ea typeface="+mn-ea"/>
+                <a:cs typeface="+mn-cs"/>
+              </a:defRPr>
+            </a:lvl1pPr>
+            <a:lvl2pPr marL="742950" indent="-285750" algn="l" defTabSz="457200" rtl="0" eaLnBrk="1" latinLnBrk="0" hangingPunct="1">
+              <a:spcBef>
+                <a:spcPts val="1000"/>
+              </a:spcBef>
+              <a:spcAft>
+                <a:spcPts val="0"/>
+              </a:spcAft>
+              <a:buClr>
+                <a:schemeClr val="accent1"/>
+              </a:buClr>
+              <a:buSzPct val="80000"/>
+              <a:buFont typeface="Wingdings 3" charset="2"/>
+              <a:buChar char=""/>
+              <a:defRPr sz="1600" kern="1200">
+                <a:solidFill>
+                  <a:schemeClr val="tx1">
+                    <a:lumMod val="75000"/>
+                    <a:lumOff val="25000"/>
+                  </a:schemeClr>
+                </a:solidFill>
+                <a:latin typeface="+mn-lt"/>
+                <a:ea typeface="+mn-ea"/>
+                <a:cs typeface="+mn-cs"/>
+              </a:defRPr>
+            </a:lvl2pPr>
+            <a:lvl3pPr marL="1143000" indent="-228600" algn="l" defTabSz="457200" rtl="0" eaLnBrk="1" latinLnBrk="0" hangingPunct="1">
+              <a:spcBef>
+                <a:spcPts val="1000"/>
+              </a:spcBef>
+              <a:spcAft>
+                <a:spcPts val="0"/>
+              </a:spcAft>
+              <a:buClr>
+                <a:schemeClr val="accent1"/>
+              </a:buClr>
+              <a:buSzPct val="80000"/>
+              <a:buFont typeface="Wingdings 3" charset="2"/>
+              <a:buChar char=""/>
+              <a:defRPr sz="1400" kern="1200">
+                <a:solidFill>
+                  <a:schemeClr val="tx1">
+                    <a:lumMod val="75000"/>
+                    <a:lumOff val="25000"/>
+                  </a:schemeClr>
+                </a:solidFill>
+                <a:latin typeface="+mn-lt"/>
+                <a:ea typeface="+mn-ea"/>
+                <a:cs typeface="+mn-cs"/>
+              </a:defRPr>
+            </a:lvl3pPr>
+            <a:lvl4pPr marL="1600200" indent="-228600" algn="l" defTabSz="457200" rtl="0" eaLnBrk="1" latinLnBrk="0" hangingPunct="1">
+              <a:spcBef>
+                <a:spcPts val="1000"/>
+              </a:spcBef>
+              <a:spcAft>
+                <a:spcPts val="0"/>
+              </a:spcAft>
+              <a:buClr>
+                <a:schemeClr val="accent1"/>
+              </a:buClr>
+              <a:buSzPct val="80000"/>
+              <a:buFont typeface="Wingdings 3" charset="2"/>
+              <a:buChar char=""/>
+              <a:defRPr sz="1200" kern="1200">
+                <a:solidFill>
+                  <a:schemeClr val="tx1">
+                    <a:lumMod val="75000"/>
+                    <a:lumOff val="25000"/>
+                  </a:schemeClr>
+                </a:solidFill>
+                <a:latin typeface="+mn-lt"/>
+                <a:ea typeface="+mn-ea"/>
+                <a:cs typeface="+mn-cs"/>
+              </a:defRPr>
+            </a:lvl4pPr>
+            <a:lvl5pPr marL="2057400" indent="-228600" algn="l" defTabSz="457200" rtl="0" eaLnBrk="1" latinLnBrk="0" hangingPunct="1">
+              <a:spcBef>
+                <a:spcPts val="1000"/>
+              </a:spcBef>
+              <a:spcAft>
+                <a:spcPts val="0"/>
+              </a:spcAft>
+              <a:buClr>
+                <a:schemeClr val="accent1"/>
+              </a:buClr>
+              <a:buSzPct val="80000"/>
+              <a:buFont typeface="Wingdings 3" charset="2"/>
+              <a:buChar char=""/>
+              <a:defRPr sz="1200" kern="1200">
+                <a:solidFill>
+                  <a:schemeClr val="tx1">
+                    <a:lumMod val="75000"/>
+                    <a:lumOff val="25000"/>
+                  </a:schemeClr>
+                </a:solidFill>
+                <a:latin typeface="+mn-lt"/>
+                <a:ea typeface="+mn-ea"/>
+                <a:cs typeface="+mn-cs"/>
+              </a:defRPr>
+            </a:lvl5pPr>
+            <a:lvl6pPr marL="2514600" indent="-228600" algn="l" defTabSz="457200" rtl="0" eaLnBrk="1" latinLnBrk="0" hangingPunct="1">
+              <a:spcBef>
+                <a:spcPts val="1000"/>
+              </a:spcBef>
+              <a:spcAft>
+                <a:spcPts val="0"/>
+              </a:spcAft>
+              <a:buClr>
+                <a:schemeClr val="accent1"/>
+              </a:buClr>
+              <a:buSzPct val="80000"/>
+              <a:buFont typeface="Wingdings 3" charset="2"/>
+              <a:buChar char=""/>
+              <a:defRPr sz="1200" kern="1200">
+                <a:solidFill>
+                  <a:schemeClr val="tx1">
+                    <a:lumMod val="75000"/>
+                    <a:lumOff val="25000"/>
+                  </a:schemeClr>
+                </a:solidFill>
+                <a:latin typeface="+mn-lt"/>
+                <a:ea typeface="+mn-ea"/>
+                <a:cs typeface="+mn-cs"/>
+              </a:defRPr>
+            </a:lvl6pPr>
+            <a:lvl7pPr marL="2971800" indent="-228600" algn="l" defTabSz="457200" rtl="0" eaLnBrk="1" latinLnBrk="0" hangingPunct="1">
+              <a:spcBef>
+                <a:spcPts val="1000"/>
+              </a:spcBef>
+              <a:spcAft>
+                <a:spcPts val="0"/>
+              </a:spcAft>
+              <a:buClr>
+                <a:schemeClr val="accent1"/>
+              </a:buClr>
+              <a:buSzPct val="80000"/>
+              <a:buFont typeface="Wingdings 3" charset="2"/>
+              <a:buChar char=""/>
+              <a:defRPr sz="1200" kern="1200">
+                <a:solidFill>
+                  <a:schemeClr val="tx1">
+                    <a:lumMod val="75000"/>
+                    <a:lumOff val="25000"/>
+                  </a:schemeClr>
+                </a:solidFill>
+                <a:latin typeface="+mn-lt"/>
+                <a:ea typeface="+mn-ea"/>
+                <a:cs typeface="+mn-cs"/>
+              </a:defRPr>
+            </a:lvl7pPr>
+            <a:lvl8pPr marL="3429000" indent="-228600" algn="l" defTabSz="457200" rtl="0" eaLnBrk="1" latinLnBrk="0" hangingPunct="1">
+              <a:spcBef>
+                <a:spcPts val="1000"/>
+              </a:spcBef>
+              <a:spcAft>
+                <a:spcPts val="0"/>
+              </a:spcAft>
+              <a:buClr>
+                <a:schemeClr val="accent1"/>
+              </a:buClr>
+              <a:buSzPct val="80000"/>
+              <a:buFont typeface="Wingdings 3" charset="2"/>
+              <a:buChar char=""/>
+              <a:defRPr sz="1200" kern="1200">
+                <a:solidFill>
+                  <a:schemeClr val="tx1">
+                    <a:lumMod val="75000"/>
+                    <a:lumOff val="25000"/>
+                  </a:schemeClr>
+                </a:solidFill>
+                <a:latin typeface="+mn-lt"/>
+                <a:ea typeface="+mn-ea"/>
+                <a:cs typeface="+mn-cs"/>
+              </a:defRPr>
+            </a:lvl8pPr>
+            <a:lvl9pPr marL="3886200" indent="-228600" algn="l" defTabSz="457200" rtl="0" eaLnBrk="1" latinLnBrk="0" hangingPunct="1">
+              <a:spcBef>
+                <a:spcPts val="1000"/>
+              </a:spcBef>
+              <a:spcAft>
+                <a:spcPts val="0"/>
+              </a:spcAft>
+              <a:buClr>
+                <a:schemeClr val="accent1"/>
+              </a:buClr>
+              <a:buSzPct val="80000"/>
+              <a:buFont typeface="Wingdings 3" charset="2"/>
+              <a:buChar char=""/>
+              <a:defRPr sz="1200" kern="1200">
+                <a:solidFill>
+                  <a:schemeClr val="tx1">
+                    <a:lumMod val="75000"/>
+                    <a:lumOff val="25000"/>
+                  </a:schemeClr>
+                </a:solidFill>
+                <a:latin typeface="+mn-lt"/>
+                <a:ea typeface="+mn-ea"/>
+                <a:cs typeface="+mn-cs"/>
+              </a:defRPr>
+            </a:lvl9pPr>
+          </a:lstStyle>
+          <a:p>
+            <a:pPr marL="0" indent="0" algn="ctr">
+              <a:buNone/>
+            </a:pPr>
+            <a:r>
+              <a:rPr lang="en-US" dirty="0"/>
+              <a:t>Source EUI boxplots</a:t>
+            </a:r>
+          </a:p>
+        </p:txBody>
+      </p:sp>
+      <p:sp>
+        <p:nvSpPr>
+          <p:cNvPr id="14" name="TextBox 13">
+            <a:extLst>
+              <a:ext uri="{FF2B5EF4-FFF2-40B4-BE49-F238E27FC236}">
+                <a16:creationId xmlns:a16="http://schemas.microsoft.com/office/drawing/2014/main" id="{14EA6EA9-A6D6-6836-2D85-94026FF64C72}"/>
+              </a:ext>
+            </a:extLst>
+          </p:cNvPr>
+          <p:cNvSpPr txBox="1"/>
+          <p:nvPr/>
+        </p:nvSpPr>
+        <p:spPr>
+          <a:xfrm>
+            <a:off x="675745" y="4257695"/>
+            <a:ext cx="8747700" cy="1862048"/>
+          </a:xfrm>
+          <a:prstGeom prst="rect">
+            <a:avLst/>
+          </a:prstGeom>
+          <a:noFill/>
+        </p:spPr>
+        <p:txBody>
+          <a:bodyPr wrap="square" rtlCol="0">
+            <a:spAutoFit/>
+          </a:bodyPr>
+          <a:lstStyle/>
+          <a:p>
+            <a:pPr rtl="0" fontAlgn="base">
+              <a:spcBef>
+                <a:spcPts val="0"/>
+              </a:spcBef>
+              <a:spcAft>
+                <a:spcPts val="0"/>
+              </a:spcAft>
+            </a:pPr>
+            <a:r>
+              <a:rPr lang="en-US" dirty="0"/>
+              <a:t>FINDINGS and CONCLUSION: </a:t>
+            </a:r>
+          </a:p>
+          <a:p>
+            <a:pPr rtl="0" fontAlgn="base">
+              <a:spcBef>
+                <a:spcPts val="0"/>
+              </a:spcBef>
+              <a:spcAft>
+                <a:spcPts val="0"/>
+              </a:spcAft>
+            </a:pPr>
+            <a:r>
+              <a:rPr lang="en-US" sz="1300" b="0" i="0" u="none" strike="noStrike" dirty="0">
+                <a:solidFill>
+                  <a:srgbClr val="424242"/>
+                </a:solidFill>
+                <a:effectLst/>
+              </a:rPr>
+              <a:t>The Boxplot and IQR analysis for year 2022 shows that:</a:t>
+            </a:r>
+          </a:p>
+          <a:p>
+            <a:pPr marL="171450" indent="-171450" rtl="0" fontAlgn="base">
+              <a:spcBef>
+                <a:spcPts val="0"/>
+              </a:spcBef>
+              <a:spcAft>
+                <a:spcPts val="0"/>
+              </a:spcAft>
+              <a:buFont typeface="Arial" panose="020B0604020202020204" pitchFamily="34" charset="0"/>
+              <a:buChar char="•"/>
+            </a:pPr>
+            <a:r>
+              <a:rPr lang="en-US" sz="1100" b="0" i="0" u="none" strike="noStrike" dirty="0">
+                <a:solidFill>
+                  <a:srgbClr val="424242"/>
+                </a:solidFill>
+                <a:effectLst/>
+              </a:rPr>
+              <a:t>33.33% of commercial properties are outliers for GHG emission and 31.25% of commercial properties are outliers for Energy consumption with Data Center being the top for both.</a:t>
+            </a:r>
+          </a:p>
+          <a:p>
+            <a:pPr marL="171450" indent="-171450" rtl="0" fontAlgn="base">
+              <a:spcBef>
+                <a:spcPts val="0"/>
+              </a:spcBef>
+              <a:spcAft>
+                <a:spcPts val="0"/>
+              </a:spcAft>
+              <a:buFont typeface="Arial" panose="020B0604020202020204" pitchFamily="34" charset="0"/>
+              <a:buChar char="•"/>
+            </a:pPr>
+            <a:r>
+              <a:rPr lang="en-US" sz="1100" b="0" i="0" u="none" strike="noStrike" dirty="0">
+                <a:solidFill>
+                  <a:srgbClr val="424242"/>
+                </a:solidFill>
+                <a:effectLst/>
+              </a:rPr>
+              <a:t>14.29% of residential properties are outliers for GHG emission and 14.29% of residential  properties are outliers for Energy consumption with Multifamily Housing being the top for both.</a:t>
+            </a:r>
+          </a:p>
+          <a:p>
+            <a:pPr marL="171450" indent="-171450" rtl="0" fontAlgn="base">
+              <a:spcBef>
+                <a:spcPts val="0"/>
+              </a:spcBef>
+              <a:spcAft>
+                <a:spcPts val="0"/>
+              </a:spcAft>
+              <a:buFont typeface="Arial" panose="020B0604020202020204" pitchFamily="34" charset="0"/>
+              <a:buChar char="•"/>
+            </a:pPr>
+            <a:r>
+              <a:rPr lang="en-US" sz="1100" b="0" i="0" u="none" strike="noStrike" dirty="0">
+                <a:solidFill>
+                  <a:srgbClr val="424242"/>
+                </a:solidFill>
+                <a:effectLst/>
+              </a:rPr>
+              <a:t>This analysis </a:t>
+            </a:r>
+            <a:r>
+              <a:rPr lang="en-US" sz="1100" dirty="0" err="1">
+                <a:solidFill>
+                  <a:srgbClr val="424242"/>
+                </a:solidFill>
+              </a:rPr>
+              <a:t>s</a:t>
+            </a:r>
+            <a:r>
+              <a:rPr lang="en-US" sz="1100" b="0" i="0" u="none" strike="noStrike" dirty="0" err="1">
+                <a:solidFill>
+                  <a:srgbClr val="424242"/>
+                </a:solidFill>
+                <a:effectLst/>
+              </a:rPr>
+              <a:t>olidfies</a:t>
+            </a:r>
+            <a:r>
+              <a:rPr lang="en-US" sz="1100" b="0" i="0" u="none" strike="noStrike" dirty="0">
+                <a:solidFill>
+                  <a:srgbClr val="424242"/>
+                </a:solidFill>
+                <a:effectLst/>
+              </a:rPr>
+              <a:t>  the correlation between energy consumption and greenhouse gases emission, the properties with highest energy consumption seems to have the highest GHG emission as well</a:t>
+            </a:r>
+          </a:p>
+          <a:p>
+            <a:endParaRPr lang="en-US" dirty="0"/>
+          </a:p>
+        </p:txBody>
+      </p:sp>
+    </p:spTree>
+    <p:extLst>
+      <p:ext uri="{BB962C8B-B14F-4D97-AF65-F5344CB8AC3E}">
+        <p14:creationId xmlns:p14="http://schemas.microsoft.com/office/powerpoint/2010/main" val="3751771687"/>
+      </p:ext>
+    </p:extLst>
+  </p:cSld>
+  <p:clrMapOvr>
+    <a:masterClrMapping/>
+  </p:clrMapOvr>
+</p:sld>
+</file>
+
+<file path=ppt/slides/slide13.xml><?xml version="1.0" encoding="utf-8"?>
+<p:sld xmlns:a="http://schemas.openxmlformats.org/drawingml/2006/main" xmlns:r="http://schemas.openxmlformats.org/officeDocument/2006/relationships" xmlns:p="http://schemas.openxmlformats.org/presentationml/2006/main">
+  <p:cSld>
+    <p:bg>
+      <p:bgPr>
+        <a:solidFill>
+          <a:schemeClr val="bg1"/>
+        </a:solidFill>
+        <a:effectLst/>
+      </p:bgPr>
+    </p:bg>
+    <p:spTree>
+      <p:nvGrpSpPr>
+        <p:cNvPr id="1" name=""/>
+        <p:cNvGrpSpPr/>
+        <p:nvPr/>
+      </p:nvGrpSpPr>
+      <p:grpSpPr>
+        <a:xfrm>
+          <a:off x="0" y="0"/>
+          <a:ext cx="0" cy="0"/>
+          <a:chOff x="0" y="0"/>
+          <a:chExt cx="0" cy="0"/>
+        </a:xfrm>
+      </p:grpSpPr>
+      <p:sp useBgFill="1">
+        <p:nvSpPr>
+          <p:cNvPr id="8" name="Rectangle 7">
+            <a:extLst>
+              <a:ext uri="{FF2B5EF4-FFF2-40B4-BE49-F238E27FC236}">
+                <a16:creationId xmlns:a16="http://schemas.microsoft.com/office/drawing/2014/main" id="{603AE127-802C-459A-A612-DB85B67F0DC0}"/>
+              </a:ext>
+              <a:ext uri="{C183D7F6-B498-43B3-948B-1728B52AA6E4}">
+                <adec:decorative xmlns:adec="http://schemas.microsoft.com/office/drawing/2017/decorative" val="1"/>
+              </a:ext>
+            </a:extLst>
+          </p:cNvPr>
+          <p:cNvSpPr>
+            <a:spLocks noGrp="1" noRot="1" noChangeAspect="1" noMove="1" noResize="1" noEditPoints="1" noAdjustHandles="1" noChangeArrowheads="1" noChangeShapeType="1" noTextEdit="1"/>
+          </p:cNvSpPr>
+          <p:nvPr>
+            <p:extLst>
+              <p:ext uri="{386F3935-93C4-4BCD-93E2-E3B085C9AB24}">
+                <p16:designElem xmlns:p16="http://schemas.microsoft.com/office/powerpoint/2015/main" val="1"/>
+              </p:ext>
+            </p:extLst>
+          </p:nvPr>
+        </p:nvSpPr>
+        <p:spPr>
+          <a:xfrm>
+            <a:off x="0" y="0"/>
+            <a:ext cx="12192000" cy="6858000"/>
+          </a:xfrm>
+          <a:prstGeom prst="rect">
+            <a:avLst/>
+          </a:prstGeom>
+          <a:ln>
+            <a:noFill/>
+          </a:ln>
+        </p:spPr>
+        <p:style>
+          <a:lnRef idx="2">
+            <a:schemeClr val="accent1">
+              <a:shade val="50000"/>
+            </a:schemeClr>
+          </a:lnRef>
+          <a:fillRef idx="1">
+            <a:schemeClr val="accent1"/>
+          </a:fillRef>
+          <a:effectRef idx="0">
+            <a:schemeClr val="accent1"/>
+          </a:effectRef>
+          <a:fontRef idx="minor">
+            <a:schemeClr val="lt1"/>
+          </a:fontRef>
+        </p:style>
+        <p:txBody>
+          <a:bodyPr rtlCol="0" anchor="ctr"/>
+          <a:lstStyle/>
+          <a:p>
+            <a:pPr algn="ctr"/>
+            <a:endParaRPr lang="en-US"/>
+          </a:p>
+        </p:txBody>
+      </p:sp>
+      <p:sp>
+        <p:nvSpPr>
+          <p:cNvPr id="2" name="Title 1">
+            <a:extLst>
+              <a:ext uri="{FF2B5EF4-FFF2-40B4-BE49-F238E27FC236}">
+                <a16:creationId xmlns:a16="http://schemas.microsoft.com/office/drawing/2014/main" id="{F866DD9F-41DE-DF01-1867-AB1A9E520195}"/>
+              </a:ext>
+            </a:extLst>
+          </p:cNvPr>
+          <p:cNvSpPr>
+            <a:spLocks noGrp="1"/>
+          </p:cNvSpPr>
+          <p:nvPr>
+            <p:ph type="title"/>
+          </p:nvPr>
+        </p:nvSpPr>
+        <p:spPr>
+          <a:xfrm>
+            <a:off x="1043950" y="1179151"/>
+            <a:ext cx="3300646" cy="4463889"/>
+          </a:xfrm>
+        </p:spPr>
+        <p:txBody>
+          <a:bodyPr anchor="ctr">
+            <a:normAutofit/>
+          </a:bodyPr>
+          <a:lstStyle/>
+          <a:p>
+            <a:r>
+              <a:rPr lang="en-US" dirty="0"/>
+              <a:t>Question #4</a:t>
+            </a:r>
+          </a:p>
+        </p:txBody>
+      </p:sp>
+      <p:sp>
+        <p:nvSpPr>
+          <p:cNvPr id="10" name="Isosceles Triangle 9">
+            <a:extLst>
+              <a:ext uri="{FF2B5EF4-FFF2-40B4-BE49-F238E27FC236}">
+                <a16:creationId xmlns:a16="http://schemas.microsoft.com/office/drawing/2014/main" id="{9323D83D-50D6-4040-A58B-FCEA340F886A}"/>
+              </a:ext>
+              <a:ext uri="{C183D7F6-B498-43B3-948B-1728B52AA6E4}">
+                <adec:decorative xmlns:adec="http://schemas.microsoft.com/office/drawing/2017/decorative" val="1"/>
+              </a:ext>
+            </a:extLst>
+          </p:cNvPr>
+          <p:cNvSpPr>
+            <a:spLocks noGrp="1" noRot="1" noChangeAspect="1" noMove="1" noResize="1" noEditPoints="1" noAdjustHandles="1" noChangeArrowheads="1" noChangeShapeType="1" noTextEdit="1"/>
+          </p:cNvSpPr>
+          <p:nvPr>
+            <p:extLst>
+              <p:ext uri="{386F3935-93C4-4BCD-93E2-E3B085C9AB24}">
+                <p16:designElem xmlns:p16="http://schemas.microsoft.com/office/powerpoint/2015/main" val="1"/>
+              </p:ext>
+            </p:extLst>
+          </p:nvPr>
+        </p:nvSpPr>
+        <p:spPr>
+          <a:xfrm>
+            <a:off x="0" y="4013200"/>
+            <a:ext cx="448733" cy="2844800"/>
+          </a:xfrm>
+          <a:prstGeom prst="triangle">
+            <a:avLst>
+              <a:gd name="adj" fmla="val 0"/>
+            </a:avLst>
+          </a:prstGeom>
+          <a:solidFill>
+            <a:schemeClr val="accent1"/>
+          </a:solidFill>
+          <a:ln>
+            <a:noFill/>
+          </a:ln>
+          <a:effectLst/>
+        </p:spPr>
+        <p:style>
+          <a:lnRef idx="1">
+            <a:schemeClr val="accent1"/>
+          </a:lnRef>
+          <a:fillRef idx="3">
+            <a:schemeClr val="accent1"/>
+          </a:fillRef>
+          <a:effectRef idx="2">
+            <a:schemeClr val="accent1"/>
+          </a:effectRef>
+          <a:fontRef idx="minor">
+            <a:schemeClr val="lt1"/>
+          </a:fontRef>
+        </p:style>
+      </p:sp>
+      <p:cxnSp>
+        <p:nvCxnSpPr>
+          <p:cNvPr id="12" name="Straight Connector 11">
+            <a:extLst>
+              <a:ext uri="{FF2B5EF4-FFF2-40B4-BE49-F238E27FC236}">
+                <a16:creationId xmlns:a16="http://schemas.microsoft.com/office/drawing/2014/main" id="{1A1FE6BB-DFB2-4080-9B5E-076EF5DDE67B}"/>
+              </a:ext>
+              <a:ext uri="{C183D7F6-B498-43B3-948B-1728B52AA6E4}">
+                <adec:decorative xmlns:adec="http://schemas.microsoft.com/office/drawing/2017/decorative" val="1"/>
+              </a:ext>
+            </a:extLst>
+          </p:cNvPr>
+          <p:cNvCxnSpPr>
+            <a:cxnSpLocks noGrp="1" noRot="1" noChangeAspect="1" noMove="1" noResize="1" noEditPoints="1" noAdjustHandles="1" noChangeArrowheads="1" noChangeShapeType="1"/>
+          </p:cNvCxnSpPr>
+          <p:nvPr>
+            <p:extLst>
+              <p:ext uri="{386F3935-93C4-4BCD-93E2-E3B085C9AB24}">
+                <p16:designElem xmlns:p16="http://schemas.microsoft.com/office/powerpoint/2015/main" val="1"/>
+              </p:ext>
+            </p:extLst>
+          </p:nvPr>
+        </p:nvCxnSpPr>
+        <p:spPr>
+          <a:xfrm>
+            <a:off x="4656670" y="1442595"/>
+            <a:ext cx="0" cy="3937000"/>
+          </a:xfrm>
+          <a:prstGeom prst="line">
+            <a:avLst/>
+          </a:prstGeom>
+        </p:spPr>
+        <p:style>
+          <a:lnRef idx="1">
+            <a:schemeClr val="accent1"/>
+          </a:lnRef>
+          <a:fillRef idx="0">
+            <a:schemeClr val="accent1"/>
+          </a:fillRef>
+          <a:effectRef idx="0">
+            <a:schemeClr val="accent1"/>
+          </a:effectRef>
+          <a:fontRef idx="minor">
+            <a:schemeClr val="tx1"/>
+          </a:fontRef>
+        </p:style>
+      </p:cxnSp>
+      <p:sp>
+        <p:nvSpPr>
+          <p:cNvPr id="3" name="Content Placeholder 2">
+            <a:extLst>
+              <a:ext uri="{FF2B5EF4-FFF2-40B4-BE49-F238E27FC236}">
+                <a16:creationId xmlns:a16="http://schemas.microsoft.com/office/drawing/2014/main" id="{9ED831D7-6E20-C434-3029-997FB8C62BD8}"/>
+              </a:ext>
+            </a:extLst>
+          </p:cNvPr>
+          <p:cNvSpPr>
+            <a:spLocks noGrp="1"/>
+          </p:cNvSpPr>
+          <p:nvPr>
+            <p:ph idx="1"/>
+          </p:nvPr>
+        </p:nvSpPr>
+        <p:spPr>
+          <a:xfrm>
+            <a:off x="4978918" y="1109145"/>
+            <a:ext cx="6341016" cy="4603900"/>
+          </a:xfrm>
+        </p:spPr>
+        <p:txBody>
+          <a:bodyPr anchor="ctr">
+            <a:normAutofit/>
+          </a:bodyPr>
+          <a:lstStyle/>
+          <a:p>
+            <a:pPr marL="0" indent="0">
+              <a:buNone/>
+            </a:pPr>
+            <a:r>
+              <a:rPr lang="en-US" dirty="0"/>
+              <a:t>Is there a correlation between energy use and building floor area?</a:t>
+            </a:r>
+          </a:p>
+        </p:txBody>
+      </p:sp>
+      <p:sp>
+        <p:nvSpPr>
+          <p:cNvPr id="14" name="Isosceles Triangle 13">
+            <a:extLst>
+              <a:ext uri="{FF2B5EF4-FFF2-40B4-BE49-F238E27FC236}">
+                <a16:creationId xmlns:a16="http://schemas.microsoft.com/office/drawing/2014/main" id="{F10FD715-4DCE-4779-B634-EC78315EA213}"/>
+              </a:ext>
+              <a:ext uri="{C183D7F6-B498-43B3-948B-1728B52AA6E4}">
+                <adec:decorative xmlns:adec="http://schemas.microsoft.com/office/drawing/2017/decorative" val="1"/>
+              </a:ext>
+            </a:extLst>
+          </p:cNvPr>
+          <p:cNvSpPr>
+            <a:spLocks noGrp="1" noRot="1" noChangeAspect="1" noMove="1" noResize="1" noEditPoints="1" noAdjustHandles="1" noChangeArrowheads="1" noChangeShapeType="1" noTextEdit="1"/>
+          </p:cNvSpPr>
+          <p:nvPr>
+            <p:extLst>
+              <p:ext uri="{386F3935-93C4-4BCD-93E2-E3B085C9AB24}">
+                <p16:designElem xmlns:p16="http://schemas.microsoft.com/office/powerpoint/2015/main" val="1"/>
+              </p:ext>
+            </p:extLst>
+          </p:nvPr>
+        </p:nvSpPr>
+        <p:spPr>
+          <a:xfrm rot="10800000" flipH="1">
+            <a:off x="11364139" y="0"/>
+            <a:ext cx="842596" cy="4616289"/>
+          </a:xfrm>
+          <a:prstGeom prst="triangle">
+            <a:avLst>
+              <a:gd name="adj" fmla="val 100000"/>
+            </a:avLst>
+          </a:prstGeom>
+          <a:solidFill>
+            <a:schemeClr val="accent2"/>
+          </a:solidFill>
+          <a:ln>
+            <a:noFill/>
+          </a:ln>
+          <a:effectLst/>
+        </p:spPr>
+        <p:style>
+          <a:lnRef idx="1">
+            <a:schemeClr val="accent1"/>
+          </a:lnRef>
+          <a:fillRef idx="3">
+            <a:schemeClr val="accent1"/>
+          </a:fillRef>
+          <a:effectRef idx="2">
+            <a:schemeClr val="accent1"/>
+          </a:effectRef>
+          <a:fontRef idx="minor">
+            <a:schemeClr val="lt1"/>
+          </a:fontRef>
+        </p:style>
+      </p:sp>
+    </p:spTree>
+    <p:extLst>
+      <p:ext uri="{BB962C8B-B14F-4D97-AF65-F5344CB8AC3E}">
+        <p14:creationId xmlns:p14="http://schemas.microsoft.com/office/powerpoint/2010/main" val="574353114"/>
+      </p:ext>
+    </p:extLst>
+  </p:cSld>
+  <p:clrMapOvr>
+    <a:masterClrMapping/>
+  </p:clrMapOvr>
+  <p:timing>
+    <p:tnLst>
+      <p:par>
+        <p:cTn id="1" dur="indefinite" restart="never" nodeType="tmRoot">
+          <p:childTnLst>
+            <p:seq concurrent="1" nextAc="seek">
+              <p:cTn id="2" dur="indefinite" nodeType="mainSeq">
+                <p:childTnLst>
+                  <p:par>
+                    <p:cTn id="3" fill="hold">
+                      <p:stCondLst>
+                        <p:cond delay="indefinite"/>
+                        <p:cond evt="onBegin" delay="0">
+                          <p:tn val="2"/>
+                        </p:cond>
+                      </p:stCondLst>
+                      <p:childTnLst>
+                        <p:par>
+                          <p:cTn id="4" fill="hold">
+                            <p:stCondLst>
+                              <p:cond delay="0"/>
+                            </p:stCondLst>
+                            <p:childTnLst>
+                              <p:par>
+                                <p:cTn id="5" presetID="10" presetClass="entr" presetSubtype="0" fill="hold" grpId="0" nodeType="withEffect">
+                                  <p:stCondLst>
+                                    <p:cond delay="500"/>
+                                  </p:stCondLst>
+                                  <p:iterate>
+                                    <p:tmPct val="10000"/>
+                                  </p:iterate>
+                                  <p:childTnLst>
+                                    <p:set>
+                                      <p:cBhvr>
+                                        <p:cTn id="6" dur="1" fill="hold">
+                                          <p:stCondLst>
+                                            <p:cond delay="0"/>
+                                          </p:stCondLst>
+                                        </p:cTn>
+                                        <p:tgtEl>
+                                          <p:spTgt spid="2"/>
+                                        </p:tgtEl>
+                                        <p:attrNameLst>
+                                          <p:attrName>style.visibility</p:attrName>
+                                        </p:attrNameLst>
+                                      </p:cBhvr>
+                                      <p:to>
+                                        <p:strVal val="visible"/>
+                                      </p:to>
+                                    </p:set>
+                                    <p:animEffect transition="in" filter="fade">
+                                      <p:cBhvr>
+                                        <p:cTn id="7" dur="700"/>
+                                        <p:tgtEl>
+                                          <p:spTgt spid="2"/>
+                                        </p:tgtEl>
+                                      </p:cBhvr>
+                                    </p:animEffect>
+                                  </p:childTnLst>
+                                </p:cTn>
+                              </p:par>
+                            </p:childTnLst>
+                          </p:cTn>
+                        </p:par>
+                      </p:childTnLst>
+                    </p:cTn>
+                  </p:par>
+                </p:childTnLst>
+              </p:cTn>
+              <p:prevCondLst>
+                <p:cond evt="onPrev" delay="0">
+                  <p:tgtEl>
+                    <p:sldTgt/>
+                  </p:tgtEl>
+                </p:cond>
+              </p:prevCondLst>
+              <p:nextCondLst>
+                <p:cond evt="onNext" delay="0">
+                  <p:tgtEl>
+                    <p:sldTgt/>
+                  </p:tgtEl>
+                </p:cond>
+              </p:nextCondLst>
+            </p:seq>
+          </p:childTnLst>
+        </p:cTn>
+      </p:par>
+    </p:tnLst>
+    <p:bldLst>
+      <p:bldP spid="2" grpId="0"/>
+    </p:bldLst>
+  </p:timing>
+</p:sld>
+</file>
+
+<file path=ppt/slides/slide14.xml><?xml version="1.0" encoding="utf-8"?>
+<p:sld xmlns:a="http://schemas.openxmlformats.org/drawingml/2006/main" xmlns:r="http://schemas.openxmlformats.org/officeDocument/2006/relationships" xmlns:p="http://schemas.openxmlformats.org/presentationml/2006/main">
+  <p:cSld>
+    <p:spTree>
+      <p:nvGrpSpPr>
+        <p:cNvPr id="1" name=""/>
+        <p:cNvGrpSpPr/>
+        <p:nvPr/>
+      </p:nvGrpSpPr>
+      <p:grpSpPr>
+        <a:xfrm>
+          <a:off x="0" y="0"/>
+          <a:ext cx="0" cy="0"/>
+          <a:chOff x="0" y="0"/>
+          <a:chExt cx="0" cy="0"/>
+        </a:xfrm>
+      </p:grpSpPr>
+      <p:pic>
+        <p:nvPicPr>
+          <p:cNvPr id="8" name="Content Placeholder 7">
+            <a:extLst>
+              <a:ext uri="{FF2B5EF4-FFF2-40B4-BE49-F238E27FC236}">
+                <a16:creationId xmlns:a16="http://schemas.microsoft.com/office/drawing/2014/main" id="{4301F515-E5BE-9271-A57D-407D805C6323}"/>
+              </a:ext>
+            </a:extLst>
+          </p:cNvPr>
+          <p:cNvPicPr>
+            <a:picLocks noGrp="1" noChangeAspect="1"/>
+          </p:cNvPicPr>
+          <p:nvPr>
+            <p:ph sz="half" idx="2"/>
+          </p:nvPr>
+        </p:nvPicPr>
+        <p:blipFill>
+          <a:blip r:embed="rId2">
+            <a:extLst>
+              <a:ext uri="{28A0092B-C50C-407E-A947-70E740481C1C}">
+                <a14:useLocalDpi xmlns:a14="http://schemas.microsoft.com/office/drawing/2010/main" val="0"/>
+              </a:ext>
+            </a:extLst>
+          </a:blip>
+          <a:srcRect/>
+          <a:stretch/>
+        </p:blipFill>
+        <p:spPr>
+          <a:xfrm>
+            <a:off x="676275" y="858934"/>
+            <a:ext cx="4184650" cy="3087371"/>
+          </a:xfrm>
+        </p:spPr>
+      </p:pic>
+      <p:pic>
+        <p:nvPicPr>
+          <p:cNvPr id="10" name="Content Placeholder 9">
+            <a:extLst>
+              <a:ext uri="{FF2B5EF4-FFF2-40B4-BE49-F238E27FC236}">
+                <a16:creationId xmlns:a16="http://schemas.microsoft.com/office/drawing/2014/main" id="{22074039-A718-8088-2036-57D89AA34F4B}"/>
+              </a:ext>
+            </a:extLst>
+          </p:cNvPr>
+          <p:cNvPicPr>
+            <a:picLocks noGrp="1" noChangeAspect="1"/>
+          </p:cNvPicPr>
+          <p:nvPr>
+            <p:ph sz="quarter" idx="4"/>
+          </p:nvPr>
+        </p:nvPicPr>
+        <p:blipFill>
+          <a:blip r:embed="rId3">
+            <a:extLst>
+              <a:ext uri="{28A0092B-C50C-407E-A947-70E740481C1C}">
+                <a14:useLocalDpi xmlns:a14="http://schemas.microsoft.com/office/drawing/2010/main" val="0"/>
+              </a:ext>
+            </a:extLst>
+          </a:blip>
+          <a:srcRect/>
+          <a:stretch/>
+        </p:blipFill>
+        <p:spPr>
+          <a:xfrm>
+            <a:off x="5087938" y="902380"/>
+            <a:ext cx="4186237" cy="3043925"/>
+          </a:xfrm>
+        </p:spPr>
+      </p:pic>
+      <p:sp>
+        <p:nvSpPr>
+          <p:cNvPr id="11" name="Text Placeholder 2">
+            <a:extLst>
+              <a:ext uri="{FF2B5EF4-FFF2-40B4-BE49-F238E27FC236}">
+                <a16:creationId xmlns:a16="http://schemas.microsoft.com/office/drawing/2014/main" id="{A8A2767E-0E39-4E2B-7836-B8164FA06430}"/>
+              </a:ext>
+            </a:extLst>
+          </p:cNvPr>
+          <p:cNvSpPr txBox="1">
+            <a:spLocks/>
+          </p:cNvSpPr>
+          <p:nvPr/>
+        </p:nvSpPr>
+        <p:spPr>
+          <a:xfrm>
+            <a:off x="675745" y="282672"/>
+            <a:ext cx="4185623" cy="576262"/>
+          </a:xfrm>
+          <a:prstGeom prst="rect">
+            <a:avLst/>
+          </a:prstGeom>
+        </p:spPr>
+        <p:txBody>
+          <a:bodyPr vert="horz" lIns="91440" tIns="45720" rIns="91440" bIns="45720" rtlCol="0">
+            <a:normAutofit/>
+          </a:bodyPr>
+          <a:lstStyle>
+            <a:lvl1pPr marL="342900" indent="-342900" algn="l" defTabSz="457200" rtl="0" eaLnBrk="1" latinLnBrk="0" hangingPunct="1">
+              <a:spcBef>
+                <a:spcPts val="1000"/>
+              </a:spcBef>
+              <a:spcAft>
+                <a:spcPts val="0"/>
+              </a:spcAft>
+              <a:buClr>
+                <a:schemeClr val="accent1"/>
+              </a:buClr>
+              <a:buSzPct val="80000"/>
+              <a:buFont typeface="Wingdings 3" charset="2"/>
+              <a:buChar char=""/>
+              <a:defRPr sz="1800" kern="1200">
+                <a:solidFill>
+                  <a:schemeClr val="tx1">
+                    <a:lumMod val="75000"/>
+                    <a:lumOff val="25000"/>
+                  </a:schemeClr>
+                </a:solidFill>
+                <a:latin typeface="+mn-lt"/>
+                <a:ea typeface="+mn-ea"/>
+                <a:cs typeface="+mn-cs"/>
+              </a:defRPr>
+            </a:lvl1pPr>
+            <a:lvl2pPr marL="742950" indent="-285750" algn="l" defTabSz="457200" rtl="0" eaLnBrk="1" latinLnBrk="0" hangingPunct="1">
+              <a:spcBef>
+                <a:spcPts val="1000"/>
+              </a:spcBef>
+              <a:spcAft>
+                <a:spcPts val="0"/>
+              </a:spcAft>
+              <a:buClr>
+                <a:schemeClr val="accent1"/>
+              </a:buClr>
+              <a:buSzPct val="80000"/>
+              <a:buFont typeface="Wingdings 3" charset="2"/>
+              <a:buChar char=""/>
+              <a:defRPr sz="1600" kern="1200">
+                <a:solidFill>
+                  <a:schemeClr val="tx1">
+                    <a:lumMod val="75000"/>
+                    <a:lumOff val="25000"/>
+                  </a:schemeClr>
+                </a:solidFill>
+                <a:latin typeface="+mn-lt"/>
+                <a:ea typeface="+mn-ea"/>
+                <a:cs typeface="+mn-cs"/>
+              </a:defRPr>
+            </a:lvl2pPr>
+            <a:lvl3pPr marL="1143000" indent="-228600" algn="l" defTabSz="457200" rtl="0" eaLnBrk="1" latinLnBrk="0" hangingPunct="1">
+              <a:spcBef>
+                <a:spcPts val="1000"/>
+              </a:spcBef>
+              <a:spcAft>
+                <a:spcPts val="0"/>
+              </a:spcAft>
+              <a:buClr>
+                <a:schemeClr val="accent1"/>
+              </a:buClr>
+              <a:buSzPct val="80000"/>
+              <a:buFont typeface="Wingdings 3" charset="2"/>
+              <a:buChar char=""/>
+              <a:defRPr sz="1400" kern="1200">
+                <a:solidFill>
+                  <a:schemeClr val="tx1">
+                    <a:lumMod val="75000"/>
+                    <a:lumOff val="25000"/>
+                  </a:schemeClr>
+                </a:solidFill>
+                <a:latin typeface="+mn-lt"/>
+                <a:ea typeface="+mn-ea"/>
+                <a:cs typeface="+mn-cs"/>
+              </a:defRPr>
+            </a:lvl3pPr>
+            <a:lvl4pPr marL="1600200" indent="-228600" algn="l" defTabSz="457200" rtl="0" eaLnBrk="1" latinLnBrk="0" hangingPunct="1">
+              <a:spcBef>
+                <a:spcPts val="1000"/>
+              </a:spcBef>
+              <a:spcAft>
+                <a:spcPts val="0"/>
+              </a:spcAft>
+              <a:buClr>
+                <a:schemeClr val="accent1"/>
+              </a:buClr>
+              <a:buSzPct val="80000"/>
+              <a:buFont typeface="Wingdings 3" charset="2"/>
+              <a:buChar char=""/>
+              <a:defRPr sz="1200" kern="1200">
+                <a:solidFill>
+                  <a:schemeClr val="tx1">
+                    <a:lumMod val="75000"/>
+                    <a:lumOff val="25000"/>
+                  </a:schemeClr>
+                </a:solidFill>
+                <a:latin typeface="+mn-lt"/>
+                <a:ea typeface="+mn-ea"/>
+                <a:cs typeface="+mn-cs"/>
+              </a:defRPr>
+            </a:lvl4pPr>
+            <a:lvl5pPr marL="2057400" indent="-228600" algn="l" defTabSz="457200" rtl="0" eaLnBrk="1" latinLnBrk="0" hangingPunct="1">
+              <a:spcBef>
+                <a:spcPts val="1000"/>
+              </a:spcBef>
+              <a:spcAft>
+                <a:spcPts val="0"/>
+              </a:spcAft>
+              <a:buClr>
+                <a:schemeClr val="accent1"/>
+              </a:buClr>
+              <a:buSzPct val="80000"/>
+              <a:buFont typeface="Wingdings 3" charset="2"/>
+              <a:buChar char=""/>
+              <a:defRPr sz="1200" kern="1200">
+                <a:solidFill>
+                  <a:schemeClr val="tx1">
+                    <a:lumMod val="75000"/>
+                    <a:lumOff val="25000"/>
+                  </a:schemeClr>
+                </a:solidFill>
+                <a:latin typeface="+mn-lt"/>
+                <a:ea typeface="+mn-ea"/>
+                <a:cs typeface="+mn-cs"/>
+              </a:defRPr>
+            </a:lvl5pPr>
+            <a:lvl6pPr marL="2514600" indent="-228600" algn="l" defTabSz="457200" rtl="0" eaLnBrk="1" latinLnBrk="0" hangingPunct="1">
+              <a:spcBef>
+                <a:spcPts val="1000"/>
+              </a:spcBef>
+              <a:spcAft>
+                <a:spcPts val="0"/>
+              </a:spcAft>
+              <a:buClr>
+                <a:schemeClr val="accent1"/>
+              </a:buClr>
+              <a:buSzPct val="80000"/>
+              <a:buFont typeface="Wingdings 3" charset="2"/>
+              <a:buChar char=""/>
+              <a:defRPr sz="1200" kern="1200">
+                <a:solidFill>
+                  <a:schemeClr val="tx1">
+                    <a:lumMod val="75000"/>
+                    <a:lumOff val="25000"/>
+                  </a:schemeClr>
+                </a:solidFill>
+                <a:latin typeface="+mn-lt"/>
+                <a:ea typeface="+mn-ea"/>
+                <a:cs typeface="+mn-cs"/>
+              </a:defRPr>
+            </a:lvl6pPr>
+            <a:lvl7pPr marL="2971800" indent="-228600" algn="l" defTabSz="457200" rtl="0" eaLnBrk="1" latinLnBrk="0" hangingPunct="1">
+              <a:spcBef>
+                <a:spcPts val="1000"/>
+              </a:spcBef>
+              <a:spcAft>
+                <a:spcPts val="0"/>
+              </a:spcAft>
+              <a:buClr>
+                <a:schemeClr val="accent1"/>
+              </a:buClr>
+              <a:buSzPct val="80000"/>
+              <a:buFont typeface="Wingdings 3" charset="2"/>
+              <a:buChar char=""/>
+              <a:defRPr sz="1200" kern="1200">
+                <a:solidFill>
+                  <a:schemeClr val="tx1">
+                    <a:lumMod val="75000"/>
+                    <a:lumOff val="25000"/>
+                  </a:schemeClr>
+                </a:solidFill>
+                <a:latin typeface="+mn-lt"/>
+                <a:ea typeface="+mn-ea"/>
+                <a:cs typeface="+mn-cs"/>
+              </a:defRPr>
+            </a:lvl7pPr>
+            <a:lvl8pPr marL="3429000" indent="-228600" algn="l" defTabSz="457200" rtl="0" eaLnBrk="1" latinLnBrk="0" hangingPunct="1">
+              <a:spcBef>
+                <a:spcPts val="1000"/>
+              </a:spcBef>
+              <a:spcAft>
+                <a:spcPts val="0"/>
+              </a:spcAft>
+              <a:buClr>
+                <a:schemeClr val="accent1"/>
+              </a:buClr>
+              <a:buSzPct val="80000"/>
+              <a:buFont typeface="Wingdings 3" charset="2"/>
+              <a:buChar char=""/>
+              <a:defRPr sz="1200" kern="1200">
+                <a:solidFill>
+                  <a:schemeClr val="tx1">
+                    <a:lumMod val="75000"/>
+                    <a:lumOff val="25000"/>
+                  </a:schemeClr>
+                </a:solidFill>
+                <a:latin typeface="+mn-lt"/>
+                <a:ea typeface="+mn-ea"/>
+                <a:cs typeface="+mn-cs"/>
+              </a:defRPr>
+            </a:lvl8pPr>
+            <a:lvl9pPr marL="3886200" indent="-228600" algn="l" defTabSz="457200" rtl="0" eaLnBrk="1" latinLnBrk="0" hangingPunct="1">
+              <a:spcBef>
+                <a:spcPts val="1000"/>
+              </a:spcBef>
+              <a:spcAft>
+                <a:spcPts val="0"/>
+              </a:spcAft>
+              <a:buClr>
+                <a:schemeClr val="accent1"/>
+              </a:buClr>
+              <a:buSzPct val="80000"/>
+              <a:buFont typeface="Wingdings 3" charset="2"/>
+              <a:buChar char=""/>
+              <a:defRPr sz="1200" kern="1200">
+                <a:solidFill>
+                  <a:schemeClr val="tx1">
+                    <a:lumMod val="75000"/>
+                    <a:lumOff val="25000"/>
+                  </a:schemeClr>
+                </a:solidFill>
+                <a:latin typeface="+mn-lt"/>
+                <a:ea typeface="+mn-ea"/>
+                <a:cs typeface="+mn-cs"/>
+              </a:defRPr>
+            </a:lvl9pPr>
+          </a:lstStyle>
+          <a:p>
+            <a:pPr marL="0" indent="0" algn="ctr">
+              <a:buNone/>
+            </a:pPr>
+            <a:r>
+              <a:rPr lang="en-US" dirty="0"/>
+              <a:t>Residential Buildings</a:t>
+            </a:r>
+          </a:p>
+        </p:txBody>
+      </p:sp>
+      <p:sp>
+        <p:nvSpPr>
+          <p:cNvPr id="12" name="Text Placeholder 2">
+            <a:extLst>
+              <a:ext uri="{FF2B5EF4-FFF2-40B4-BE49-F238E27FC236}">
+                <a16:creationId xmlns:a16="http://schemas.microsoft.com/office/drawing/2014/main" id="{35418343-28F0-F050-9B1D-0E60954A0A0B}"/>
+              </a:ext>
+            </a:extLst>
+          </p:cNvPr>
+          <p:cNvSpPr txBox="1">
+            <a:spLocks/>
+          </p:cNvSpPr>
+          <p:nvPr/>
+        </p:nvSpPr>
+        <p:spPr>
+          <a:xfrm>
+            <a:off x="5237822" y="282672"/>
+            <a:ext cx="4185623" cy="576262"/>
+          </a:xfrm>
+          <a:prstGeom prst="rect">
+            <a:avLst/>
+          </a:prstGeom>
+        </p:spPr>
+        <p:txBody>
+          <a:bodyPr vert="horz" lIns="91440" tIns="45720" rIns="91440" bIns="45720" rtlCol="0">
+            <a:normAutofit/>
+          </a:bodyPr>
+          <a:lstStyle>
+            <a:lvl1pPr marL="342900" indent="-342900" algn="l" defTabSz="457200" rtl="0" eaLnBrk="1" latinLnBrk="0" hangingPunct="1">
+              <a:spcBef>
+                <a:spcPts val="1000"/>
+              </a:spcBef>
+              <a:spcAft>
+                <a:spcPts val="0"/>
+              </a:spcAft>
+              <a:buClr>
+                <a:schemeClr val="accent1"/>
+              </a:buClr>
+              <a:buSzPct val="80000"/>
+              <a:buFont typeface="Wingdings 3" charset="2"/>
+              <a:buChar char=""/>
+              <a:defRPr sz="1800" kern="1200">
+                <a:solidFill>
+                  <a:schemeClr val="tx1">
+                    <a:lumMod val="75000"/>
+                    <a:lumOff val="25000"/>
+                  </a:schemeClr>
+                </a:solidFill>
+                <a:latin typeface="+mn-lt"/>
+                <a:ea typeface="+mn-ea"/>
+                <a:cs typeface="+mn-cs"/>
+              </a:defRPr>
+            </a:lvl1pPr>
+            <a:lvl2pPr marL="742950" indent="-285750" algn="l" defTabSz="457200" rtl="0" eaLnBrk="1" latinLnBrk="0" hangingPunct="1">
+              <a:spcBef>
+                <a:spcPts val="1000"/>
+              </a:spcBef>
+              <a:spcAft>
+                <a:spcPts val="0"/>
+              </a:spcAft>
+              <a:buClr>
+                <a:schemeClr val="accent1"/>
+              </a:buClr>
+              <a:buSzPct val="80000"/>
+              <a:buFont typeface="Wingdings 3" charset="2"/>
+              <a:buChar char=""/>
+              <a:defRPr sz="1600" kern="1200">
+                <a:solidFill>
+                  <a:schemeClr val="tx1">
+                    <a:lumMod val="75000"/>
+                    <a:lumOff val="25000"/>
+                  </a:schemeClr>
+                </a:solidFill>
+                <a:latin typeface="+mn-lt"/>
+                <a:ea typeface="+mn-ea"/>
+                <a:cs typeface="+mn-cs"/>
+              </a:defRPr>
+            </a:lvl2pPr>
+            <a:lvl3pPr marL="1143000" indent="-228600" algn="l" defTabSz="457200" rtl="0" eaLnBrk="1" latinLnBrk="0" hangingPunct="1">
+              <a:spcBef>
+                <a:spcPts val="1000"/>
+              </a:spcBef>
+              <a:spcAft>
+                <a:spcPts val="0"/>
+              </a:spcAft>
+              <a:buClr>
+                <a:schemeClr val="accent1"/>
+              </a:buClr>
+              <a:buSzPct val="80000"/>
+              <a:buFont typeface="Wingdings 3" charset="2"/>
+              <a:buChar char=""/>
+              <a:defRPr sz="1400" kern="1200">
+                <a:solidFill>
+                  <a:schemeClr val="tx1">
+                    <a:lumMod val="75000"/>
+                    <a:lumOff val="25000"/>
+                  </a:schemeClr>
+                </a:solidFill>
+                <a:latin typeface="+mn-lt"/>
+                <a:ea typeface="+mn-ea"/>
+                <a:cs typeface="+mn-cs"/>
+              </a:defRPr>
+            </a:lvl3pPr>
+            <a:lvl4pPr marL="1600200" indent="-228600" algn="l" defTabSz="457200" rtl="0" eaLnBrk="1" latinLnBrk="0" hangingPunct="1">
+              <a:spcBef>
+                <a:spcPts val="1000"/>
+              </a:spcBef>
+              <a:spcAft>
+                <a:spcPts val="0"/>
+              </a:spcAft>
+              <a:buClr>
+                <a:schemeClr val="accent1"/>
+              </a:buClr>
+              <a:buSzPct val="80000"/>
+              <a:buFont typeface="Wingdings 3" charset="2"/>
+              <a:buChar char=""/>
+              <a:defRPr sz="1200" kern="1200">
+                <a:solidFill>
+                  <a:schemeClr val="tx1">
+                    <a:lumMod val="75000"/>
+                    <a:lumOff val="25000"/>
+                  </a:schemeClr>
+                </a:solidFill>
+                <a:latin typeface="+mn-lt"/>
+                <a:ea typeface="+mn-ea"/>
+                <a:cs typeface="+mn-cs"/>
+              </a:defRPr>
+            </a:lvl4pPr>
+            <a:lvl5pPr marL="2057400" indent="-228600" algn="l" defTabSz="457200" rtl="0" eaLnBrk="1" latinLnBrk="0" hangingPunct="1">
+              <a:spcBef>
+                <a:spcPts val="1000"/>
+              </a:spcBef>
+              <a:spcAft>
+                <a:spcPts val="0"/>
+              </a:spcAft>
+              <a:buClr>
+                <a:schemeClr val="accent1"/>
+              </a:buClr>
+              <a:buSzPct val="80000"/>
+              <a:buFont typeface="Wingdings 3" charset="2"/>
+              <a:buChar char=""/>
+              <a:defRPr sz="1200" kern="1200">
+                <a:solidFill>
+                  <a:schemeClr val="tx1">
+                    <a:lumMod val="75000"/>
+                    <a:lumOff val="25000"/>
+                  </a:schemeClr>
+                </a:solidFill>
+                <a:latin typeface="+mn-lt"/>
+                <a:ea typeface="+mn-ea"/>
+                <a:cs typeface="+mn-cs"/>
+              </a:defRPr>
+            </a:lvl5pPr>
+            <a:lvl6pPr marL="2514600" indent="-228600" algn="l" defTabSz="457200" rtl="0" eaLnBrk="1" latinLnBrk="0" hangingPunct="1">
+              <a:spcBef>
+                <a:spcPts val="1000"/>
+              </a:spcBef>
+              <a:spcAft>
+                <a:spcPts val="0"/>
+              </a:spcAft>
+              <a:buClr>
+                <a:schemeClr val="accent1"/>
+              </a:buClr>
+              <a:buSzPct val="80000"/>
+              <a:buFont typeface="Wingdings 3" charset="2"/>
+              <a:buChar char=""/>
+              <a:defRPr sz="1200" kern="1200">
+                <a:solidFill>
+                  <a:schemeClr val="tx1">
+                    <a:lumMod val="75000"/>
+                    <a:lumOff val="25000"/>
+                  </a:schemeClr>
+                </a:solidFill>
+                <a:latin typeface="+mn-lt"/>
+                <a:ea typeface="+mn-ea"/>
+                <a:cs typeface="+mn-cs"/>
+              </a:defRPr>
+            </a:lvl6pPr>
+            <a:lvl7pPr marL="2971800" indent="-228600" algn="l" defTabSz="457200" rtl="0" eaLnBrk="1" latinLnBrk="0" hangingPunct="1">
+              <a:spcBef>
+                <a:spcPts val="1000"/>
+              </a:spcBef>
+              <a:spcAft>
+                <a:spcPts val="0"/>
+              </a:spcAft>
+              <a:buClr>
+                <a:schemeClr val="accent1"/>
+              </a:buClr>
+              <a:buSzPct val="80000"/>
+              <a:buFont typeface="Wingdings 3" charset="2"/>
+              <a:buChar char=""/>
+              <a:defRPr sz="1200" kern="1200">
+                <a:solidFill>
+                  <a:schemeClr val="tx1">
+                    <a:lumMod val="75000"/>
+                    <a:lumOff val="25000"/>
+                  </a:schemeClr>
+                </a:solidFill>
+                <a:latin typeface="+mn-lt"/>
+                <a:ea typeface="+mn-ea"/>
+                <a:cs typeface="+mn-cs"/>
+              </a:defRPr>
+            </a:lvl7pPr>
+            <a:lvl8pPr marL="3429000" indent="-228600" algn="l" defTabSz="457200" rtl="0" eaLnBrk="1" latinLnBrk="0" hangingPunct="1">
+              <a:spcBef>
+                <a:spcPts val="1000"/>
+              </a:spcBef>
+              <a:spcAft>
+                <a:spcPts val="0"/>
+              </a:spcAft>
+              <a:buClr>
+                <a:schemeClr val="accent1"/>
+              </a:buClr>
+              <a:buSzPct val="80000"/>
+              <a:buFont typeface="Wingdings 3" charset="2"/>
+              <a:buChar char=""/>
+              <a:defRPr sz="1200" kern="1200">
+                <a:solidFill>
+                  <a:schemeClr val="tx1">
+                    <a:lumMod val="75000"/>
+                    <a:lumOff val="25000"/>
+                  </a:schemeClr>
+                </a:solidFill>
+                <a:latin typeface="+mn-lt"/>
+                <a:ea typeface="+mn-ea"/>
+                <a:cs typeface="+mn-cs"/>
+              </a:defRPr>
+            </a:lvl8pPr>
+            <a:lvl9pPr marL="3886200" indent="-228600" algn="l" defTabSz="457200" rtl="0" eaLnBrk="1" latinLnBrk="0" hangingPunct="1">
+              <a:spcBef>
+                <a:spcPts val="1000"/>
+              </a:spcBef>
+              <a:spcAft>
+                <a:spcPts val="0"/>
+              </a:spcAft>
+              <a:buClr>
+                <a:schemeClr val="accent1"/>
+              </a:buClr>
+              <a:buSzPct val="80000"/>
+              <a:buFont typeface="Wingdings 3" charset="2"/>
+              <a:buChar char=""/>
+              <a:defRPr sz="1200" kern="1200">
+                <a:solidFill>
+                  <a:schemeClr val="tx1">
+                    <a:lumMod val="75000"/>
+                    <a:lumOff val="25000"/>
+                  </a:schemeClr>
+                </a:solidFill>
+                <a:latin typeface="+mn-lt"/>
+                <a:ea typeface="+mn-ea"/>
+                <a:cs typeface="+mn-cs"/>
+              </a:defRPr>
+            </a:lvl9pPr>
+          </a:lstStyle>
+          <a:p>
+            <a:pPr marL="0" indent="0" algn="ctr">
+              <a:buNone/>
+            </a:pPr>
+            <a:r>
+              <a:rPr lang="en-US" dirty="0"/>
+              <a:t>Commercial Buildings</a:t>
+            </a:r>
+          </a:p>
+        </p:txBody>
+      </p:sp>
+      <p:sp>
+        <p:nvSpPr>
+          <p:cNvPr id="2" name="TextBox 1">
+            <a:extLst>
+              <a:ext uri="{FF2B5EF4-FFF2-40B4-BE49-F238E27FC236}">
+                <a16:creationId xmlns:a16="http://schemas.microsoft.com/office/drawing/2014/main" id="{3DDF8FC2-98B5-6E5F-0114-7CAC60B58D5A}"/>
+              </a:ext>
+            </a:extLst>
+          </p:cNvPr>
+          <p:cNvSpPr txBox="1"/>
+          <p:nvPr/>
+        </p:nvSpPr>
+        <p:spPr>
+          <a:xfrm>
+            <a:off x="880844" y="3946305"/>
+            <a:ext cx="8542601" cy="1754326"/>
+          </a:xfrm>
+          <a:prstGeom prst="rect">
+            <a:avLst/>
+          </a:prstGeom>
+          <a:noFill/>
+        </p:spPr>
+        <p:txBody>
+          <a:bodyPr wrap="square" rtlCol="0">
+            <a:spAutoFit/>
+          </a:bodyPr>
+          <a:lstStyle/>
+          <a:p>
+            <a:pPr rtl="0">
+              <a:spcBef>
+                <a:spcPts val="0"/>
+              </a:spcBef>
+              <a:spcAft>
+                <a:spcPts val="0"/>
+              </a:spcAft>
+            </a:pPr>
+            <a:br>
+              <a:rPr lang="en-US" sz="1200" b="0" i="0" u="none" strike="noStrike" dirty="0">
+                <a:solidFill>
+                  <a:srgbClr val="000000"/>
+                </a:solidFill>
+                <a:effectLst/>
+                <a:latin typeface="Arial" panose="020B0604020202020204" pitchFamily="34" charset="0"/>
+              </a:rPr>
+            </a:br>
+            <a:r>
+              <a:rPr lang="en-US" sz="1200" b="0" i="0" u="none" strike="noStrike" dirty="0">
+                <a:solidFill>
+                  <a:srgbClr val="000000"/>
+                </a:solidFill>
+                <a:effectLst/>
+                <a:latin typeface="Arial" panose="020B0604020202020204" pitchFamily="34" charset="0"/>
+              </a:rPr>
+              <a:t>Mean correlation of commercial buildings (floor area vs energy use) from 2018 to 2022 is: 0.0805832669848815</a:t>
+            </a:r>
+            <a:endParaRPr lang="en-US" sz="1200" b="0" dirty="0">
+              <a:effectLst/>
+            </a:endParaRPr>
+          </a:p>
+          <a:p>
+            <a:pPr rtl="0">
+              <a:spcBef>
+                <a:spcPts val="0"/>
+              </a:spcBef>
+              <a:spcAft>
+                <a:spcPts val="0"/>
+              </a:spcAft>
+            </a:pPr>
+            <a:r>
+              <a:rPr lang="en-US" sz="1200" b="0" i="0" u="none" strike="noStrike" dirty="0">
+                <a:solidFill>
+                  <a:srgbClr val="000000"/>
+                </a:solidFill>
+                <a:effectLst/>
+                <a:latin typeface="Arial" panose="020B0604020202020204" pitchFamily="34" charset="0"/>
+              </a:rPr>
+              <a:t>Mean p-value of commercial buildings (floor area vs energy use) from 2018 to 2022 is: 0.05119773066264244</a:t>
+            </a:r>
+            <a:endParaRPr lang="en-US" sz="1200" b="0" dirty="0">
+              <a:effectLst/>
+            </a:endParaRPr>
+          </a:p>
+          <a:p>
+            <a:pPr rtl="0">
+              <a:spcBef>
+                <a:spcPts val="0"/>
+              </a:spcBef>
+              <a:spcAft>
+                <a:spcPts val="0"/>
+              </a:spcAft>
+            </a:pPr>
+            <a:br>
+              <a:rPr lang="en-US" sz="1200" b="0" i="0" u="none" strike="noStrike" dirty="0">
+                <a:solidFill>
+                  <a:srgbClr val="000000"/>
+                </a:solidFill>
+                <a:effectLst/>
+                <a:latin typeface="Arial" panose="020B0604020202020204" pitchFamily="34" charset="0"/>
+              </a:rPr>
+            </a:br>
+            <a:r>
+              <a:rPr lang="en-US" sz="1200" b="0" i="0" u="none" strike="noStrike" dirty="0">
+                <a:solidFill>
+                  <a:srgbClr val="000000"/>
+                </a:solidFill>
+                <a:effectLst/>
+                <a:latin typeface="Arial" panose="020B0604020202020204" pitchFamily="34" charset="0"/>
+              </a:rPr>
+              <a:t>Mean correlation of mixed residential buildings (floor area vs energy use) from 2018 to 2022 is:  -0.07641699519445266</a:t>
+            </a:r>
+            <a:endParaRPr lang="en-US" sz="1200" b="0" dirty="0">
+              <a:effectLst/>
+            </a:endParaRPr>
+          </a:p>
+          <a:p>
+            <a:pPr rtl="0">
+              <a:spcBef>
+                <a:spcPts val="0"/>
+              </a:spcBef>
+              <a:spcAft>
+                <a:spcPts val="0"/>
+              </a:spcAft>
+            </a:pPr>
+            <a:r>
+              <a:rPr lang="en-US" sz="1200" b="0" i="0" u="none" strike="noStrike" dirty="0">
+                <a:solidFill>
+                  <a:srgbClr val="000000"/>
+                </a:solidFill>
+                <a:effectLst/>
+                <a:latin typeface="Arial" panose="020B0604020202020204" pitchFamily="34" charset="0"/>
+              </a:rPr>
+              <a:t>Mean p-value of mixed residential buildings (floor area vs energy use) from 2018 to 2022 is: 0.5112473898708946</a:t>
+            </a:r>
+            <a:endParaRPr lang="en-US" sz="1200" b="0" dirty="0">
+              <a:effectLst/>
+            </a:endParaRPr>
+          </a:p>
+          <a:p>
+            <a:br>
+              <a:rPr lang="en-US" dirty="0"/>
+            </a:br>
+            <a:endParaRPr lang="en-US" dirty="0"/>
+          </a:p>
+        </p:txBody>
+      </p:sp>
+    </p:spTree>
+    <p:extLst>
+      <p:ext uri="{BB962C8B-B14F-4D97-AF65-F5344CB8AC3E}">
+        <p14:creationId xmlns:p14="http://schemas.microsoft.com/office/powerpoint/2010/main" val="1063214194"/>
+      </p:ext>
+    </p:extLst>
+  </p:cSld>
+  <p:clrMapOvr>
+    <a:masterClrMapping/>
+  </p:clrMapOvr>
+</p:sld>
+</file>
+
+<file path=ppt/slides/slide15.xml><?xml version="1.0" encoding="utf-8"?>
+<p:sld xmlns:a="http://schemas.openxmlformats.org/drawingml/2006/main" xmlns:r="http://schemas.openxmlformats.org/officeDocument/2006/relationships" xmlns:p="http://schemas.openxmlformats.org/presentationml/2006/main">
+  <p:cSld>
+    <p:spTree>
+      <p:nvGrpSpPr>
+        <p:cNvPr id="1" name=""/>
+        <p:cNvGrpSpPr/>
+        <p:nvPr/>
+      </p:nvGrpSpPr>
+      <p:grpSpPr>
+        <a:xfrm>
+          <a:off x="0" y="0"/>
+          <a:ext cx="0" cy="0"/>
+          <a:chOff x="0" y="0"/>
+          <a:chExt cx="0" cy="0"/>
+        </a:xfrm>
+      </p:grpSpPr>
+      <p:pic>
+        <p:nvPicPr>
+          <p:cNvPr id="5" name="Content Placeholder 4" descr="A picture containing text, screenshot, diagram, rectangle&#10;&#10;Description automatically generated">
+            <a:extLst>
+              <a:ext uri="{FF2B5EF4-FFF2-40B4-BE49-F238E27FC236}">
+                <a16:creationId xmlns:a16="http://schemas.microsoft.com/office/drawing/2014/main" id="{EAA9F394-97EC-102C-79CD-874BC8ECF6AD}"/>
+              </a:ext>
+            </a:extLst>
+          </p:cNvPr>
+          <p:cNvPicPr>
+            <a:picLocks noGrp="1" noChangeAspect="1"/>
+          </p:cNvPicPr>
+          <p:nvPr>
+            <p:ph idx="1"/>
+          </p:nvPr>
+        </p:nvPicPr>
+        <p:blipFill>
+          <a:blip r:embed="rId2">
+            <a:extLst>
+              <a:ext uri="{28A0092B-C50C-407E-A947-70E740481C1C}">
+                <a14:useLocalDpi xmlns:a14="http://schemas.microsoft.com/office/drawing/2010/main" val="0"/>
+              </a:ext>
+            </a:extLst>
+          </a:blip>
+          <a:stretch>
+            <a:fillRect/>
+          </a:stretch>
+        </p:blipFill>
+        <p:spPr>
+          <a:xfrm>
+            <a:off x="269124" y="281454"/>
+            <a:ext cx="7182318" cy="3881437"/>
+          </a:xfrm>
+        </p:spPr>
+      </p:pic>
+      <p:sp>
+        <p:nvSpPr>
+          <p:cNvPr id="6" name="TextBox 5">
+            <a:extLst>
+              <a:ext uri="{FF2B5EF4-FFF2-40B4-BE49-F238E27FC236}">
+                <a16:creationId xmlns:a16="http://schemas.microsoft.com/office/drawing/2014/main" id="{A22AB759-8738-4AA0-F40B-F1F56EE7362D}"/>
+              </a:ext>
+            </a:extLst>
+          </p:cNvPr>
+          <p:cNvSpPr txBox="1"/>
+          <p:nvPr/>
+        </p:nvSpPr>
+        <p:spPr>
+          <a:xfrm>
+            <a:off x="763398" y="4162891"/>
+            <a:ext cx="10226180" cy="2677656"/>
+          </a:xfrm>
+          <a:prstGeom prst="rect">
+            <a:avLst/>
+          </a:prstGeom>
+          <a:noFill/>
+        </p:spPr>
+        <p:txBody>
+          <a:bodyPr wrap="square" rtlCol="0">
+            <a:spAutoFit/>
+          </a:bodyPr>
+          <a:lstStyle/>
+          <a:p>
+            <a:pPr rtl="0">
+              <a:spcBef>
+                <a:spcPts val="0"/>
+              </a:spcBef>
+              <a:spcAft>
+                <a:spcPts val="0"/>
+              </a:spcAft>
+            </a:pPr>
+            <a:r>
+              <a:rPr lang="en-US" sz="1200" b="0" i="0" u="none" strike="noStrike" dirty="0">
+                <a:solidFill>
+                  <a:srgbClr val="000000"/>
+                </a:solidFill>
+                <a:effectLst/>
+                <a:latin typeface="Arial" panose="020B0604020202020204" pitchFamily="34" charset="0"/>
+              </a:rPr>
+              <a:t> The mean correlation of commercial buildings (floor area vs energy use) from 2018 to 2022 indicates a weak positive correlation between the variables being analyzed. It shows that floor area has some what little  impact on energy use in commercial buildings. </a:t>
+            </a:r>
+          </a:p>
+          <a:p>
+            <a:pPr rtl="0">
+              <a:spcBef>
+                <a:spcPts val="0"/>
+              </a:spcBef>
+              <a:spcAft>
+                <a:spcPts val="0"/>
+              </a:spcAft>
+            </a:pPr>
+            <a:endParaRPr lang="en-US" sz="1200" b="0" dirty="0">
+              <a:effectLst/>
+            </a:endParaRPr>
+          </a:p>
+          <a:p>
+            <a:pPr rtl="0">
+              <a:spcBef>
+                <a:spcPts val="0"/>
+              </a:spcBef>
+              <a:spcAft>
+                <a:spcPts val="0"/>
+              </a:spcAft>
+            </a:pPr>
+            <a:r>
+              <a:rPr lang="en-US" sz="1200" b="0" i="0" u="none" strike="noStrike" dirty="0">
+                <a:solidFill>
+                  <a:srgbClr val="000000"/>
+                </a:solidFill>
+                <a:effectLst/>
+                <a:latin typeface="Arial" panose="020B0604020202020204" pitchFamily="34" charset="0"/>
+              </a:rPr>
+              <a:t>On the other hand, A weak negative correlation between energy use and floor area in mixed residential property types suggests that larger floor areas in such buildings are associated with lower energy consumption. This finding can have several potential explanations. It could be due to more efficient building designs, the use of energy-saving technologies, or a higher adoption of sustainable practices in larger mixed residential properties. These buildings might have implemented energy-efficient systems, insulation, or renewable energy sources, resulting in reduced energy consumption.</a:t>
+            </a:r>
+            <a:endParaRPr lang="en-US" sz="1200" b="0" dirty="0">
+              <a:effectLst/>
+            </a:endParaRPr>
+          </a:p>
+          <a:p>
+            <a:pPr rtl="0">
+              <a:spcBef>
+                <a:spcPts val="0"/>
+              </a:spcBef>
+              <a:spcAft>
+                <a:spcPts val="0"/>
+              </a:spcAft>
+            </a:pPr>
+            <a:br>
+              <a:rPr lang="en-US" sz="1200" b="0" dirty="0">
+                <a:effectLst/>
+              </a:rPr>
+            </a:br>
+            <a:r>
+              <a:rPr lang="en-US" sz="1200" b="0" i="0" u="none" strike="noStrike" dirty="0">
+                <a:solidFill>
+                  <a:srgbClr val="000000"/>
+                </a:solidFill>
+                <a:effectLst/>
+                <a:latin typeface="Arial" panose="020B0604020202020204" pitchFamily="34" charset="0"/>
+              </a:rPr>
+              <a:t>These findings underscore the significance of implementing energy management strategies and sustainable practices in commercial buildings, while highlighting the potential for energy-efficient designs and technologies in larger mixed residential properties.</a:t>
+            </a:r>
+            <a:endParaRPr lang="en-US" sz="1200" b="0" dirty="0">
+              <a:effectLst/>
+            </a:endParaRPr>
+          </a:p>
+          <a:p>
+            <a:br>
+              <a:rPr lang="en-US" dirty="0"/>
+            </a:br>
+            <a:endParaRPr lang="en-US" dirty="0"/>
+          </a:p>
+        </p:txBody>
+      </p:sp>
+    </p:spTree>
+    <p:extLst>
+      <p:ext uri="{BB962C8B-B14F-4D97-AF65-F5344CB8AC3E}">
+        <p14:creationId xmlns:p14="http://schemas.microsoft.com/office/powerpoint/2010/main" val="1374784338"/>
+      </p:ext>
+    </p:extLst>
+  </p:cSld>
+  <p:clrMapOvr>
+    <a:masterClrMapping/>
+  </p:clrMapOvr>
+</p:sld>
+</file>
+
+<file path=ppt/slides/slide16.xml><?xml version="1.0" encoding="utf-8"?>
+<p:sld xmlns:a="http://schemas.openxmlformats.org/drawingml/2006/main" xmlns:r="http://schemas.openxmlformats.org/officeDocument/2006/relationships" xmlns:p="http://schemas.openxmlformats.org/presentationml/2006/main">
+  <p:cSld>
+    <p:spTree>
+      <p:nvGrpSpPr>
+        <p:cNvPr id="1" name=""/>
+        <p:cNvGrpSpPr/>
+        <p:nvPr/>
+      </p:nvGrpSpPr>
+      <p:grpSpPr>
+        <a:xfrm>
+          <a:off x="0" y="0"/>
+          <a:ext cx="0" cy="0"/>
+          <a:chOff x="0" y="0"/>
+          <a:chExt cx="0" cy="0"/>
+        </a:xfrm>
+      </p:grpSpPr>
+      <p:sp>
+        <p:nvSpPr>
+          <p:cNvPr id="2" name="Title 1">
+            <a:extLst>
+              <a:ext uri="{FF2B5EF4-FFF2-40B4-BE49-F238E27FC236}">
+                <a16:creationId xmlns:a16="http://schemas.microsoft.com/office/drawing/2014/main" id="{88080A64-CBCF-24B3-E9C2-2F69EFB79198}"/>
+              </a:ext>
+            </a:extLst>
+          </p:cNvPr>
+          <p:cNvSpPr>
+            <a:spLocks noGrp="1"/>
+          </p:cNvSpPr>
+          <p:nvPr>
+            <p:ph type="title"/>
+          </p:nvPr>
+        </p:nvSpPr>
+        <p:spPr/>
+        <p:txBody>
+          <a:bodyPr/>
+          <a:lstStyle/>
+          <a:p>
+            <a:r>
+              <a:rPr lang="en-US" dirty="0"/>
+              <a:t>Conclusion</a:t>
+            </a:r>
+          </a:p>
+        </p:txBody>
+      </p:sp>
+      <p:sp>
+        <p:nvSpPr>
+          <p:cNvPr id="3" name="Content Placeholder 2">
+            <a:extLst>
+              <a:ext uri="{FF2B5EF4-FFF2-40B4-BE49-F238E27FC236}">
+                <a16:creationId xmlns:a16="http://schemas.microsoft.com/office/drawing/2014/main" id="{BD835654-0A12-22C0-EA80-0767D67FB66E}"/>
+              </a:ext>
+            </a:extLst>
+          </p:cNvPr>
+          <p:cNvSpPr>
+            <a:spLocks noGrp="1"/>
+          </p:cNvSpPr>
+          <p:nvPr>
+            <p:ph idx="1"/>
+          </p:nvPr>
+        </p:nvSpPr>
+        <p:spPr/>
+        <p:txBody>
+          <a:bodyPr/>
+          <a:lstStyle/>
+          <a:p>
+            <a:endParaRPr lang="en-US" dirty="0"/>
+          </a:p>
+        </p:txBody>
+      </p:sp>
+    </p:spTree>
+    <p:extLst>
+      <p:ext uri="{BB962C8B-B14F-4D97-AF65-F5344CB8AC3E}">
+        <p14:creationId xmlns:p14="http://schemas.microsoft.com/office/powerpoint/2010/main" val="3715266064"/>
+      </p:ext>
+    </p:extLst>
+  </p:cSld>
+  <p:clrMapOvr>
+    <a:masterClrMapping/>
+  </p:clrMapOvr>
+</p:sld>
+</file>
+
+<file path=ppt/slides/slide17.xml><?xml version="1.0" encoding="utf-8"?>
+<p:sld xmlns:a="http://schemas.openxmlformats.org/drawingml/2006/main" xmlns:r="http://schemas.openxmlformats.org/officeDocument/2006/relationships" xmlns:p="http://schemas.openxmlformats.org/presentationml/2006/main">
+  <p:cSld>
+    <p:spTree>
+      <p:nvGrpSpPr>
+        <p:cNvPr id="1" name=""/>
+        <p:cNvGrpSpPr/>
+        <p:nvPr/>
+      </p:nvGrpSpPr>
+      <p:grpSpPr>
+        <a:xfrm>
+          <a:off x="0" y="0"/>
+          <a:ext cx="0" cy="0"/>
+          <a:chOff x="0" y="0"/>
+          <a:chExt cx="0" cy="0"/>
+        </a:xfrm>
+      </p:grpSpPr>
+      <p:sp>
+        <p:nvSpPr>
+          <p:cNvPr id="2" name="Title 1">
+            <a:extLst>
+              <a:ext uri="{FF2B5EF4-FFF2-40B4-BE49-F238E27FC236}">
+                <a16:creationId xmlns:a16="http://schemas.microsoft.com/office/drawing/2014/main" id="{31AD85FE-CED6-16FA-F9AC-C5DB1B2CD84E}"/>
+              </a:ext>
+            </a:extLst>
+          </p:cNvPr>
+          <p:cNvSpPr>
+            <a:spLocks noGrp="1"/>
+          </p:cNvSpPr>
+          <p:nvPr>
+            <p:ph type="title"/>
+          </p:nvPr>
+        </p:nvSpPr>
+        <p:spPr/>
+        <p:txBody>
+          <a:bodyPr/>
+          <a:lstStyle/>
+          <a:p>
+            <a:r>
+              <a:rPr lang="en-US" dirty="0"/>
+              <a:t>Next Steps</a:t>
+            </a:r>
+          </a:p>
+        </p:txBody>
+      </p:sp>
+      <p:sp>
+        <p:nvSpPr>
+          <p:cNvPr id="3" name="Content Placeholder 2">
+            <a:extLst>
+              <a:ext uri="{FF2B5EF4-FFF2-40B4-BE49-F238E27FC236}">
+                <a16:creationId xmlns:a16="http://schemas.microsoft.com/office/drawing/2014/main" id="{71335661-0506-B9BB-9D8F-A721744B5D28}"/>
+              </a:ext>
+            </a:extLst>
+          </p:cNvPr>
+          <p:cNvSpPr>
+            <a:spLocks noGrp="1"/>
+          </p:cNvSpPr>
+          <p:nvPr>
+            <p:ph idx="1"/>
+          </p:nvPr>
+        </p:nvSpPr>
+        <p:spPr/>
+        <p:txBody>
+          <a:bodyPr/>
+          <a:lstStyle/>
+          <a:p>
+            <a:pPr marL="0" indent="0" rtl="0" fontAlgn="base">
+              <a:spcBef>
+                <a:spcPts val="0"/>
+              </a:spcBef>
+              <a:spcAft>
+                <a:spcPts val="0"/>
+              </a:spcAft>
+              <a:buNone/>
+            </a:pPr>
+            <a:endParaRPr lang="en-US" sz="1200" b="0" i="0" u="none" strike="noStrike" dirty="0">
+              <a:solidFill>
+                <a:srgbClr val="484848"/>
+              </a:solidFill>
+              <a:effectLst/>
+              <a:latin typeface="Arial" panose="020B0604020202020204" pitchFamily="34" charset="0"/>
+            </a:endParaRPr>
+          </a:p>
+        </p:txBody>
+      </p:sp>
+    </p:spTree>
+    <p:extLst>
+      <p:ext uri="{BB962C8B-B14F-4D97-AF65-F5344CB8AC3E}">
+        <p14:creationId xmlns:p14="http://schemas.microsoft.com/office/powerpoint/2010/main" val="4110958842"/>
+      </p:ext>
+    </p:extLst>
+  </p:cSld>
+  <p:clrMapOvr>
+    <a:masterClrMapping/>
+  </p:clrMapOvr>
+</p:sld>
+</file>
+
+<file path=ppt/slides/slide18.xml><?xml version="1.0" encoding="utf-8"?>
+<p:sld xmlns:a="http://schemas.openxmlformats.org/drawingml/2006/main" xmlns:r="http://schemas.openxmlformats.org/officeDocument/2006/relationships" xmlns:p="http://schemas.openxmlformats.org/presentationml/2006/main">
+  <p:cSld>
+    <p:spTree>
+      <p:nvGrpSpPr>
+        <p:cNvPr id="1" name=""/>
+        <p:cNvGrpSpPr/>
+        <p:nvPr/>
+      </p:nvGrpSpPr>
+      <p:grpSpPr>
+        <a:xfrm>
+          <a:off x="0" y="0"/>
+          <a:ext cx="0" cy="0"/>
+          <a:chOff x="0" y="0"/>
+          <a:chExt cx="0" cy="0"/>
+        </a:xfrm>
+      </p:grpSpPr>
+      <p:sp>
+        <p:nvSpPr>
+          <p:cNvPr id="2" name="Title 1">
+            <a:extLst>
+              <a:ext uri="{FF2B5EF4-FFF2-40B4-BE49-F238E27FC236}">
+                <a16:creationId xmlns:a16="http://schemas.microsoft.com/office/drawing/2014/main" id="{2E4FF3EE-ED8C-44CC-00C9-505E1355E310}"/>
+              </a:ext>
+            </a:extLst>
+          </p:cNvPr>
+          <p:cNvSpPr>
+            <a:spLocks noGrp="1"/>
+          </p:cNvSpPr>
+          <p:nvPr>
+            <p:ph type="title"/>
+          </p:nvPr>
+        </p:nvSpPr>
+        <p:spPr/>
+        <p:txBody>
+          <a:bodyPr/>
+          <a:lstStyle/>
+          <a:p>
+            <a:r>
+              <a:rPr lang="en-US" dirty="0"/>
+              <a:t>References</a:t>
+            </a:r>
+          </a:p>
+        </p:txBody>
+      </p:sp>
+      <p:sp>
+        <p:nvSpPr>
+          <p:cNvPr id="3" name="Content Placeholder 2">
+            <a:extLst>
+              <a:ext uri="{FF2B5EF4-FFF2-40B4-BE49-F238E27FC236}">
+                <a16:creationId xmlns:a16="http://schemas.microsoft.com/office/drawing/2014/main" id="{C6EA7E65-F2A8-5E40-7947-3DE600CCD747}"/>
+              </a:ext>
+            </a:extLst>
+          </p:cNvPr>
+          <p:cNvSpPr>
+            <a:spLocks noGrp="1"/>
+          </p:cNvSpPr>
+          <p:nvPr>
+            <p:ph idx="1"/>
+          </p:nvPr>
+        </p:nvSpPr>
+        <p:spPr/>
+        <p:txBody>
+          <a:bodyPr/>
+          <a:lstStyle/>
+          <a:p>
+            <a:endParaRPr lang="en-US"/>
+          </a:p>
+        </p:txBody>
+      </p:sp>
+    </p:spTree>
+    <p:extLst>
+      <p:ext uri="{BB962C8B-B14F-4D97-AF65-F5344CB8AC3E}">
+        <p14:creationId xmlns:p14="http://schemas.microsoft.com/office/powerpoint/2010/main" val="3638145363"/>
+      </p:ext>
+    </p:extLst>
+  </p:cSld>
+  <p:clrMapOvr>
+    <a:masterClrMapping/>
+  </p:clrMapOvr>
+</p:sld>
+</file>
+
 <file path=ppt/slides/slide2.xml><?xml version="1.0" encoding="utf-8"?>
 <p:sld xmlns:a="http://schemas.openxmlformats.org/drawingml/2006/main" xmlns:r="http://schemas.openxmlformats.org/officeDocument/2006/relationships" xmlns:p="http://schemas.openxmlformats.org/presentationml/2006/main">
   <p:cSld>
@@ -9990,7 +13471,7 @@
         <p:spPr>
           <a:xfrm>
             <a:off x="5641544" y="5531233"/>
-            <a:ext cx="4185618" cy="923330"/>
+            <a:ext cx="4185618" cy="1200329"/>
           </a:xfrm>
           <a:prstGeom prst="rect">
             <a:avLst/>
@@ -10005,7 +13486,7 @@
           <a:p>
             <a:r>
               <a:rPr lang="en-US" dirty="0"/>
-              <a:t>FINDINGS: Highest Source EUI and GHG Emitters are buildings that are continuously in use.</a:t>
+              <a:t>FINDINGS: Highest Source EUI and GHG Emitters are buildings that are continuously in use in the tech industry.</a:t>
             </a:r>
           </a:p>
         </p:txBody>
@@ -10168,7 +13649,7 @@
         </p:nvSpPr>
         <p:spPr>
           <a:xfrm>
-            <a:off x="6946084" y="2927758"/>
+            <a:off x="6946084" y="1930400"/>
             <a:ext cx="2474752" cy="369332"/>
           </a:xfrm>
           <a:prstGeom prst="rect">
@@ -10193,6 +13674,87 @@
             <a:r>
               <a:rPr lang="en-US" dirty="0"/>
               <a:t> is 0.948</a:t>
+            </a:r>
+          </a:p>
+        </p:txBody>
+      </p:sp>
+      <p:sp>
+        <p:nvSpPr>
+          <p:cNvPr id="3" name="TextBox 2">
+            <a:extLst>
+              <a:ext uri="{FF2B5EF4-FFF2-40B4-BE49-F238E27FC236}">
+                <a16:creationId xmlns:a16="http://schemas.microsoft.com/office/drawing/2014/main" id="{437B7B1E-4A22-7FA5-2C53-C76C69E5756C}"/>
+              </a:ext>
+            </a:extLst>
+          </p:cNvPr>
+          <p:cNvSpPr txBox="1"/>
+          <p:nvPr/>
+        </p:nvSpPr>
+        <p:spPr>
+          <a:xfrm>
+            <a:off x="6549487" y="4338488"/>
+            <a:ext cx="3492136" cy="1477328"/>
+          </a:xfrm>
+          <a:prstGeom prst="rect">
+            <a:avLst/>
+          </a:prstGeom>
+          <a:noFill/>
+        </p:spPr>
+        <p:txBody>
+          <a:bodyPr wrap="square" rtlCol="0">
+            <a:spAutoFit/>
+          </a:bodyPr>
+          <a:lstStyle/>
+          <a:p>
+            <a:r>
+              <a:rPr lang="en-US" dirty="0"/>
+              <a:t>FINDINGS: Strong correlation between Source EUI and GHG Emissions. The more energy you use, the more emissions you have.</a:t>
+            </a:r>
+          </a:p>
+        </p:txBody>
+      </p:sp>
+      <p:sp>
+        <p:nvSpPr>
+          <p:cNvPr id="4" name="TextBox 3">
+            <a:extLst>
+              <a:ext uri="{FF2B5EF4-FFF2-40B4-BE49-F238E27FC236}">
+                <a16:creationId xmlns:a16="http://schemas.microsoft.com/office/drawing/2014/main" id="{E77F16DE-3339-EA86-B172-978B578FAD67}"/>
+              </a:ext>
+            </a:extLst>
+          </p:cNvPr>
+          <p:cNvSpPr txBox="1"/>
+          <p:nvPr/>
+        </p:nvSpPr>
+        <p:spPr>
+          <a:xfrm>
+            <a:off x="6594871" y="2857445"/>
+            <a:ext cx="3446752" cy="1200329"/>
+          </a:xfrm>
+          <a:prstGeom prst="rect">
+            <a:avLst/>
+          </a:prstGeom>
+          <a:noFill/>
+        </p:spPr>
+        <p:txBody>
+          <a:bodyPr wrap="square" rtlCol="0">
+            <a:spAutoFit/>
+          </a:bodyPr>
+          <a:lstStyle/>
+          <a:p>
+            <a:r>
+              <a:rPr lang="en-US" dirty="0"/>
+              <a:t>PROCEDURE: Used </a:t>
+            </a:r>
+            <a:r>
+              <a:rPr lang="en-US" dirty="0" err="1">
+                <a:latin typeface="Courier New" panose="02070309020205020404" pitchFamily="49" charset="0"/>
+                <a:cs typeface="Courier New" panose="02070309020205020404" pitchFamily="49" charset="0"/>
+              </a:rPr>
+              <a:t>linregress</a:t>
+            </a:r>
+            <a:r>
+              <a:rPr lang="en-US" dirty="0"/>
+              <a:t> function in pandas to obtain parameters for a regression analysis</a:t>
             </a:r>
           </a:p>
         </p:txBody>
@@ -10213,6 +13775,14 @@
 <file path=ppt/slides/slide8.xml><?xml version="1.0" encoding="utf-8"?>
 <p:sld xmlns:a="http://schemas.openxmlformats.org/drawingml/2006/main" xmlns:r="http://schemas.openxmlformats.org/officeDocument/2006/relationships" xmlns:p="http://schemas.openxmlformats.org/presentationml/2006/main">
   <p:cSld>
+    <p:bg>
+      <p:bgPr>
+        <a:solidFill>
+          <a:schemeClr val="bg1"/>
+        </a:solidFill>
+        <a:effectLst/>
+      </p:bgPr>
+    </p:bg>
     <p:spTree>
       <p:nvGrpSpPr>
         <p:cNvPr id="1" name=""/>
@@ -10227,12 +13797,72 @@
           <a:chExt cx="0" cy="0"/>
         </a:xfrm>
       </p:grpSpPr>
+      <p:sp useBgFill="1">
+        <p:nvSpPr>
+          <p:cNvPr id="8" name="Rectangle 7">
+            <a:extLst>
+              <a:ext uri="{FF2B5EF4-FFF2-40B4-BE49-F238E27FC236}">
+                <a16:creationId xmlns:a16="http://schemas.microsoft.com/office/drawing/2014/main" id="{603AE127-802C-459A-A612-DB85B67F0DC0}"/>
+              </a:ext>
+              <a:ext uri="{C183D7F6-B498-43B3-948B-1728B52AA6E4}">
+                <adec:decorative xmlns:adec="http://schemas.microsoft.com/office/drawing/2017/decorative" val="1"/>
+              </a:ext>
+            </a:extLst>
+          </p:cNvPr>
+          <p:cNvSpPr>
+            <a:spLocks noGrp="1" noRot="1" noChangeAspect="1" noMove="1" noResize="1" noEditPoints="1" noAdjustHandles="1" noChangeArrowheads="1" noChangeShapeType="1" noTextEdit="1"/>
+          </p:cNvSpPr>
+          <p:nvPr>
+            <p:extLst>
+              <p:ext uri="{386F3935-93C4-4BCD-93E2-E3B085C9AB24}">
+                <p16:designElem xmlns:p16="http://schemas.microsoft.com/office/powerpoint/2015/main" val="1"/>
+              </p:ext>
+            </p:extLst>
+          </p:nvPr>
+        </p:nvSpPr>
+        <p:spPr>
+          <a:xfrm>
+            <a:off x="0" y="0"/>
+            <a:ext cx="12192000" cy="6858000"/>
+          </a:xfrm>
+          <a:prstGeom prst="rect">
+            <a:avLst/>
+          </a:prstGeom>
+          <a:ln>
+            <a:noFill/>
+          </a:ln>
+        </p:spPr>
+        <p:style>
+          <a:lnRef idx="2">
+            <a:schemeClr val="accent1">
+              <a:shade val="50000"/>
+            </a:schemeClr>
+          </a:lnRef>
+          <a:fillRef idx="1">
+            <a:schemeClr val="accent1"/>
+          </a:fillRef>
+          <a:effectRef idx="0">
+            <a:schemeClr val="accent1"/>
+          </a:effectRef>
+          <a:fontRef idx="minor">
+            <a:schemeClr val="lt1"/>
+          </a:fontRef>
+        </p:style>
+        <p:txBody>
+          <a:bodyPr rtlCol="0" anchor="ctr"/>
+          <a:lstStyle/>
+          <a:p>
+            <a:pPr algn="ctr"/>
+            <a:endParaRPr lang="en-US"/>
+          </a:p>
+        </p:txBody>
+      </p:sp>
       <p:sp>
         <p:nvSpPr>
           <p:cNvPr id="2" name="Title 1">
             <a:extLst>
               <a:ext uri="{FF2B5EF4-FFF2-40B4-BE49-F238E27FC236}">
-                <a16:creationId xmlns:a16="http://schemas.microsoft.com/office/drawing/2014/main" id="{EAF65F69-9DD9-DEE1-1E45-165BB9C25963}"/>
+                <a16:creationId xmlns:a16="http://schemas.microsoft.com/office/drawing/2014/main" id="{F866DD9F-41DE-DF01-1867-AB1A9E520195}"/>
               </a:ext>
             </a:extLst>
           </p:cNvPr>
@@ -10243,24 +13873,134 @@
             <p:ph type="title"/>
           </p:nvPr>
         </p:nvSpPr>
-        <p:spPr/>
+        <p:spPr>
+          <a:xfrm>
+            <a:off x="1043950" y="1179151"/>
+            <a:ext cx="3300646" cy="4463889"/>
+          </a:xfrm>
+        </p:spPr>
         <p:txBody>
-          <a:bodyPr/>
+          <a:bodyPr anchor="ctr">
+            <a:normAutofit/>
+          </a:bodyPr>
           <a:lstStyle/>
           <a:p>
             <a:r>
               <a:rPr lang="en-US" dirty="0"/>
-              <a:t>Conclusions and Analysis</a:t>
+              <a:t>Question #2</a:t>
             </a:r>
           </a:p>
         </p:txBody>
       </p:sp>
+      <p:sp>
+        <p:nvSpPr>
+          <p:cNvPr id="10" name="Isosceles Triangle 9">
+            <a:extLst>
+              <a:ext uri="{FF2B5EF4-FFF2-40B4-BE49-F238E27FC236}">
+                <a16:creationId xmlns:a16="http://schemas.microsoft.com/office/drawing/2014/main" id="{9323D83D-50D6-4040-A58B-FCEA340F886A}"/>
+              </a:ext>
+              <a:ext uri="{C183D7F6-B498-43B3-948B-1728B52AA6E4}">
+                <adec:decorative xmlns:adec="http://schemas.microsoft.com/office/drawing/2017/decorative" val="1"/>
+              </a:ext>
+            </a:extLst>
+          </p:cNvPr>
+          <p:cNvSpPr>
+            <a:spLocks noGrp="1" noRot="1" noChangeAspect="1" noMove="1" noResize="1" noEditPoints="1" noAdjustHandles="1" noChangeArrowheads="1" noChangeShapeType="1" noTextEdit="1"/>
+          </p:cNvSpPr>
+          <p:nvPr>
+            <p:extLst>
+              <p:ext uri="{386F3935-93C4-4BCD-93E2-E3B085C9AB24}">
+                <p16:designElem xmlns:p16="http://schemas.microsoft.com/office/powerpoint/2015/main" val="1"/>
+              </p:ext>
+            </p:extLst>
+          </p:nvPr>
+        </p:nvSpPr>
+        <p:spPr>
+          <a:xfrm>
+            <a:off x="0" y="4013200"/>
+            <a:ext cx="448733" cy="2844800"/>
+          </a:xfrm>
+          <a:prstGeom prst="triangle">
+            <a:avLst>
+              <a:gd name="adj" fmla="val 0"/>
+            </a:avLst>
+          </a:prstGeom>
+          <a:solidFill>
+            <a:schemeClr val="accent1"/>
+          </a:solidFill>
+          <a:ln>
+            <a:noFill/>
+          </a:ln>
+          <a:effectLst/>
+        </p:spPr>
+        <p:style>
+          <a:lnRef idx="1">
+            <a:schemeClr val="accent1"/>
+          </a:lnRef>
+          <a:fillRef idx="3">
+            <a:schemeClr val="accent1"/>
+          </a:fillRef>
+          <a:effectRef idx="2">
+            <a:schemeClr val="accent1"/>
+          </a:effectRef>
+          <a:fontRef idx="minor">
+            <a:schemeClr val="lt1"/>
+          </a:fontRef>
+        </p:style>
+      </p:sp>
+      <p:cxnSp>
+        <p:nvCxnSpPr>
+          <p:cNvPr id="12" name="Straight Connector 11">
+            <a:extLst>
+              <a:ext uri="{FF2B5EF4-FFF2-40B4-BE49-F238E27FC236}">
+                <a16:creationId xmlns:a16="http://schemas.microsoft.com/office/drawing/2014/main" id="{1A1FE6BB-DFB2-4080-9B5E-076EF5DDE67B}"/>
+              </a:ext>
+              <a:ext uri="{C183D7F6-B498-43B3-948B-1728B52AA6E4}">
+                <adec:decorative xmlns:adec="http://schemas.microsoft.com/office/drawing/2017/decorative" val="1"/>
+              </a:ext>
+            </a:extLst>
+          </p:cNvPr>
+          <p:cNvCxnSpPr>
+            <a:cxnSpLocks noGrp="1" noRot="1" noChangeAspect="1" noMove="1" noResize="1" noEditPoints="1" noAdjustHandles="1" noChangeArrowheads="1" noChangeShapeType="1"/>
+          </p:cNvCxnSpPr>
+          <p:nvPr>
+            <p:extLst>
+              <p:ext uri="{386F3935-93C4-4BCD-93E2-E3B085C9AB24}">
+                <p16:designElem xmlns:p16="http://schemas.microsoft.com/office/powerpoint/2015/main" val="1"/>
+              </p:ext>
+            </p:extLst>
+          </p:nvPr>
+        </p:nvCxnSpPr>
+        <p:spPr>
+          <a:xfrm>
+            <a:off x="4656670" y="1442595"/>
+            <a:ext cx="0" cy="3937000"/>
+          </a:xfrm>
+          <a:prstGeom prst="line">
+            <a:avLst/>
+          </a:prstGeom>
+        </p:spPr>
+        <p:style>
+          <a:lnRef idx="1">
+            <a:schemeClr val="accent1"/>
+          </a:lnRef>
+          <a:fillRef idx="0">
+            <a:schemeClr val="accent1"/>
+          </a:fillRef>
+          <a:effectRef idx="0">
+            <a:schemeClr val="accent1"/>
+          </a:effectRef>
+          <a:fontRef idx="minor">
+            <a:schemeClr val="tx1"/>
+          </a:fontRef>
+        </p:style>
+      </p:cxnSp>
       <p:sp>
         <p:nvSpPr>
           <p:cNvPr id="3" name="Content Placeholder 2">
             <a:extLst>
               <a:ext uri="{FF2B5EF4-FFF2-40B4-BE49-F238E27FC236}">
-                <a16:creationId xmlns:a16="http://schemas.microsoft.com/office/drawing/2014/main" id="{6FBA7339-51FE-E356-8A57-71A054DFBA89}"/>
+                <a16:creationId xmlns:a16="http://schemas.microsoft.com/office/drawing/2014/main" id="{9ED831D7-6E20-C434-3029-997FB8C62BD8}"/>
               </a:ext>
             </a:extLst>
           </p:cNvPr>
@@ -10271,25 +14011,810 @@
             <p:ph idx="1"/>
           </p:nvPr>
         </p:nvSpPr>
-        <p:spPr/>
+        <p:spPr>
+          <a:xfrm>
+            <a:off x="4978918" y="1109145"/>
+            <a:ext cx="6341016" cy="4603900"/>
+          </a:xfrm>
+        </p:spPr>
         <p:txBody>
-          <a:bodyPr/>
+          <a:bodyPr anchor="ctr">
+            <a:normAutofit/>
+          </a:bodyPr>
           <a:lstStyle/>
           <a:p>
+            <a:pPr marL="0" indent="0">
+              <a:buNone/>
+            </a:pPr>
             <a:r>
               <a:rPr lang="en-US" dirty="0"/>
-              <a:t>Data center super polluting, find a way to reduce source EUI we will reduce GHG</a:t>
-            </a:r>
-          </a:p>
-          <a:p>
-            <a:endParaRPr lang="en-US" dirty="0"/>
+              <a:t>For commercial and residential buildings, is there is a relationship between year built and greenhouse gas emission intensity?</a:t>
+            </a:r>
           </a:p>
         </p:txBody>
+      </p:sp>
+      <p:sp>
+        <p:nvSpPr>
+          <p:cNvPr id="14" name="Isosceles Triangle 13">
+            <a:extLst>
+              <a:ext uri="{FF2B5EF4-FFF2-40B4-BE49-F238E27FC236}">
+                <a16:creationId xmlns:a16="http://schemas.microsoft.com/office/drawing/2014/main" id="{F10FD715-4DCE-4779-B634-EC78315EA213}"/>
+              </a:ext>
+              <a:ext uri="{C183D7F6-B498-43B3-948B-1728B52AA6E4}">
+                <adec:decorative xmlns:adec="http://schemas.microsoft.com/office/drawing/2017/decorative" val="1"/>
+              </a:ext>
+            </a:extLst>
+          </p:cNvPr>
+          <p:cNvSpPr>
+            <a:spLocks noGrp="1" noRot="1" noChangeAspect="1" noMove="1" noResize="1" noEditPoints="1" noAdjustHandles="1" noChangeArrowheads="1" noChangeShapeType="1" noTextEdit="1"/>
+          </p:cNvSpPr>
+          <p:nvPr>
+            <p:extLst>
+              <p:ext uri="{386F3935-93C4-4BCD-93E2-E3B085C9AB24}">
+                <p16:designElem xmlns:p16="http://schemas.microsoft.com/office/powerpoint/2015/main" val="1"/>
+              </p:ext>
+            </p:extLst>
+          </p:nvPr>
+        </p:nvSpPr>
+        <p:spPr>
+          <a:xfrm rot="10800000" flipH="1">
+            <a:off x="11364139" y="0"/>
+            <a:ext cx="842596" cy="4616289"/>
+          </a:xfrm>
+          <a:prstGeom prst="triangle">
+            <a:avLst>
+              <a:gd name="adj" fmla="val 100000"/>
+            </a:avLst>
+          </a:prstGeom>
+          <a:solidFill>
+            <a:schemeClr val="accent2"/>
+          </a:solidFill>
+          <a:ln>
+            <a:noFill/>
+          </a:ln>
+          <a:effectLst/>
+        </p:spPr>
+        <p:style>
+          <a:lnRef idx="1">
+            <a:schemeClr val="accent1"/>
+          </a:lnRef>
+          <a:fillRef idx="3">
+            <a:schemeClr val="accent1"/>
+          </a:fillRef>
+          <a:effectRef idx="2">
+            <a:schemeClr val="accent1"/>
+          </a:effectRef>
+          <a:fontRef idx="minor">
+            <a:schemeClr val="lt1"/>
+          </a:fontRef>
+        </p:style>
       </p:sp>
     </p:spTree>
     <p:extLst>
       <p:ext uri="{BB962C8B-B14F-4D97-AF65-F5344CB8AC3E}">
-        <p14:creationId xmlns:p14="http://schemas.microsoft.com/office/powerpoint/2010/main" val="3484207395"/>
+        <p14:creationId xmlns:p14="http://schemas.microsoft.com/office/powerpoint/2010/main" val="74449873"/>
+      </p:ext>
+    </p:extLst>
+  </p:cSld>
+  <p:clrMapOvr>
+    <a:masterClrMapping/>
+  </p:clrMapOvr>
+</p:sld>
+</file>
+
+<file path=ppt/slides/slide9.xml><?xml version="1.0" encoding="utf-8"?>
+<p:sld xmlns:a="http://schemas.openxmlformats.org/drawingml/2006/main" xmlns:r="http://schemas.openxmlformats.org/officeDocument/2006/relationships" xmlns:p="http://schemas.openxmlformats.org/presentationml/2006/main">
+  <p:cSld>
+    <p:spTree>
+      <p:nvGrpSpPr>
+        <p:cNvPr id="1" name=""/>
+        <p:cNvGrpSpPr/>
+        <p:nvPr/>
+      </p:nvGrpSpPr>
+      <p:grpSpPr>
+        <a:xfrm>
+          <a:off x="0" y="0"/>
+          <a:ext cx="0" cy="0"/>
+          <a:chOff x="0" y="0"/>
+          <a:chExt cx="0" cy="0"/>
+        </a:xfrm>
+      </p:grpSpPr>
+      <p:pic>
+        <p:nvPicPr>
+          <p:cNvPr id="18" name="Content Placeholder 17" descr="A graph with red lines&#10;&#10;Description automatically generated with low confidence">
+            <a:extLst>
+              <a:ext uri="{FF2B5EF4-FFF2-40B4-BE49-F238E27FC236}">
+                <a16:creationId xmlns:a16="http://schemas.microsoft.com/office/drawing/2014/main" id="{D74E3DC0-FA25-18D0-F761-026CF9B3B6F1}"/>
+              </a:ext>
+            </a:extLst>
+          </p:cNvPr>
+          <p:cNvPicPr>
+            <a:picLocks noGrp="1" noChangeAspect="1"/>
+          </p:cNvPicPr>
+          <p:nvPr>
+            <p:ph sz="half" idx="2"/>
+          </p:nvPr>
+        </p:nvPicPr>
+        <p:blipFill>
+          <a:blip r:embed="rId2">
+            <a:extLst>
+              <a:ext uri="{28A0092B-C50C-407E-A947-70E740481C1C}">
+                <a14:useLocalDpi xmlns:a14="http://schemas.microsoft.com/office/drawing/2010/main" val="0"/>
+              </a:ext>
+            </a:extLst>
+          </a:blip>
+          <a:stretch>
+            <a:fillRect/>
+          </a:stretch>
+        </p:blipFill>
+        <p:spPr>
+          <a:xfrm>
+            <a:off x="5089525" y="740322"/>
+            <a:ext cx="4184650" cy="3602630"/>
+          </a:xfrm>
+        </p:spPr>
+      </p:pic>
+      <p:pic>
+        <p:nvPicPr>
+          <p:cNvPr id="16" name="Content Placeholder 15" descr="A picture containing text, line, diagram, plot&#10;&#10;Description automatically generated">
+            <a:extLst>
+              <a:ext uri="{FF2B5EF4-FFF2-40B4-BE49-F238E27FC236}">
+                <a16:creationId xmlns:a16="http://schemas.microsoft.com/office/drawing/2014/main" id="{2A79BF1D-2B0C-4851-21C9-CFC83993E3B4}"/>
+              </a:ext>
+            </a:extLst>
+          </p:cNvPr>
+          <p:cNvPicPr>
+            <a:picLocks noGrp="1" noChangeAspect="1"/>
+          </p:cNvPicPr>
+          <p:nvPr>
+            <p:ph sz="half" idx="1"/>
+          </p:nvPr>
+        </p:nvPicPr>
+        <p:blipFill>
+          <a:blip r:embed="rId3">
+            <a:extLst>
+              <a:ext uri="{28A0092B-C50C-407E-A947-70E740481C1C}">
+                <a14:useLocalDpi xmlns:a14="http://schemas.microsoft.com/office/drawing/2010/main" val="0"/>
+              </a:ext>
+            </a:extLst>
+          </a:blip>
+          <a:stretch>
+            <a:fillRect/>
+          </a:stretch>
+        </p:blipFill>
+        <p:spPr>
+          <a:xfrm>
+            <a:off x="677863" y="740322"/>
+            <a:ext cx="4183062" cy="3601263"/>
+          </a:xfrm>
+        </p:spPr>
+      </p:pic>
+      <p:sp>
+        <p:nvSpPr>
+          <p:cNvPr id="19" name="Text Placeholder 2">
+            <a:extLst>
+              <a:ext uri="{FF2B5EF4-FFF2-40B4-BE49-F238E27FC236}">
+                <a16:creationId xmlns:a16="http://schemas.microsoft.com/office/drawing/2014/main" id="{D95403F2-A0D1-6EC8-92F2-4CF42E1208B3}"/>
+              </a:ext>
+            </a:extLst>
+          </p:cNvPr>
+          <p:cNvSpPr txBox="1">
+            <a:spLocks/>
+          </p:cNvSpPr>
+          <p:nvPr/>
+        </p:nvSpPr>
+        <p:spPr>
+          <a:xfrm>
+            <a:off x="675745" y="282672"/>
+            <a:ext cx="4185623" cy="576262"/>
+          </a:xfrm>
+          <a:prstGeom prst="rect">
+            <a:avLst/>
+          </a:prstGeom>
+        </p:spPr>
+        <p:txBody>
+          <a:bodyPr vert="horz" lIns="91440" tIns="45720" rIns="91440" bIns="45720" rtlCol="0">
+            <a:normAutofit/>
+          </a:bodyPr>
+          <a:lstStyle>
+            <a:lvl1pPr marL="342900" indent="-342900" algn="l" defTabSz="457200" rtl="0" eaLnBrk="1" latinLnBrk="0" hangingPunct="1">
+              <a:spcBef>
+                <a:spcPts val="1000"/>
+              </a:spcBef>
+              <a:spcAft>
+                <a:spcPts val="0"/>
+              </a:spcAft>
+              <a:buClr>
+                <a:schemeClr val="accent1"/>
+              </a:buClr>
+              <a:buSzPct val="80000"/>
+              <a:buFont typeface="Wingdings 3" charset="2"/>
+              <a:buChar char=""/>
+              <a:defRPr sz="1800" kern="1200">
+                <a:solidFill>
+                  <a:schemeClr val="tx1">
+                    <a:lumMod val="75000"/>
+                    <a:lumOff val="25000"/>
+                  </a:schemeClr>
+                </a:solidFill>
+                <a:latin typeface="+mn-lt"/>
+                <a:ea typeface="+mn-ea"/>
+                <a:cs typeface="+mn-cs"/>
+              </a:defRPr>
+            </a:lvl1pPr>
+            <a:lvl2pPr marL="742950" indent="-285750" algn="l" defTabSz="457200" rtl="0" eaLnBrk="1" latinLnBrk="0" hangingPunct="1">
+              <a:spcBef>
+                <a:spcPts val="1000"/>
+              </a:spcBef>
+              <a:spcAft>
+                <a:spcPts val="0"/>
+              </a:spcAft>
+              <a:buClr>
+                <a:schemeClr val="accent1"/>
+              </a:buClr>
+              <a:buSzPct val="80000"/>
+              <a:buFont typeface="Wingdings 3" charset="2"/>
+              <a:buChar char=""/>
+              <a:defRPr sz="1600" kern="1200">
+                <a:solidFill>
+                  <a:schemeClr val="tx1">
+                    <a:lumMod val="75000"/>
+                    <a:lumOff val="25000"/>
+                  </a:schemeClr>
+                </a:solidFill>
+                <a:latin typeface="+mn-lt"/>
+                <a:ea typeface="+mn-ea"/>
+                <a:cs typeface="+mn-cs"/>
+              </a:defRPr>
+            </a:lvl2pPr>
+            <a:lvl3pPr marL="1143000" indent="-228600" algn="l" defTabSz="457200" rtl="0" eaLnBrk="1" latinLnBrk="0" hangingPunct="1">
+              <a:spcBef>
+                <a:spcPts val="1000"/>
+              </a:spcBef>
+              <a:spcAft>
+                <a:spcPts val="0"/>
+              </a:spcAft>
+              <a:buClr>
+                <a:schemeClr val="accent1"/>
+              </a:buClr>
+              <a:buSzPct val="80000"/>
+              <a:buFont typeface="Wingdings 3" charset="2"/>
+              <a:buChar char=""/>
+              <a:defRPr sz="1400" kern="1200">
+                <a:solidFill>
+                  <a:schemeClr val="tx1">
+                    <a:lumMod val="75000"/>
+                    <a:lumOff val="25000"/>
+                  </a:schemeClr>
+                </a:solidFill>
+                <a:latin typeface="+mn-lt"/>
+                <a:ea typeface="+mn-ea"/>
+                <a:cs typeface="+mn-cs"/>
+              </a:defRPr>
+            </a:lvl3pPr>
+            <a:lvl4pPr marL="1600200" indent="-228600" algn="l" defTabSz="457200" rtl="0" eaLnBrk="1" latinLnBrk="0" hangingPunct="1">
+              <a:spcBef>
+                <a:spcPts val="1000"/>
+              </a:spcBef>
+              <a:spcAft>
+                <a:spcPts val="0"/>
+              </a:spcAft>
+              <a:buClr>
+                <a:schemeClr val="accent1"/>
+              </a:buClr>
+              <a:buSzPct val="80000"/>
+              <a:buFont typeface="Wingdings 3" charset="2"/>
+              <a:buChar char=""/>
+              <a:defRPr sz="1200" kern="1200">
+                <a:solidFill>
+                  <a:schemeClr val="tx1">
+                    <a:lumMod val="75000"/>
+                    <a:lumOff val="25000"/>
+                  </a:schemeClr>
+                </a:solidFill>
+                <a:latin typeface="+mn-lt"/>
+                <a:ea typeface="+mn-ea"/>
+                <a:cs typeface="+mn-cs"/>
+              </a:defRPr>
+            </a:lvl4pPr>
+            <a:lvl5pPr marL="2057400" indent="-228600" algn="l" defTabSz="457200" rtl="0" eaLnBrk="1" latinLnBrk="0" hangingPunct="1">
+              <a:spcBef>
+                <a:spcPts val="1000"/>
+              </a:spcBef>
+              <a:spcAft>
+                <a:spcPts val="0"/>
+              </a:spcAft>
+              <a:buClr>
+                <a:schemeClr val="accent1"/>
+              </a:buClr>
+              <a:buSzPct val="80000"/>
+              <a:buFont typeface="Wingdings 3" charset="2"/>
+              <a:buChar char=""/>
+              <a:defRPr sz="1200" kern="1200">
+                <a:solidFill>
+                  <a:schemeClr val="tx1">
+                    <a:lumMod val="75000"/>
+                    <a:lumOff val="25000"/>
+                  </a:schemeClr>
+                </a:solidFill>
+                <a:latin typeface="+mn-lt"/>
+                <a:ea typeface="+mn-ea"/>
+                <a:cs typeface="+mn-cs"/>
+              </a:defRPr>
+            </a:lvl5pPr>
+            <a:lvl6pPr marL="2514600" indent="-228600" algn="l" defTabSz="457200" rtl="0" eaLnBrk="1" latinLnBrk="0" hangingPunct="1">
+              <a:spcBef>
+                <a:spcPts val="1000"/>
+              </a:spcBef>
+              <a:spcAft>
+                <a:spcPts val="0"/>
+              </a:spcAft>
+              <a:buClr>
+                <a:schemeClr val="accent1"/>
+              </a:buClr>
+              <a:buSzPct val="80000"/>
+              <a:buFont typeface="Wingdings 3" charset="2"/>
+              <a:buChar char=""/>
+              <a:defRPr sz="1200" kern="1200">
+                <a:solidFill>
+                  <a:schemeClr val="tx1">
+                    <a:lumMod val="75000"/>
+                    <a:lumOff val="25000"/>
+                  </a:schemeClr>
+                </a:solidFill>
+                <a:latin typeface="+mn-lt"/>
+                <a:ea typeface="+mn-ea"/>
+                <a:cs typeface="+mn-cs"/>
+              </a:defRPr>
+            </a:lvl6pPr>
+            <a:lvl7pPr marL="2971800" indent="-228600" algn="l" defTabSz="457200" rtl="0" eaLnBrk="1" latinLnBrk="0" hangingPunct="1">
+              <a:spcBef>
+                <a:spcPts val="1000"/>
+              </a:spcBef>
+              <a:spcAft>
+                <a:spcPts val="0"/>
+              </a:spcAft>
+              <a:buClr>
+                <a:schemeClr val="accent1"/>
+              </a:buClr>
+              <a:buSzPct val="80000"/>
+              <a:buFont typeface="Wingdings 3" charset="2"/>
+              <a:buChar char=""/>
+              <a:defRPr sz="1200" kern="1200">
+                <a:solidFill>
+                  <a:schemeClr val="tx1">
+                    <a:lumMod val="75000"/>
+                    <a:lumOff val="25000"/>
+                  </a:schemeClr>
+                </a:solidFill>
+                <a:latin typeface="+mn-lt"/>
+                <a:ea typeface="+mn-ea"/>
+                <a:cs typeface="+mn-cs"/>
+              </a:defRPr>
+            </a:lvl7pPr>
+            <a:lvl8pPr marL="3429000" indent="-228600" algn="l" defTabSz="457200" rtl="0" eaLnBrk="1" latinLnBrk="0" hangingPunct="1">
+              <a:spcBef>
+                <a:spcPts val="1000"/>
+              </a:spcBef>
+              <a:spcAft>
+                <a:spcPts val="0"/>
+              </a:spcAft>
+              <a:buClr>
+                <a:schemeClr val="accent1"/>
+              </a:buClr>
+              <a:buSzPct val="80000"/>
+              <a:buFont typeface="Wingdings 3" charset="2"/>
+              <a:buChar char=""/>
+              <a:defRPr sz="1200" kern="1200">
+                <a:solidFill>
+                  <a:schemeClr val="tx1">
+                    <a:lumMod val="75000"/>
+                    <a:lumOff val="25000"/>
+                  </a:schemeClr>
+                </a:solidFill>
+                <a:latin typeface="+mn-lt"/>
+                <a:ea typeface="+mn-ea"/>
+                <a:cs typeface="+mn-cs"/>
+              </a:defRPr>
+            </a:lvl8pPr>
+            <a:lvl9pPr marL="3886200" indent="-228600" algn="l" defTabSz="457200" rtl="0" eaLnBrk="1" latinLnBrk="0" hangingPunct="1">
+              <a:spcBef>
+                <a:spcPts val="1000"/>
+              </a:spcBef>
+              <a:spcAft>
+                <a:spcPts val="0"/>
+              </a:spcAft>
+              <a:buClr>
+                <a:schemeClr val="accent1"/>
+              </a:buClr>
+              <a:buSzPct val="80000"/>
+              <a:buFont typeface="Wingdings 3" charset="2"/>
+              <a:buChar char=""/>
+              <a:defRPr sz="1200" kern="1200">
+                <a:solidFill>
+                  <a:schemeClr val="tx1">
+                    <a:lumMod val="75000"/>
+                    <a:lumOff val="25000"/>
+                  </a:schemeClr>
+                </a:solidFill>
+                <a:latin typeface="+mn-lt"/>
+                <a:ea typeface="+mn-ea"/>
+                <a:cs typeface="+mn-cs"/>
+              </a:defRPr>
+            </a:lvl9pPr>
+          </a:lstStyle>
+          <a:p>
+            <a:pPr marL="0" indent="0" algn="ctr">
+              <a:buNone/>
+            </a:pPr>
+            <a:r>
+              <a:rPr lang="en-US" dirty="0"/>
+              <a:t>Residential Buildings</a:t>
+            </a:r>
+          </a:p>
+        </p:txBody>
+      </p:sp>
+      <p:sp>
+        <p:nvSpPr>
+          <p:cNvPr id="20" name="Text Placeholder 2">
+            <a:extLst>
+              <a:ext uri="{FF2B5EF4-FFF2-40B4-BE49-F238E27FC236}">
+                <a16:creationId xmlns:a16="http://schemas.microsoft.com/office/drawing/2014/main" id="{8A700E3C-9D92-F381-1F92-A980AD996D32}"/>
+              </a:ext>
+            </a:extLst>
+          </p:cNvPr>
+          <p:cNvSpPr txBox="1">
+            <a:spLocks/>
+          </p:cNvSpPr>
+          <p:nvPr/>
+        </p:nvSpPr>
+        <p:spPr>
+          <a:xfrm>
+            <a:off x="5237822" y="282672"/>
+            <a:ext cx="4185623" cy="576262"/>
+          </a:xfrm>
+          <a:prstGeom prst="rect">
+            <a:avLst/>
+          </a:prstGeom>
+        </p:spPr>
+        <p:txBody>
+          <a:bodyPr vert="horz" lIns="91440" tIns="45720" rIns="91440" bIns="45720" rtlCol="0">
+            <a:normAutofit/>
+          </a:bodyPr>
+          <a:lstStyle>
+            <a:lvl1pPr marL="342900" indent="-342900" algn="l" defTabSz="457200" rtl="0" eaLnBrk="1" latinLnBrk="0" hangingPunct="1">
+              <a:spcBef>
+                <a:spcPts val="1000"/>
+              </a:spcBef>
+              <a:spcAft>
+                <a:spcPts val="0"/>
+              </a:spcAft>
+              <a:buClr>
+                <a:schemeClr val="accent1"/>
+              </a:buClr>
+              <a:buSzPct val="80000"/>
+              <a:buFont typeface="Wingdings 3" charset="2"/>
+              <a:buChar char=""/>
+              <a:defRPr sz="1800" kern="1200">
+                <a:solidFill>
+                  <a:schemeClr val="tx1">
+                    <a:lumMod val="75000"/>
+                    <a:lumOff val="25000"/>
+                  </a:schemeClr>
+                </a:solidFill>
+                <a:latin typeface="+mn-lt"/>
+                <a:ea typeface="+mn-ea"/>
+                <a:cs typeface="+mn-cs"/>
+              </a:defRPr>
+            </a:lvl1pPr>
+            <a:lvl2pPr marL="742950" indent="-285750" algn="l" defTabSz="457200" rtl="0" eaLnBrk="1" latinLnBrk="0" hangingPunct="1">
+              <a:spcBef>
+                <a:spcPts val="1000"/>
+              </a:spcBef>
+              <a:spcAft>
+                <a:spcPts val="0"/>
+              </a:spcAft>
+              <a:buClr>
+                <a:schemeClr val="accent1"/>
+              </a:buClr>
+              <a:buSzPct val="80000"/>
+              <a:buFont typeface="Wingdings 3" charset="2"/>
+              <a:buChar char=""/>
+              <a:defRPr sz="1600" kern="1200">
+                <a:solidFill>
+                  <a:schemeClr val="tx1">
+                    <a:lumMod val="75000"/>
+                    <a:lumOff val="25000"/>
+                  </a:schemeClr>
+                </a:solidFill>
+                <a:latin typeface="+mn-lt"/>
+                <a:ea typeface="+mn-ea"/>
+                <a:cs typeface="+mn-cs"/>
+              </a:defRPr>
+            </a:lvl2pPr>
+            <a:lvl3pPr marL="1143000" indent="-228600" algn="l" defTabSz="457200" rtl="0" eaLnBrk="1" latinLnBrk="0" hangingPunct="1">
+              <a:spcBef>
+                <a:spcPts val="1000"/>
+              </a:spcBef>
+              <a:spcAft>
+                <a:spcPts val="0"/>
+              </a:spcAft>
+              <a:buClr>
+                <a:schemeClr val="accent1"/>
+              </a:buClr>
+              <a:buSzPct val="80000"/>
+              <a:buFont typeface="Wingdings 3" charset="2"/>
+              <a:buChar char=""/>
+              <a:defRPr sz="1400" kern="1200">
+                <a:solidFill>
+                  <a:schemeClr val="tx1">
+                    <a:lumMod val="75000"/>
+                    <a:lumOff val="25000"/>
+                  </a:schemeClr>
+                </a:solidFill>
+                <a:latin typeface="+mn-lt"/>
+                <a:ea typeface="+mn-ea"/>
+                <a:cs typeface="+mn-cs"/>
+              </a:defRPr>
+            </a:lvl3pPr>
+            <a:lvl4pPr marL="1600200" indent="-228600" algn="l" defTabSz="457200" rtl="0" eaLnBrk="1" latinLnBrk="0" hangingPunct="1">
+              <a:spcBef>
+                <a:spcPts val="1000"/>
+              </a:spcBef>
+              <a:spcAft>
+                <a:spcPts val="0"/>
+              </a:spcAft>
+              <a:buClr>
+                <a:schemeClr val="accent1"/>
+              </a:buClr>
+              <a:buSzPct val="80000"/>
+              <a:buFont typeface="Wingdings 3" charset="2"/>
+              <a:buChar char=""/>
+              <a:defRPr sz="1200" kern="1200">
+                <a:solidFill>
+                  <a:schemeClr val="tx1">
+                    <a:lumMod val="75000"/>
+                    <a:lumOff val="25000"/>
+                  </a:schemeClr>
+                </a:solidFill>
+                <a:latin typeface="+mn-lt"/>
+                <a:ea typeface="+mn-ea"/>
+                <a:cs typeface="+mn-cs"/>
+              </a:defRPr>
+            </a:lvl4pPr>
+            <a:lvl5pPr marL="2057400" indent="-228600" algn="l" defTabSz="457200" rtl="0" eaLnBrk="1" latinLnBrk="0" hangingPunct="1">
+              <a:spcBef>
+                <a:spcPts val="1000"/>
+              </a:spcBef>
+              <a:spcAft>
+                <a:spcPts val="0"/>
+              </a:spcAft>
+              <a:buClr>
+                <a:schemeClr val="accent1"/>
+              </a:buClr>
+              <a:buSzPct val="80000"/>
+              <a:buFont typeface="Wingdings 3" charset="2"/>
+              <a:buChar char=""/>
+              <a:defRPr sz="1200" kern="1200">
+                <a:solidFill>
+                  <a:schemeClr val="tx1">
+                    <a:lumMod val="75000"/>
+                    <a:lumOff val="25000"/>
+                  </a:schemeClr>
+                </a:solidFill>
+                <a:latin typeface="+mn-lt"/>
+                <a:ea typeface="+mn-ea"/>
+                <a:cs typeface="+mn-cs"/>
+              </a:defRPr>
+            </a:lvl5pPr>
+            <a:lvl6pPr marL="2514600" indent="-228600" algn="l" defTabSz="457200" rtl="0" eaLnBrk="1" latinLnBrk="0" hangingPunct="1">
+              <a:spcBef>
+                <a:spcPts val="1000"/>
+              </a:spcBef>
+              <a:spcAft>
+                <a:spcPts val="0"/>
+              </a:spcAft>
+              <a:buClr>
+                <a:schemeClr val="accent1"/>
+              </a:buClr>
+              <a:buSzPct val="80000"/>
+              <a:buFont typeface="Wingdings 3" charset="2"/>
+              <a:buChar char=""/>
+              <a:defRPr sz="1200" kern="1200">
+                <a:solidFill>
+                  <a:schemeClr val="tx1">
+                    <a:lumMod val="75000"/>
+                    <a:lumOff val="25000"/>
+                  </a:schemeClr>
+                </a:solidFill>
+                <a:latin typeface="+mn-lt"/>
+                <a:ea typeface="+mn-ea"/>
+                <a:cs typeface="+mn-cs"/>
+              </a:defRPr>
+            </a:lvl6pPr>
+            <a:lvl7pPr marL="2971800" indent="-228600" algn="l" defTabSz="457200" rtl="0" eaLnBrk="1" latinLnBrk="0" hangingPunct="1">
+              <a:spcBef>
+                <a:spcPts val="1000"/>
+              </a:spcBef>
+              <a:spcAft>
+                <a:spcPts val="0"/>
+              </a:spcAft>
+              <a:buClr>
+                <a:schemeClr val="accent1"/>
+              </a:buClr>
+              <a:buSzPct val="80000"/>
+              <a:buFont typeface="Wingdings 3" charset="2"/>
+              <a:buChar char=""/>
+              <a:defRPr sz="1200" kern="1200">
+                <a:solidFill>
+                  <a:schemeClr val="tx1">
+                    <a:lumMod val="75000"/>
+                    <a:lumOff val="25000"/>
+                  </a:schemeClr>
+                </a:solidFill>
+                <a:latin typeface="+mn-lt"/>
+                <a:ea typeface="+mn-ea"/>
+                <a:cs typeface="+mn-cs"/>
+              </a:defRPr>
+            </a:lvl7pPr>
+            <a:lvl8pPr marL="3429000" indent="-228600" algn="l" defTabSz="457200" rtl="0" eaLnBrk="1" latinLnBrk="0" hangingPunct="1">
+              <a:spcBef>
+                <a:spcPts val="1000"/>
+              </a:spcBef>
+              <a:spcAft>
+                <a:spcPts val="0"/>
+              </a:spcAft>
+              <a:buClr>
+                <a:schemeClr val="accent1"/>
+              </a:buClr>
+              <a:buSzPct val="80000"/>
+              <a:buFont typeface="Wingdings 3" charset="2"/>
+              <a:buChar char=""/>
+              <a:defRPr sz="1200" kern="1200">
+                <a:solidFill>
+                  <a:schemeClr val="tx1">
+                    <a:lumMod val="75000"/>
+                    <a:lumOff val="25000"/>
+                  </a:schemeClr>
+                </a:solidFill>
+                <a:latin typeface="+mn-lt"/>
+                <a:ea typeface="+mn-ea"/>
+                <a:cs typeface="+mn-cs"/>
+              </a:defRPr>
+            </a:lvl8pPr>
+            <a:lvl9pPr marL="3886200" indent="-228600" algn="l" defTabSz="457200" rtl="0" eaLnBrk="1" latinLnBrk="0" hangingPunct="1">
+              <a:spcBef>
+                <a:spcPts val="1000"/>
+              </a:spcBef>
+              <a:spcAft>
+                <a:spcPts val="0"/>
+              </a:spcAft>
+              <a:buClr>
+                <a:schemeClr val="accent1"/>
+              </a:buClr>
+              <a:buSzPct val="80000"/>
+              <a:buFont typeface="Wingdings 3" charset="2"/>
+              <a:buChar char=""/>
+              <a:defRPr sz="1200" kern="1200">
+                <a:solidFill>
+                  <a:schemeClr val="tx1">
+                    <a:lumMod val="75000"/>
+                    <a:lumOff val="25000"/>
+                  </a:schemeClr>
+                </a:solidFill>
+                <a:latin typeface="+mn-lt"/>
+                <a:ea typeface="+mn-ea"/>
+                <a:cs typeface="+mn-cs"/>
+              </a:defRPr>
+            </a:lvl9pPr>
+          </a:lstStyle>
+          <a:p>
+            <a:pPr marL="0" indent="0" algn="ctr">
+              <a:buNone/>
+            </a:pPr>
+            <a:r>
+              <a:rPr lang="en-US" dirty="0"/>
+              <a:t>Commercial Buildings</a:t>
+            </a:r>
+          </a:p>
+        </p:txBody>
+      </p:sp>
+      <p:sp>
+        <p:nvSpPr>
+          <p:cNvPr id="21" name="TextBox 20">
+            <a:extLst>
+              <a:ext uri="{FF2B5EF4-FFF2-40B4-BE49-F238E27FC236}">
+                <a16:creationId xmlns:a16="http://schemas.microsoft.com/office/drawing/2014/main" id="{A165BC15-AC5F-DCB7-1F4E-60FDB5BD48CF}"/>
+              </a:ext>
+            </a:extLst>
+          </p:cNvPr>
+          <p:cNvSpPr txBox="1"/>
+          <p:nvPr/>
+        </p:nvSpPr>
+        <p:spPr>
+          <a:xfrm>
+            <a:off x="1045180" y="4341585"/>
+            <a:ext cx="3446752" cy="1477328"/>
+          </a:xfrm>
+          <a:prstGeom prst="rect">
+            <a:avLst/>
+          </a:prstGeom>
+          <a:noFill/>
+        </p:spPr>
+        <p:txBody>
+          <a:bodyPr wrap="square" rtlCol="0">
+            <a:spAutoFit/>
+          </a:bodyPr>
+          <a:lstStyle/>
+          <a:p>
+            <a:r>
+              <a:rPr lang="en-US" dirty="0"/>
+              <a:t>PROCEDURE: Created </a:t>
+            </a:r>
+            <a:r>
+              <a:rPr lang="en-US" dirty="0">
+                <a:latin typeface="Courier New" panose="02070309020205020404" pitchFamily="49" charset="0"/>
+                <a:cs typeface="Courier New" panose="02070309020205020404" pitchFamily="49" charset="0"/>
+              </a:rPr>
+              <a:t>bins</a:t>
+            </a:r>
+            <a:r>
+              <a:rPr lang="en-US" dirty="0"/>
+              <a:t> and used the </a:t>
+            </a:r>
+            <a:r>
+              <a:rPr lang="en-US" dirty="0" err="1">
+                <a:latin typeface="Courier New" panose="02070309020205020404" pitchFamily="49" charset="0"/>
+                <a:cs typeface="Courier New" panose="02070309020205020404" pitchFamily="49" charset="0"/>
+              </a:rPr>
+              <a:t>groupby</a:t>
+            </a:r>
+            <a:r>
+              <a:rPr lang="en-US" dirty="0"/>
+              <a:t> function to plot the 2022 GHG emissions based on the year the building was built.</a:t>
+            </a:r>
+          </a:p>
+        </p:txBody>
+      </p:sp>
+      <p:sp>
+        <p:nvSpPr>
+          <p:cNvPr id="22" name="TextBox 21">
+            <a:extLst>
+              <a:ext uri="{FF2B5EF4-FFF2-40B4-BE49-F238E27FC236}">
+                <a16:creationId xmlns:a16="http://schemas.microsoft.com/office/drawing/2014/main" id="{293982C3-C140-A76E-5A4E-609C75C01DE4}"/>
+              </a:ext>
+            </a:extLst>
+          </p:cNvPr>
+          <p:cNvSpPr txBox="1"/>
+          <p:nvPr/>
+        </p:nvSpPr>
+        <p:spPr>
+          <a:xfrm>
+            <a:off x="5782039" y="4341585"/>
+            <a:ext cx="3492136" cy="2031325"/>
+          </a:xfrm>
+          <a:prstGeom prst="rect">
+            <a:avLst/>
+          </a:prstGeom>
+          <a:noFill/>
+        </p:spPr>
+        <p:txBody>
+          <a:bodyPr wrap="square" rtlCol="0">
+            <a:spAutoFit/>
+          </a:bodyPr>
+          <a:lstStyle/>
+          <a:p>
+            <a:r>
+              <a:rPr lang="en-US" dirty="0"/>
+              <a:t>FINDINGS: Newer residential buildings are emitting less GHG. There was an uptick for GHG emissions for commercial buildings built in the new millennia – this is due to high emitting property types such as </a:t>
+            </a:r>
+          </a:p>
+        </p:txBody>
+      </p:sp>
+    </p:spTree>
+    <p:extLst>
+      <p:ext uri="{BB962C8B-B14F-4D97-AF65-F5344CB8AC3E}">
+        <p14:creationId xmlns:p14="http://schemas.microsoft.com/office/powerpoint/2010/main" val="3331582048"/>
       </p:ext>
     </p:extLst>
   </p:cSld>

--- a/Energy Consumption Analysis for Buildings in San Francisco.pptx
+++ b/Energy Consumption Analysis for Buildings in San Francisco.pptx
@@ -3722,7 +3722,7 @@
           <a:p>
             <a:fld id="{C108C191-0409-4CE0-AC43-F36E56B77086}" type="datetimeFigureOut">
               <a:rPr lang="en-US" smtClean="0"/>
-              <a:t>6/1/2023</a:t>
+              <a:t>6/4/2023</a:t>
             </a:fld>
             <a:endParaRPr lang="en-US"/>
           </a:p>
@@ -3973,7 +3973,7 @@
           <a:p>
             <a:fld id="{C108C191-0409-4CE0-AC43-F36E56B77086}" type="datetimeFigureOut">
               <a:rPr lang="en-US" smtClean="0"/>
-              <a:t>6/1/2023</a:t>
+              <a:t>6/4/2023</a:t>
             </a:fld>
             <a:endParaRPr lang="en-US"/>
           </a:p>
@@ -4287,7 +4287,7 @@
           <a:p>
             <a:fld id="{C108C191-0409-4CE0-AC43-F36E56B77086}" type="datetimeFigureOut">
               <a:rPr lang="en-US" smtClean="0"/>
-              <a:t>6/1/2023</a:t>
+              <a:t>6/4/2023</a:t>
             </a:fld>
             <a:endParaRPr lang="en-US"/>
           </a:p>
@@ -4628,7 +4628,7 @@
           <a:p>
             <a:fld id="{C108C191-0409-4CE0-AC43-F36E56B77086}" type="datetimeFigureOut">
               <a:rPr lang="en-US" smtClean="0"/>
-              <a:t>6/1/2023</a:t>
+              <a:t>6/4/2023</a:t>
             </a:fld>
             <a:endParaRPr lang="en-US"/>
           </a:p>
@@ -4942,7 +4942,7 @@
           <a:p>
             <a:fld id="{C108C191-0409-4CE0-AC43-F36E56B77086}" type="datetimeFigureOut">
               <a:rPr lang="en-US" smtClean="0"/>
-              <a:t>6/1/2023</a:t>
+              <a:t>6/4/2023</a:t>
             </a:fld>
             <a:endParaRPr lang="en-US"/>
           </a:p>
@@ -5335,7 +5335,7 @@
           <a:p>
             <a:fld id="{C108C191-0409-4CE0-AC43-F36E56B77086}" type="datetimeFigureOut">
               <a:rPr lang="en-US" smtClean="0"/>
-              <a:t>6/1/2023</a:t>
+              <a:t>6/4/2023</a:t>
             </a:fld>
             <a:endParaRPr lang="en-US"/>
           </a:p>
@@ -5505,7 +5505,7 @@
           <a:p>
             <a:fld id="{C108C191-0409-4CE0-AC43-F36E56B77086}" type="datetimeFigureOut">
               <a:rPr lang="en-US" smtClean="0"/>
-              <a:t>6/1/2023</a:t>
+              <a:t>6/4/2023</a:t>
             </a:fld>
             <a:endParaRPr lang="en-US"/>
           </a:p>
@@ -5685,7 +5685,7 @@
           <a:p>
             <a:fld id="{C108C191-0409-4CE0-AC43-F36E56B77086}" type="datetimeFigureOut">
               <a:rPr lang="en-US" smtClean="0"/>
-              <a:t>6/1/2023</a:t>
+              <a:t>6/4/2023</a:t>
             </a:fld>
             <a:endParaRPr lang="en-US"/>
           </a:p>
@@ -5861,7 +5861,7 @@
           <a:p>
             <a:fld id="{C108C191-0409-4CE0-AC43-F36E56B77086}" type="datetimeFigureOut">
               <a:rPr lang="en-US" smtClean="0"/>
-              <a:t>6/1/2023</a:t>
+              <a:t>6/4/2023</a:t>
             </a:fld>
             <a:endParaRPr lang="en-US"/>
           </a:p>
@@ -6108,7 +6108,7 @@
           <a:p>
             <a:fld id="{C108C191-0409-4CE0-AC43-F36E56B77086}" type="datetimeFigureOut">
               <a:rPr lang="en-US" smtClean="0"/>
-              <a:t>6/1/2023</a:t>
+              <a:t>6/4/2023</a:t>
             </a:fld>
             <a:endParaRPr lang="en-US"/>
           </a:p>
@@ -6340,7 +6340,7 @@
           <a:p>
             <a:fld id="{C108C191-0409-4CE0-AC43-F36E56B77086}" type="datetimeFigureOut">
               <a:rPr lang="en-US" smtClean="0"/>
-              <a:t>6/1/2023</a:t>
+              <a:t>6/4/2023</a:t>
             </a:fld>
             <a:endParaRPr lang="en-US"/>
           </a:p>
@@ -6714,7 +6714,7 @@
           <a:p>
             <a:fld id="{C108C191-0409-4CE0-AC43-F36E56B77086}" type="datetimeFigureOut">
               <a:rPr lang="en-US" smtClean="0"/>
-              <a:t>6/1/2023</a:t>
+              <a:t>6/4/2023</a:t>
             </a:fld>
             <a:endParaRPr lang="en-US"/>
           </a:p>
@@ -6837,7 +6837,7 @@
           <a:p>
             <a:fld id="{C108C191-0409-4CE0-AC43-F36E56B77086}" type="datetimeFigureOut">
               <a:rPr lang="en-US" smtClean="0"/>
-              <a:t>6/1/2023</a:t>
+              <a:t>6/4/2023</a:t>
             </a:fld>
             <a:endParaRPr lang="en-US"/>
           </a:p>
@@ -6932,7 +6932,7 @@
           <a:p>
             <a:fld id="{C108C191-0409-4CE0-AC43-F36E56B77086}" type="datetimeFigureOut">
               <a:rPr lang="en-US" smtClean="0"/>
-              <a:t>6/1/2023</a:t>
+              <a:t>6/4/2023</a:t>
             </a:fld>
             <a:endParaRPr lang="en-US"/>
           </a:p>
@@ -7187,7 +7187,7 @@
           <a:p>
             <a:fld id="{C108C191-0409-4CE0-AC43-F36E56B77086}" type="datetimeFigureOut">
               <a:rPr lang="en-US" smtClean="0"/>
-              <a:t>6/1/2023</a:t>
+              <a:t>6/4/2023</a:t>
             </a:fld>
             <a:endParaRPr lang="en-US"/>
           </a:p>
@@ -7450,7 +7450,7 @@
           <a:p>
             <a:fld id="{C108C191-0409-4CE0-AC43-F36E56B77086}" type="datetimeFigureOut">
               <a:rPr lang="en-US" smtClean="0"/>
-              <a:t>6/1/2023</a:t>
+              <a:t>6/4/2023</a:t>
             </a:fld>
             <a:endParaRPr lang="en-US"/>
           </a:p>
@@ -8193,7 +8193,7 @@
           <a:p>
             <a:fld id="{C108C191-0409-4CE0-AC43-F36E56B77086}" type="datetimeFigureOut">
               <a:rPr lang="en-US" smtClean="0"/>
-              <a:t>6/1/2023</a:t>
+              <a:t>6/4/2023</a:t>
             </a:fld>
             <a:endParaRPr lang="en-US"/>
           </a:p>
@@ -8766,7 +8766,34 @@
           <a:bodyPr/>
           <a:lstStyle/>
           <a:p>
-            <a:endParaRPr lang="en-US"/>
+            <a:r>
+              <a:rPr lang="en-US" dirty="0"/>
+              <a:t>Zohair Zulfiqar, </a:t>
+            </a:r>
+            <a:r>
+              <a:rPr lang="en-US" dirty="0" err="1"/>
+              <a:t>Devanshi</a:t>
+            </a:r>
+            <a:r>
+              <a:rPr lang="en-US" dirty="0"/>
+              <a:t> Mathur, </a:t>
+            </a:r>
+            <a:r>
+              <a:rPr lang="en-US" dirty="0" err="1"/>
+              <a:t>Tekabe</a:t>
+            </a:r>
+            <a:r>
+              <a:rPr lang="en-US" dirty="0"/>
+              <a:t> Fanta, Joy Mickle, Andrew Brannon, and </a:t>
+            </a:r>
+            <a:r>
+              <a:rPr lang="en-US" dirty="0" err="1"/>
+              <a:t>Sehajmeet</a:t>
+            </a:r>
+            <a:r>
+              <a:rPr lang="en-US" dirty="0"/>
+              <a:t> Sohal</a:t>
+            </a:r>
           </a:p>
         </p:txBody>
       </p:sp>
@@ -12025,7 +12052,7 @@
           <a:p>
             <a:r>
               <a:rPr lang="en-US" dirty="0"/>
-              <a:t>Conclusion</a:t>
+              <a:t>Next Steps</a:t>
             </a:r>
           </a:p>
         </p:txBody>
@@ -12051,7 +12078,307 @@
           <a:bodyPr/>
           <a:lstStyle/>
           <a:p>
-            <a:endParaRPr lang="en-US" dirty="0"/>
+            <a:pPr rtl="0" fontAlgn="base">
+              <a:spcBef>
+                <a:spcPts val="0"/>
+              </a:spcBef>
+              <a:spcAft>
+                <a:spcPts val="0"/>
+              </a:spcAft>
+              <a:buFont typeface="+mj-lt"/>
+              <a:buAutoNum type="arabicPeriod"/>
+            </a:pPr>
+            <a:r>
+              <a:rPr lang="en-US" sz="1300" b="0" i="0" u="none" strike="noStrike" dirty="0">
+                <a:solidFill>
+                  <a:srgbClr val="424242"/>
+                </a:solidFill>
+                <a:effectLst/>
+                <a:latin typeface="Nunito" pitchFamily="2" charset="0"/>
+              </a:rPr>
+              <a:t>The data highlights the vigorous energy consumption and GHG emission by data centers, our next steps would be to find sustainable ways to run data centers. </a:t>
+            </a:r>
+          </a:p>
+          <a:p>
+            <a:pPr marL="742950" lvl="1" indent="-285750" rtl="0" fontAlgn="base">
+              <a:spcBef>
+                <a:spcPts val="0"/>
+              </a:spcBef>
+              <a:spcAft>
+                <a:spcPts val="0"/>
+              </a:spcAft>
+              <a:buFont typeface="+mj-lt"/>
+              <a:buAutoNum type="arabicPeriod"/>
+            </a:pPr>
+            <a:r>
+              <a:rPr lang="en-US" sz="1200" b="0" i="0" u="none" strike="noStrike" dirty="0">
+                <a:solidFill>
+                  <a:srgbClr val="202124"/>
+                </a:solidFill>
+                <a:effectLst/>
+                <a:latin typeface="Roboto" panose="02000000000000000000" pitchFamily="2" charset="0"/>
+              </a:rPr>
+              <a:t>Consolidate Servers: Turn off any dead servers and optimize your existing servers.</a:t>
+            </a:r>
+          </a:p>
+          <a:p>
+            <a:pPr marL="742950" lvl="1" indent="-285750" rtl="0" fontAlgn="base">
+              <a:spcBef>
+                <a:spcPts val="0"/>
+              </a:spcBef>
+              <a:spcAft>
+                <a:spcPts val="0"/>
+              </a:spcAft>
+              <a:buFont typeface="+mj-lt"/>
+              <a:buAutoNum type="arabicPeriod"/>
+            </a:pPr>
+            <a:r>
+              <a:rPr lang="en-US" sz="1200" b="0" i="0" u="none" strike="noStrike" dirty="0">
+                <a:solidFill>
+                  <a:srgbClr val="202124"/>
+                </a:solidFill>
+                <a:effectLst/>
+                <a:latin typeface="Roboto" panose="02000000000000000000" pitchFamily="2" charset="0"/>
+              </a:rPr>
+              <a:t>Upgrade Servers: Move to energy efficient servers.</a:t>
+            </a:r>
+          </a:p>
+          <a:p>
+            <a:pPr marL="742950" lvl="1" indent="-285750" rtl="0" fontAlgn="base">
+              <a:spcBef>
+                <a:spcPts val="0"/>
+              </a:spcBef>
+              <a:spcAft>
+                <a:spcPts val="0"/>
+              </a:spcAft>
+              <a:buFont typeface="+mj-lt"/>
+              <a:buAutoNum type="arabicPeriod"/>
+            </a:pPr>
+            <a:r>
+              <a:rPr lang="en-US" sz="1200" b="0" i="0" u="none" strike="noStrike" dirty="0">
+                <a:solidFill>
+                  <a:srgbClr val="202124"/>
+                </a:solidFill>
+                <a:effectLst/>
+                <a:latin typeface="Roboto" panose="02000000000000000000" pitchFamily="2" charset="0"/>
+              </a:rPr>
+              <a:t>Change To High-Efficiency Power: This removes inefficiencies with multiple AC/DC conversions.</a:t>
+            </a:r>
+          </a:p>
+          <a:p>
+            <a:pPr marL="742950" lvl="1" indent="-285750" rtl="0" fontAlgn="base">
+              <a:spcBef>
+                <a:spcPts val="0"/>
+              </a:spcBef>
+              <a:spcAft>
+                <a:spcPts val="0"/>
+              </a:spcAft>
+              <a:buFont typeface="+mj-lt"/>
+              <a:buAutoNum type="arabicPeriod"/>
+            </a:pPr>
+            <a:r>
+              <a:rPr lang="en-US" sz="1200" b="0" i="0" u="none" strike="noStrike" dirty="0">
+                <a:solidFill>
+                  <a:srgbClr val="202124"/>
+                </a:solidFill>
+                <a:effectLst/>
+                <a:latin typeface="Roboto" panose="02000000000000000000" pitchFamily="2" charset="0"/>
+              </a:rPr>
+              <a:t>Implement natural cooling and use optimal locations for data centers that have natural cooling effect</a:t>
+            </a:r>
+          </a:p>
+          <a:p>
+            <a:pPr marL="742950" lvl="1" indent="-285750" rtl="0" fontAlgn="base">
+              <a:spcBef>
+                <a:spcPts val="0"/>
+              </a:spcBef>
+              <a:spcAft>
+                <a:spcPts val="0"/>
+              </a:spcAft>
+              <a:buFont typeface="+mj-lt"/>
+              <a:buAutoNum type="arabicPeriod"/>
+            </a:pPr>
+            <a:r>
+              <a:rPr lang="en-US" sz="1200" b="0" i="0" u="none" strike="noStrike" dirty="0">
+                <a:solidFill>
+                  <a:srgbClr val="202124"/>
+                </a:solidFill>
+                <a:effectLst/>
+                <a:latin typeface="Roboto" panose="02000000000000000000" pitchFamily="2" charset="0"/>
+              </a:rPr>
+              <a:t>Improve Air Management to prevent recirculation of hot air from IT systems </a:t>
+            </a:r>
+          </a:p>
+          <a:p>
+            <a:pPr marL="457200" lvl="1" indent="0" rtl="0" fontAlgn="base">
+              <a:spcBef>
+                <a:spcPts val="0"/>
+              </a:spcBef>
+              <a:spcAft>
+                <a:spcPts val="0"/>
+              </a:spcAft>
+              <a:buNone/>
+            </a:pPr>
+            <a:endParaRPr lang="en-US" sz="1200" b="0" i="0" u="none" strike="noStrike" dirty="0">
+              <a:solidFill>
+                <a:srgbClr val="202124"/>
+              </a:solidFill>
+              <a:effectLst/>
+              <a:latin typeface="Roboto" panose="02000000000000000000" pitchFamily="2" charset="0"/>
+            </a:endParaRPr>
+          </a:p>
+          <a:p>
+            <a:pPr rtl="0" fontAlgn="base">
+              <a:spcBef>
+                <a:spcPts val="0"/>
+              </a:spcBef>
+              <a:spcAft>
+                <a:spcPts val="0"/>
+              </a:spcAft>
+              <a:buFont typeface="+mj-lt"/>
+              <a:buAutoNum type="arabicPeriod"/>
+            </a:pPr>
+            <a:r>
+              <a:rPr lang="en-US" sz="1300" b="0" i="0" u="none" strike="noStrike" dirty="0">
+                <a:solidFill>
+                  <a:srgbClr val="424242"/>
+                </a:solidFill>
+                <a:effectLst/>
+                <a:latin typeface="Nunito" pitchFamily="2" charset="0"/>
+              </a:rPr>
+              <a:t>Simple ways of saving energy could be implemented in Labs/Grocery stores/Supermarkets like adding motion detector or light sensor that sense heat in background to analyze movement or presence of people to reduce energy consumption</a:t>
+            </a:r>
+          </a:p>
+          <a:p>
+            <a:pPr rtl="0" fontAlgn="base">
+              <a:spcBef>
+                <a:spcPts val="0"/>
+              </a:spcBef>
+              <a:spcAft>
+                <a:spcPts val="0"/>
+              </a:spcAft>
+              <a:buFont typeface="+mj-lt"/>
+              <a:buAutoNum type="arabicPeriod"/>
+            </a:pPr>
+            <a:endParaRPr lang="en-US" sz="1300" b="0" i="0" u="none" strike="noStrike" dirty="0">
+              <a:solidFill>
+                <a:srgbClr val="424242"/>
+              </a:solidFill>
+              <a:effectLst/>
+              <a:latin typeface="Nunito" pitchFamily="2" charset="0"/>
+            </a:endParaRPr>
+          </a:p>
+          <a:p>
+            <a:pPr rtl="0" fontAlgn="base">
+              <a:spcBef>
+                <a:spcPts val="0"/>
+              </a:spcBef>
+              <a:spcAft>
+                <a:spcPts val="0"/>
+              </a:spcAft>
+              <a:buFont typeface="+mj-lt"/>
+              <a:buAutoNum type="arabicPeriod"/>
+            </a:pPr>
+            <a:r>
+              <a:rPr lang="en-US" sz="1300" b="0" i="0" u="none" strike="noStrike" dirty="0">
+                <a:solidFill>
+                  <a:srgbClr val="424242"/>
+                </a:solidFill>
+                <a:effectLst/>
+                <a:latin typeface="Nunito" pitchFamily="2" charset="0"/>
+              </a:rPr>
+              <a:t>To reduce GHG emissions from refrigeration systems from supermarkets/Restaurant/Warehouses</a:t>
+            </a:r>
+          </a:p>
+          <a:p>
+            <a:pPr marL="742950" lvl="1" indent="-285750" rtl="0" fontAlgn="base">
+              <a:spcBef>
+                <a:spcPts val="0"/>
+              </a:spcBef>
+              <a:spcAft>
+                <a:spcPts val="0"/>
+              </a:spcAft>
+              <a:buFont typeface="+mj-lt"/>
+              <a:buAutoNum type="arabicPeriod"/>
+            </a:pPr>
+            <a:r>
+              <a:rPr lang="en-US" sz="1200" b="0" i="0" u="none" strike="noStrike" dirty="0">
+                <a:solidFill>
+                  <a:srgbClr val="484848"/>
+                </a:solidFill>
+                <a:effectLst/>
+                <a:latin typeface="Arial" panose="020B0604020202020204" pitchFamily="34" charset="0"/>
+              </a:rPr>
+              <a:t>Replace refrigerants with low-warming HFCs/new cooling agents/non-HFC substances.</a:t>
+            </a:r>
+          </a:p>
+          <a:p>
+            <a:pPr marL="742950" lvl="1" indent="-285750" rtl="0" fontAlgn="base">
+              <a:spcBef>
+                <a:spcPts val="0"/>
+              </a:spcBef>
+              <a:spcAft>
+                <a:spcPts val="0"/>
+              </a:spcAft>
+              <a:buFont typeface="+mj-lt"/>
+              <a:buAutoNum type="arabicPeriod"/>
+            </a:pPr>
+            <a:r>
+              <a:rPr lang="en-US" sz="1200" b="0" i="0" u="none" strike="noStrike" dirty="0">
+                <a:solidFill>
+                  <a:srgbClr val="484848"/>
+                </a:solidFill>
+                <a:effectLst/>
+                <a:latin typeface="Arial" panose="020B0604020202020204" pitchFamily="34" charset="0"/>
+              </a:rPr>
+              <a:t>increase the refrigeration efficiency in appliances.</a:t>
+            </a:r>
+          </a:p>
+          <a:p>
+            <a:pPr marL="685800" lvl="1" indent="-228600" fontAlgn="base">
+              <a:spcBef>
+                <a:spcPts val="0"/>
+              </a:spcBef>
+              <a:buFont typeface="+mj-lt"/>
+              <a:buAutoNum type="arabicPeriod"/>
+            </a:pPr>
+            <a:r>
+              <a:rPr lang="en-US" sz="1200" dirty="0">
+                <a:solidFill>
+                  <a:srgbClr val="484848"/>
+                </a:solidFill>
+                <a:latin typeface="Arial" panose="020B0604020202020204" pitchFamily="34" charset="0"/>
+              </a:rPr>
+              <a:t>Control leakages of refrigerants from existing appliances.</a:t>
+            </a:r>
+          </a:p>
+          <a:p>
+            <a:pPr marL="685800" lvl="1" indent="-228600" fontAlgn="base">
+              <a:spcBef>
+                <a:spcPts val="0"/>
+              </a:spcBef>
+              <a:buFont typeface="+mj-lt"/>
+              <a:buAutoNum type="arabicPeriod"/>
+            </a:pPr>
+            <a:r>
+              <a:rPr lang="en-US" sz="1200" dirty="0">
+                <a:solidFill>
+                  <a:srgbClr val="484848"/>
+                </a:solidFill>
+                <a:latin typeface="Arial" panose="020B0604020202020204" pitchFamily="34" charset="0"/>
+              </a:rPr>
+              <a:t>Ensure recovery, reclaiming /</a:t>
+            </a:r>
+            <a:r>
+              <a:rPr lang="en-US" sz="1200" b="0" i="0" u="none" strike="noStrike" dirty="0">
+                <a:solidFill>
+                  <a:srgbClr val="484848"/>
+                </a:solidFill>
+                <a:effectLst/>
+                <a:latin typeface="Arial" panose="020B0604020202020204" pitchFamily="34" charset="0"/>
+              </a:rPr>
+              <a:t>recycling, and destruction of refrigerants at end of life.</a:t>
+            </a:r>
           </a:p>
         </p:txBody>
       </p:sp>
@@ -12108,7 +12435,7 @@
           <a:p>
             <a:r>
               <a:rPr lang="en-US" dirty="0"/>
-              <a:t>Next Steps</a:t>
+              <a:t>Conclusion</a:t>
             </a:r>
           </a:p>
         </p:txBody>
@@ -12131,24 +12458,123 @@
         </p:nvSpPr>
         <p:spPr/>
         <p:txBody>
-          <a:bodyPr/>
+          <a:bodyPr>
+            <a:normAutofit fontScale="92500" lnSpcReduction="20000"/>
+          </a:bodyPr>
           <a:lstStyle/>
           <a:p>
-            <a:pPr marL="0" indent="0" rtl="0" fontAlgn="base">
+            <a:pPr rtl="0">
               <a:spcBef>
                 <a:spcPts val="0"/>
               </a:spcBef>
               <a:spcAft>
+                <a:spcPts val="1200"/>
+              </a:spcAft>
+            </a:pPr>
+            <a:r>
+              <a:rPr lang="en-US" sz="1800" b="0" i="0" u="none" strike="noStrike" dirty="0">
+                <a:solidFill>
+                  <a:srgbClr val="424242"/>
+                </a:solidFill>
+                <a:effectLst/>
+                <a:latin typeface="Nunito" pitchFamily="2" charset="0"/>
+              </a:rPr>
+              <a:t>REVIEW:</a:t>
+            </a:r>
+            <a:endParaRPr lang="en-US" sz="1200" b="0" dirty="0">
+              <a:effectLst/>
+            </a:endParaRPr>
+          </a:p>
+          <a:p>
+            <a:pPr rtl="0">
+              <a:spcBef>
                 <a:spcPts val="0"/>
+              </a:spcBef>
+              <a:spcAft>
+                <a:spcPts val="1200"/>
               </a:spcAft>
-              <a:buNone/>
             </a:pPr>
-            <a:endParaRPr lang="en-US" sz="1200" b="0" i="0" u="none" strike="noStrike" dirty="0">
-              <a:solidFill>
-                <a:srgbClr val="484848"/>
-              </a:solidFill>
+            <a:r>
+              <a:rPr lang="en-US" sz="1800" b="0" i="0" u="none" strike="noStrike" dirty="0">
+                <a:solidFill>
+                  <a:srgbClr val="424242"/>
+                </a:solidFill>
+                <a:effectLst/>
+                <a:latin typeface="Nunito" pitchFamily="2" charset="0"/>
+              </a:rPr>
+              <a:t>GOAL: Our goal was to identify energy usage and greenhouse gas emission trends, patterns, and relationships for commercial and residential buildings in San Francisco</a:t>
+            </a:r>
+            <a:endParaRPr lang="en-US" sz="1200" b="0" dirty="0">
               <a:effectLst/>
-              <a:latin typeface="Arial" panose="020B0604020202020204" pitchFamily="34" charset="0"/>
+            </a:endParaRPr>
+          </a:p>
+          <a:p>
+            <a:pPr rtl="0">
+              <a:spcBef>
+                <a:spcPts val="0"/>
+              </a:spcBef>
+              <a:spcAft>
+                <a:spcPts val="1200"/>
+              </a:spcAft>
+            </a:pPr>
+            <a:r>
+              <a:rPr lang="en-US" sz="1800" b="0" i="0" u="none" strike="noStrike" dirty="0">
+                <a:solidFill>
+                  <a:srgbClr val="424242"/>
+                </a:solidFill>
+                <a:effectLst/>
+                <a:latin typeface="Nunito" pitchFamily="2" charset="0"/>
+              </a:rPr>
+              <a:t>ACTION ITEMS: Using the insights from the data, we can advise and modify policies for reducing energy use and greenhouse gas emissions </a:t>
+            </a:r>
+            <a:endParaRPr lang="en-US" sz="1200" b="0" dirty="0">
+              <a:effectLst/>
+            </a:endParaRPr>
+          </a:p>
+          <a:p>
+            <a:pPr rtl="0">
+              <a:spcBef>
+                <a:spcPts val="0"/>
+              </a:spcBef>
+              <a:spcAft>
+                <a:spcPts val="1200"/>
+              </a:spcAft>
+            </a:pPr>
+            <a:r>
+              <a:rPr lang="en-US" sz="1800" b="0" i="0" u="none" strike="noStrike" dirty="0">
+                <a:solidFill>
+                  <a:srgbClr val="424242"/>
+                </a:solidFill>
+                <a:effectLst/>
+                <a:latin typeface="Nunito" pitchFamily="2" charset="0"/>
+              </a:rPr>
+              <a:t>WHAT WE LEARNED: Findings and Final Analysis:  It shows that floor area has negligible impact on energy use in commercial buildings. On the other hand, A weak negative correlation between energy use and floor area in mixed residential property types suggests that larger floor areas in such buildings are associated with lower energy consumption. And the properties with highest energy consumption seems to have the highest GHG emission as well.</a:t>
+            </a:r>
+            <a:endParaRPr lang="en-US" sz="1200" b="0" dirty="0">
+              <a:effectLst/>
+            </a:endParaRPr>
+          </a:p>
+          <a:p>
+            <a:pPr rtl="0">
+              <a:spcBef>
+                <a:spcPts val="0"/>
+              </a:spcBef>
+              <a:spcAft>
+                <a:spcPts val="1200"/>
+              </a:spcAft>
+            </a:pPr>
+            <a:r>
+              <a:rPr lang="en-US" sz="1800" b="0" i="0" u="none" strike="noStrike" dirty="0">
+                <a:solidFill>
+                  <a:srgbClr val="424242"/>
+                </a:solidFill>
+                <a:effectLst/>
+                <a:latin typeface="Nunito" pitchFamily="2" charset="0"/>
+              </a:rPr>
+              <a:t>NEXT STEPS: Identify ways to change policy and equipment  to reduce emissions in the cases found like data centers and supermarkets and large GHG emission buildings</a:t>
+            </a:r>
+            <a:endParaRPr lang="en-US" sz="1200" b="0" dirty="0">
+              <a:effectLst/>
             </a:endParaRPr>
           </a:p>
         </p:txBody>
@@ -12232,7 +12658,75 @@
           <a:bodyPr/>
           <a:lstStyle/>
           <a:p>
-            <a:endParaRPr lang="en-US"/>
+            <a:pPr fontAlgn="base">
+              <a:spcBef>
+                <a:spcPts val="0"/>
+              </a:spcBef>
+              <a:spcAft>
+                <a:spcPts val="1200"/>
+              </a:spcAft>
+            </a:pPr>
+            <a:r>
+              <a:rPr lang="en-US" sz="1800" b="0" i="0" u="sng" strike="noStrike" dirty="0">
+                <a:solidFill>
+                  <a:srgbClr val="27278B"/>
+                </a:solidFill>
+                <a:effectLst/>
+                <a:latin typeface="Nunito" pitchFamily="2" charset="0"/>
+                <a:hlinkClick r:id="rId2"/>
+              </a:rPr>
+              <a:t>https://rahi.io/green-data-centers/</a:t>
+            </a:r>
+            <a:r>
+              <a:rPr lang="en-US" sz="1800" b="0" i="0" u="none" strike="noStrike" dirty="0">
+                <a:solidFill>
+                  <a:srgbClr val="424242"/>
+                </a:solidFill>
+                <a:effectLst/>
+                <a:latin typeface="Nunito" pitchFamily="2" charset="0"/>
+              </a:rPr>
+              <a:t> </a:t>
+            </a:r>
+          </a:p>
+          <a:p>
+            <a:pPr fontAlgn="base">
+              <a:spcBef>
+                <a:spcPts val="0"/>
+              </a:spcBef>
+            </a:pPr>
+            <a:r>
+              <a:rPr lang="en-US" sz="1800" b="0" i="0" u="sng" strike="noStrike" dirty="0">
+                <a:solidFill>
+                  <a:srgbClr val="27278B"/>
+                </a:solidFill>
+                <a:effectLst/>
+                <a:latin typeface="Nunito" pitchFamily="2" charset="0"/>
+                <a:hlinkClick r:id="rId3"/>
+              </a:rPr>
+              <a:t>https://drawdown.org/solutions/refrigerant-management</a:t>
+            </a:r>
+            <a:endParaRPr lang="en-US" sz="1800" b="0" i="0" u="none" strike="noStrike" dirty="0">
+              <a:solidFill>
+                <a:srgbClr val="424242"/>
+              </a:solidFill>
+              <a:effectLst/>
+              <a:latin typeface="Nunito" pitchFamily="2" charset="0"/>
+            </a:endParaRPr>
+          </a:p>
+          <a:p>
+            <a:r>
+              <a:rPr lang="en-US" dirty="0">
+                <a:hlinkClick r:id="rId4"/>
+              </a:rPr>
+              <a:t>https://data.sfgov.org/Energy-and-Environment/Existing-Buildings-Energy-Performance-Ordinance-Re/j2j3-acqj</a:t>
+            </a:r>
+            <a:endParaRPr lang="en-US" dirty="0"/>
+          </a:p>
+          <a:p>
+            <a:pPr marL="0" indent="0">
+              <a:buNone/>
+            </a:pPr>
+            <a:endParaRPr lang="en-US" dirty="0"/>
           </a:p>
         </p:txBody>
       </p:sp>
